--- a/Final Research Presentation/Will_Additions.pptx
+++ b/Final Research Presentation/Will_Additions.pptx
@@ -1,6 +1,6 @@
 
 <file path=ppt/presentation.xml><?xml version="1.0" encoding="utf-8"?>
-<p:presentation xmlns:a="http://schemas.openxmlformats.org/drawingml/2006/main" xmlns:r="http://schemas.openxmlformats.org/officeDocument/2006/relationships" xmlns:p="http://schemas.openxmlformats.org/presentationml/2006/main" saveSubsetFonts="1" autoCompressPictures="0">
+<p:presentation xmlns:a="http://schemas.openxmlformats.org/drawingml/2006/main" xmlns:r="http://schemas.openxmlformats.org/officeDocument/2006/relationships" xmlns:mc="http://schemas.openxmlformats.org/markup-compatibility/2006" xmlns:mv="urn:schemas-microsoft-com:mac:vml" xmlns:p="http://schemas.openxmlformats.org/presentationml/2006/main" mc:Ignorable="mv" mc:PreserveAttributes="mv:*" saveSubsetFonts="1" autoCompressPictures="0">
   <p:sldMasterIdLst>
     <p:sldMasterId id="2147483660" r:id="rId1"/>
   </p:sldMasterIdLst>
@@ -134,7 +134,7 @@
 </file>
 
 <file path=ppt/notesMasters/notesMaster1.xml><?xml version="1.0" encoding="utf-8"?>
-<p:notesMaster xmlns:a="http://schemas.openxmlformats.org/drawingml/2006/main" xmlns:r="http://schemas.openxmlformats.org/officeDocument/2006/relationships" xmlns:p="http://schemas.openxmlformats.org/presentationml/2006/main">
+<p:notesMaster xmlns:a="http://schemas.openxmlformats.org/drawingml/2006/main" xmlns:r="http://schemas.openxmlformats.org/officeDocument/2006/relationships" xmlns:mc="http://schemas.openxmlformats.org/markup-compatibility/2006" xmlns:mv="urn:schemas-microsoft-com:mac:vml" xmlns:p="http://schemas.openxmlformats.org/presentationml/2006/main" mc:Ignorable="mv" mc:PreserveAttributes="mv:*">
   <p:cSld>
     <p:bg>
       <p:bgRef idx="1001">
@@ -216,7 +216,7 @@
             <a:fld id="{D454FE15-F6B3-874B-B378-F652C1F4788C}" type="datetimeFigureOut">
               <a:rPr lang="en-US" smtClean="0"/>
               <a:pPr/>
-              <a:t>8/13/2012</a:t>
+              <a:t>8/14/12</a:t>
             </a:fld>
             <a:endParaRPr lang="en-US"/>
           </a:p>
@@ -483,7 +483,7 @@
 </file>
 
 <file path=ppt/notesSlides/notesSlide1.xml><?xml version="1.0" encoding="utf-8"?>
-<p:notes xmlns:a="http://schemas.openxmlformats.org/drawingml/2006/main" xmlns:r="http://schemas.openxmlformats.org/officeDocument/2006/relationships" xmlns:p="http://schemas.openxmlformats.org/presentationml/2006/main">
+<p:notes xmlns:a="http://schemas.openxmlformats.org/drawingml/2006/main" xmlns:r="http://schemas.openxmlformats.org/officeDocument/2006/relationships" xmlns:mc="http://schemas.openxmlformats.org/markup-compatibility/2006" xmlns:mv="urn:schemas-microsoft-com:mac:vml" xmlns:p="http://schemas.openxmlformats.org/presentationml/2006/main" mc:Ignorable="mv" mc:PreserveAttributes="mv:*">
   <p:cSld>
     <p:spTree>
       <p:nvGrpSpPr>
@@ -578,7 +578,7 @@
 </file>
 
 <file path=ppt/notesSlides/notesSlide2.xml><?xml version="1.0" encoding="utf-8"?>
-<p:notes xmlns:a="http://schemas.openxmlformats.org/drawingml/2006/main" xmlns:r="http://schemas.openxmlformats.org/officeDocument/2006/relationships" xmlns:p="http://schemas.openxmlformats.org/presentationml/2006/main">
+<p:notes xmlns:a="http://schemas.openxmlformats.org/drawingml/2006/main" xmlns:r="http://schemas.openxmlformats.org/officeDocument/2006/relationships" xmlns:mc="http://schemas.openxmlformats.org/markup-compatibility/2006" xmlns:mv="urn:schemas-microsoft-com:mac:vml" xmlns:p="http://schemas.openxmlformats.org/presentationml/2006/main" mc:Ignorable="mv" mc:PreserveAttributes="mv:*">
   <p:cSld>
     <p:spTree>
       <p:nvGrpSpPr>
@@ -669,7 +669,7 @@
 </file>
 
 <file path=ppt/slideLayouts/slideLayout1.xml><?xml version="1.0" encoding="utf-8"?>
-<p:sldLayout xmlns:a="http://schemas.openxmlformats.org/drawingml/2006/main" xmlns:r="http://schemas.openxmlformats.org/officeDocument/2006/relationships" xmlns:p="http://schemas.openxmlformats.org/presentationml/2006/main" type="title" preserve="1">
+<p:sldLayout xmlns:a="http://schemas.openxmlformats.org/drawingml/2006/main" xmlns:r="http://schemas.openxmlformats.org/officeDocument/2006/relationships" xmlns:mc="http://schemas.openxmlformats.org/markup-compatibility/2006" xmlns:mv="urn:schemas-microsoft-com:mac:vml" xmlns:p="http://schemas.openxmlformats.org/presentationml/2006/main" mc:Ignorable="mv" mc:PreserveAttributes="mv:*" type="title" preserve="1">
   <p:cSld name="Title Slide">
     <p:spTree>
       <p:nvGrpSpPr>
@@ -799,7 +799,7 @@
             <a:fld id="{4BDB84C0-9A3A-884B-883E-F7760F12E0B8}" type="datetimeFigureOut">
               <a:rPr lang="en-US" smtClean="0"/>
               <a:pPr/>
-              <a:t>8/13/2012</a:t>
+              <a:t>8/14/12</a:t>
             </a:fld>
             <a:endParaRPr lang="en-US"/>
           </a:p>
@@ -991,7 +991,7 @@
 </file>
 
 <file path=ppt/slideLayouts/slideLayout10.xml><?xml version="1.0" encoding="utf-8"?>
-<p:sldLayout xmlns:a="http://schemas.openxmlformats.org/drawingml/2006/main" xmlns:r="http://schemas.openxmlformats.org/officeDocument/2006/relationships" xmlns:p="http://schemas.openxmlformats.org/presentationml/2006/main" type="vertTx" preserve="1">
+<p:sldLayout xmlns:a="http://schemas.openxmlformats.org/drawingml/2006/main" xmlns:r="http://schemas.openxmlformats.org/officeDocument/2006/relationships" xmlns:mc="http://schemas.openxmlformats.org/markup-compatibility/2006" xmlns:mv="urn:schemas-microsoft-com:mac:vml" xmlns:p="http://schemas.openxmlformats.org/presentationml/2006/main" mc:Ignorable="mv" mc:PreserveAttributes="mv:*" type="vertTx" preserve="1">
   <p:cSld name="Title and Vertical Text">
     <p:spTree>
       <p:nvGrpSpPr>
@@ -1100,7 +1100,7 @@
             <a:fld id="{4BDB84C0-9A3A-884B-883E-F7760F12E0B8}" type="datetimeFigureOut">
               <a:rPr lang="en-US" smtClean="0"/>
               <a:pPr/>
-              <a:t>8/13/2012</a:t>
+              <a:t>8/14/12</a:t>
             </a:fld>
             <a:endParaRPr lang="en-US"/>
           </a:p>
@@ -1158,7 +1158,7 @@
 </file>
 
 <file path=ppt/slideLayouts/slideLayout11.xml><?xml version="1.0" encoding="utf-8"?>
-<p:sldLayout xmlns:a="http://schemas.openxmlformats.org/drawingml/2006/main" xmlns:r="http://schemas.openxmlformats.org/officeDocument/2006/relationships" xmlns:p="http://schemas.openxmlformats.org/presentationml/2006/main" type="vertTitleAndTx" preserve="1">
+<p:sldLayout xmlns:a="http://schemas.openxmlformats.org/drawingml/2006/main" xmlns:r="http://schemas.openxmlformats.org/officeDocument/2006/relationships" xmlns:mc="http://schemas.openxmlformats.org/markup-compatibility/2006" xmlns:mv="urn:schemas-microsoft-com:mac:vml" xmlns:p="http://schemas.openxmlformats.org/presentationml/2006/main" mc:Ignorable="mv" mc:PreserveAttributes="mv:*" type="vertTitleAndTx" preserve="1">
   <p:cSld name="Vertical Title and Text">
     <p:spTree>
       <p:nvGrpSpPr>
@@ -1277,7 +1277,7 @@
             <a:fld id="{4BDB84C0-9A3A-884B-883E-F7760F12E0B8}" type="datetimeFigureOut">
               <a:rPr lang="en-US" smtClean="0"/>
               <a:pPr/>
-              <a:t>8/13/2012</a:t>
+              <a:t>8/14/12</a:t>
             </a:fld>
             <a:endParaRPr lang="en-US"/>
           </a:p>
@@ -1335,7 +1335,7 @@
 </file>
 
 <file path=ppt/slideLayouts/slideLayout2.xml><?xml version="1.0" encoding="utf-8"?>
-<p:sldLayout xmlns:a="http://schemas.openxmlformats.org/drawingml/2006/main" xmlns:r="http://schemas.openxmlformats.org/officeDocument/2006/relationships" xmlns:p="http://schemas.openxmlformats.org/presentationml/2006/main" type="obj" preserve="1">
+<p:sldLayout xmlns:a="http://schemas.openxmlformats.org/drawingml/2006/main" xmlns:r="http://schemas.openxmlformats.org/officeDocument/2006/relationships" xmlns:mc="http://schemas.openxmlformats.org/markup-compatibility/2006" xmlns:mv="urn:schemas-microsoft-com:mac:vml" xmlns:p="http://schemas.openxmlformats.org/presentationml/2006/main" mc:Ignorable="mv" mc:PreserveAttributes="mv:*" type="obj" preserve="1">
   <p:cSld name="Title and Content">
     <p:spTree>
       <p:nvGrpSpPr>
@@ -1444,7 +1444,7 @@
             <a:fld id="{4BDB84C0-9A3A-884B-883E-F7760F12E0B8}" type="datetimeFigureOut">
               <a:rPr lang="en-US" smtClean="0"/>
               <a:pPr/>
-              <a:t>8/13/2012</a:t>
+              <a:t>8/14/12</a:t>
             </a:fld>
             <a:endParaRPr lang="en-US"/>
           </a:p>
@@ -1502,7 +1502,7 @@
 </file>
 
 <file path=ppt/slideLayouts/slideLayout3.xml><?xml version="1.0" encoding="utf-8"?>
-<p:sldLayout xmlns:a="http://schemas.openxmlformats.org/drawingml/2006/main" xmlns:r="http://schemas.openxmlformats.org/officeDocument/2006/relationships" xmlns:p="http://schemas.openxmlformats.org/presentationml/2006/main" showMasterSp="0" type="secHead" preserve="1">
+<p:sldLayout xmlns:a="http://schemas.openxmlformats.org/drawingml/2006/main" xmlns:r="http://schemas.openxmlformats.org/officeDocument/2006/relationships" xmlns:mc="http://schemas.openxmlformats.org/markup-compatibility/2006" xmlns:mv="urn:schemas-microsoft-com:mac:vml" xmlns:p="http://schemas.openxmlformats.org/presentationml/2006/main" mc:Ignorable="mv" mc:PreserveAttributes="mv:*" showMasterSp="0" type="secHead" preserve="1">
   <p:cSld name="Section Header">
     <p:spTree>
       <p:nvGrpSpPr>
@@ -1704,7 +1704,7 @@
             <a:fld id="{4BDB84C0-9A3A-884B-883E-F7760F12E0B8}" type="datetimeFigureOut">
               <a:rPr lang="en-US" smtClean="0"/>
               <a:pPr/>
-              <a:t>8/13/2012</a:t>
+              <a:t>8/14/12</a:t>
             </a:fld>
             <a:endParaRPr lang="en-US"/>
           </a:p>
@@ -1950,7 +1950,7 @@
 </file>
 
 <file path=ppt/slideLayouts/slideLayout4.xml><?xml version="1.0" encoding="utf-8"?>
-<p:sldLayout xmlns:a="http://schemas.openxmlformats.org/drawingml/2006/main" xmlns:r="http://schemas.openxmlformats.org/officeDocument/2006/relationships" xmlns:p="http://schemas.openxmlformats.org/presentationml/2006/main" type="twoObj" preserve="1">
+<p:sldLayout xmlns:a="http://schemas.openxmlformats.org/drawingml/2006/main" xmlns:r="http://schemas.openxmlformats.org/officeDocument/2006/relationships" xmlns:mc="http://schemas.openxmlformats.org/markup-compatibility/2006" xmlns:mv="urn:schemas-microsoft-com:mac:vml" xmlns:p="http://schemas.openxmlformats.org/presentationml/2006/main" mc:Ignorable="mv" mc:PreserveAttributes="mv:*" type="twoObj" preserve="1">
   <p:cSld name="Two Content">
     <p:spTree>
       <p:nvGrpSpPr>
@@ -2158,7 +2158,7 @@
             <a:fld id="{4BDB84C0-9A3A-884B-883E-F7760F12E0B8}" type="datetimeFigureOut">
               <a:rPr lang="en-US" smtClean="0"/>
               <a:pPr/>
-              <a:t>8/13/2012</a:t>
+              <a:t>8/14/12</a:t>
             </a:fld>
             <a:endParaRPr lang="en-US"/>
           </a:p>
@@ -2216,7 +2216,7 @@
 </file>
 
 <file path=ppt/slideLayouts/slideLayout5.xml><?xml version="1.0" encoding="utf-8"?>
-<p:sldLayout xmlns:a="http://schemas.openxmlformats.org/drawingml/2006/main" xmlns:r="http://schemas.openxmlformats.org/officeDocument/2006/relationships" xmlns:p="http://schemas.openxmlformats.org/presentationml/2006/main" showMasterSp="0" type="twoTxTwoObj" preserve="1">
+<p:sldLayout xmlns:a="http://schemas.openxmlformats.org/drawingml/2006/main" xmlns:r="http://schemas.openxmlformats.org/officeDocument/2006/relationships" xmlns:mc="http://schemas.openxmlformats.org/markup-compatibility/2006" xmlns:mv="urn:schemas-microsoft-com:mac:vml" xmlns:p="http://schemas.openxmlformats.org/presentationml/2006/main" mc:Ignorable="mv" mc:PreserveAttributes="mv:*" showMasterSp="0" type="twoTxTwoObj" preserve="1">
   <p:cSld name="Comparison">
     <p:spTree>
       <p:nvGrpSpPr>
@@ -2638,7 +2638,7 @@
             <a:fld id="{4BDB84C0-9A3A-884B-883E-F7760F12E0B8}" type="datetimeFigureOut">
               <a:rPr lang="en-US" smtClean="0"/>
               <a:pPr/>
-              <a:t>8/13/2012</a:t>
+              <a:t>8/14/12</a:t>
             </a:fld>
             <a:endParaRPr lang="en-US"/>
           </a:p>
@@ -2696,7 +2696,7 @@
 </file>
 
 <file path=ppt/slideLayouts/slideLayout6.xml><?xml version="1.0" encoding="utf-8"?>
-<p:sldLayout xmlns:a="http://schemas.openxmlformats.org/drawingml/2006/main" xmlns:r="http://schemas.openxmlformats.org/officeDocument/2006/relationships" xmlns:p="http://schemas.openxmlformats.org/presentationml/2006/main" type="titleOnly" preserve="1">
+<p:sldLayout xmlns:a="http://schemas.openxmlformats.org/drawingml/2006/main" xmlns:r="http://schemas.openxmlformats.org/officeDocument/2006/relationships" xmlns:mc="http://schemas.openxmlformats.org/markup-compatibility/2006" xmlns:mv="urn:schemas-microsoft-com:mac:vml" xmlns:p="http://schemas.openxmlformats.org/presentationml/2006/main" mc:Ignorable="mv" mc:PreserveAttributes="mv:*" type="titleOnly" preserve="1">
   <p:cSld name="Title Only">
     <p:spTree>
       <p:nvGrpSpPr>
@@ -2758,7 +2758,7 @@
             <a:fld id="{4BDB84C0-9A3A-884B-883E-F7760F12E0B8}" type="datetimeFigureOut">
               <a:rPr lang="en-US" smtClean="0"/>
               <a:pPr/>
-              <a:t>8/13/2012</a:t>
+              <a:t>8/14/12</a:t>
             </a:fld>
             <a:endParaRPr lang="en-US"/>
           </a:p>
@@ -2816,7 +2816,7 @@
 </file>
 
 <file path=ppt/slideLayouts/slideLayout7.xml><?xml version="1.0" encoding="utf-8"?>
-<p:sldLayout xmlns:a="http://schemas.openxmlformats.org/drawingml/2006/main" xmlns:r="http://schemas.openxmlformats.org/officeDocument/2006/relationships" xmlns:p="http://schemas.openxmlformats.org/presentationml/2006/main" showMasterSp="0" type="blank" preserve="1">
+<p:sldLayout xmlns:a="http://schemas.openxmlformats.org/drawingml/2006/main" xmlns:r="http://schemas.openxmlformats.org/officeDocument/2006/relationships" xmlns:mc="http://schemas.openxmlformats.org/markup-compatibility/2006" xmlns:mv="urn:schemas-microsoft-com:mac:vml" xmlns:p="http://schemas.openxmlformats.org/presentationml/2006/main" mc:Ignorable="mv" mc:PreserveAttributes="mv:*" showMasterSp="0" type="blank" preserve="1">
   <p:cSld name="Blank">
     <p:spTree>
       <p:nvGrpSpPr>
@@ -2896,7 +2896,7 @@
             <a:fld id="{4BDB84C0-9A3A-884B-883E-F7760F12E0B8}" type="datetimeFigureOut">
               <a:rPr lang="en-US" smtClean="0"/>
               <a:pPr/>
-              <a:t>8/13/2012</a:t>
+              <a:t>8/14/12</a:t>
             </a:fld>
             <a:endParaRPr lang="en-US"/>
           </a:p>
@@ -3008,7 +3008,7 @@
 </file>
 
 <file path=ppt/slideLayouts/slideLayout8.xml><?xml version="1.0" encoding="utf-8"?>
-<p:sldLayout xmlns:a="http://schemas.openxmlformats.org/drawingml/2006/main" xmlns:r="http://schemas.openxmlformats.org/officeDocument/2006/relationships" xmlns:p="http://schemas.openxmlformats.org/presentationml/2006/main" showMasterSp="0" type="objTx" preserve="1">
+<p:sldLayout xmlns:a="http://schemas.openxmlformats.org/drawingml/2006/main" xmlns:r="http://schemas.openxmlformats.org/officeDocument/2006/relationships" xmlns:mc="http://schemas.openxmlformats.org/markup-compatibility/2006" xmlns:mv="urn:schemas-microsoft-com:mac:vml" xmlns:p="http://schemas.openxmlformats.org/presentationml/2006/main" mc:Ignorable="mv" mc:PreserveAttributes="mv:*" showMasterSp="0" type="objTx" preserve="1">
   <p:cSld name="Content with Caption">
     <p:spTree>
       <p:nvGrpSpPr>
@@ -3209,7 +3209,7 @@
             <a:fld id="{4BDB84C0-9A3A-884B-883E-F7760F12E0B8}" type="datetimeFigureOut">
               <a:rPr lang="en-US" smtClean="0"/>
               <a:pPr/>
-              <a:t>8/13/2012</a:t>
+              <a:t>8/14/12</a:t>
             </a:fld>
             <a:endParaRPr lang="en-US"/>
           </a:p>
@@ -3267,7 +3267,7 @@
 </file>
 
 <file path=ppt/slideLayouts/slideLayout9.xml><?xml version="1.0" encoding="utf-8"?>
-<p:sldLayout xmlns:a="http://schemas.openxmlformats.org/drawingml/2006/main" xmlns:r="http://schemas.openxmlformats.org/officeDocument/2006/relationships" xmlns:p="http://schemas.openxmlformats.org/presentationml/2006/main" showMasterSp="0" type="picTx" preserve="1">
+<p:sldLayout xmlns:a="http://schemas.openxmlformats.org/drawingml/2006/main" xmlns:r="http://schemas.openxmlformats.org/officeDocument/2006/relationships" xmlns:mc="http://schemas.openxmlformats.org/markup-compatibility/2006" xmlns:mv="urn:schemas-microsoft-com:mac:vml" xmlns:p="http://schemas.openxmlformats.org/presentationml/2006/main" mc:Ignorable="mv" mc:PreserveAttributes="mv:*" showMasterSp="0" type="picTx" preserve="1">
   <p:cSld name="Picture with Caption">
     <p:spTree>
       <p:nvGrpSpPr>
@@ -3338,7 +3338,7 @@
             <a:fld id="{4BDB84C0-9A3A-884B-883E-F7760F12E0B8}" type="datetimeFigureOut">
               <a:rPr lang="en-US" smtClean="0"/>
               <a:pPr/>
-              <a:t>8/13/2012</a:t>
+              <a:t>8/14/12</a:t>
             </a:fld>
             <a:endParaRPr lang="en-US"/>
           </a:p>
@@ -3690,7 +3690,7 @@
 </file>
 
 <file path=ppt/slideMasters/slideMaster1.xml><?xml version="1.0" encoding="utf-8"?>
-<p:sldMaster xmlns:a="http://schemas.openxmlformats.org/drawingml/2006/main" xmlns:r="http://schemas.openxmlformats.org/officeDocument/2006/relationships" xmlns:p="http://schemas.openxmlformats.org/presentationml/2006/main">
+<p:sldMaster xmlns:a="http://schemas.openxmlformats.org/drawingml/2006/main" xmlns:r="http://schemas.openxmlformats.org/officeDocument/2006/relationships" xmlns:mc="http://schemas.openxmlformats.org/markup-compatibility/2006" xmlns:mv="urn:schemas-microsoft-com:mac:vml" xmlns:p="http://schemas.openxmlformats.org/presentationml/2006/main" mc:Ignorable="mv" mc:PreserveAttributes="mv:*">
   <p:cSld>
     <p:bg>
       <p:bgRef idx="1003">
@@ -4096,7 +4096,7 @@
             <a:fld id="{4BDB84C0-9A3A-884B-883E-F7760F12E0B8}" type="datetimeFigureOut">
               <a:rPr lang="en-US" smtClean="0"/>
               <a:pPr/>
-              <a:t>8/13/2012</a:t>
+              <a:t>8/14/12</a:t>
             </a:fld>
             <a:endParaRPr lang="en-US"/>
           </a:p>
@@ -4570,7 +4570,7 @@
 </file>
 
 <file path=ppt/slides/slide1.xml><?xml version="1.0" encoding="utf-8"?>
-<p:sld xmlns:a="http://schemas.openxmlformats.org/drawingml/2006/main" xmlns:r="http://schemas.openxmlformats.org/officeDocument/2006/relationships" xmlns:p="http://schemas.openxmlformats.org/presentationml/2006/main">
+<p:sld xmlns:a="http://schemas.openxmlformats.org/drawingml/2006/main" xmlns:r="http://schemas.openxmlformats.org/officeDocument/2006/relationships" xmlns:mc="http://schemas.openxmlformats.org/markup-compatibility/2006" xmlns:mv="urn:schemas-microsoft-com:mac:vml" xmlns:p="http://schemas.openxmlformats.org/presentationml/2006/main" mc:Ignorable="mv" mc:PreserveAttributes="mv:*">
   <p:cSld>
     <p:spTree>
       <p:nvGrpSpPr>
@@ -4754,7 +4754,7 @@
 </file>
 
 <file path=ppt/slides/slide10.xml><?xml version="1.0" encoding="utf-8"?>
-<p:sld xmlns:a="http://schemas.openxmlformats.org/drawingml/2006/main" xmlns:r="http://schemas.openxmlformats.org/officeDocument/2006/relationships" xmlns:p="http://schemas.openxmlformats.org/presentationml/2006/main">
+<p:sld xmlns:a="http://schemas.openxmlformats.org/drawingml/2006/main" xmlns:r="http://schemas.openxmlformats.org/officeDocument/2006/relationships" xmlns:mc="http://schemas.openxmlformats.org/markup-compatibility/2006" xmlns:mv="urn:schemas-microsoft-com:mac:vml" xmlns:p="http://schemas.openxmlformats.org/presentationml/2006/main" mc:Ignorable="mv" mc:PreserveAttributes="mv:*">
   <p:cSld>
     <p:spTree>
       <p:nvGrpSpPr>
@@ -5055,7 +5055,7 @@
 </file>
 
 <file path=ppt/slides/slide11.xml><?xml version="1.0" encoding="utf-8"?>
-<p:sld xmlns:a="http://schemas.openxmlformats.org/drawingml/2006/main" xmlns:r="http://schemas.openxmlformats.org/officeDocument/2006/relationships" xmlns:p="http://schemas.openxmlformats.org/presentationml/2006/main">
+<p:sld xmlns:a="http://schemas.openxmlformats.org/drawingml/2006/main" xmlns:r="http://schemas.openxmlformats.org/officeDocument/2006/relationships" xmlns:mc="http://schemas.openxmlformats.org/markup-compatibility/2006" xmlns:mv="urn:schemas-microsoft-com:mac:vml" xmlns:p="http://schemas.openxmlformats.org/presentationml/2006/main" mc:Ignorable="mv" mc:PreserveAttributes="mv:*">
   <p:cSld>
     <p:spTree>
       <p:nvGrpSpPr>
@@ -5414,7 +5414,7 @@
 </file>
 
 <file path=ppt/slides/slide12.xml><?xml version="1.0" encoding="utf-8"?>
-<p:sld xmlns:a="http://schemas.openxmlformats.org/drawingml/2006/main" xmlns:r="http://schemas.openxmlformats.org/officeDocument/2006/relationships" xmlns:p="http://schemas.openxmlformats.org/presentationml/2006/main">
+<p:sld xmlns:a="http://schemas.openxmlformats.org/drawingml/2006/main" xmlns:r="http://schemas.openxmlformats.org/officeDocument/2006/relationships" xmlns:mc="http://schemas.openxmlformats.org/markup-compatibility/2006" xmlns:mv="urn:schemas-microsoft-com:mac:vml" xmlns:p="http://schemas.openxmlformats.org/presentationml/2006/main" mc:Ignorable="mv" mc:PreserveAttributes="mv:*">
   <p:cSld>
     <p:spTree>
       <p:nvGrpSpPr>
@@ -5643,7 +5643,7 @@
 </file>
 
 <file path=ppt/slides/slide13.xml><?xml version="1.0" encoding="utf-8"?>
-<p:sld xmlns:a="http://schemas.openxmlformats.org/drawingml/2006/main" xmlns:r="http://schemas.openxmlformats.org/officeDocument/2006/relationships" xmlns:p="http://schemas.openxmlformats.org/presentationml/2006/main">
+<p:sld xmlns:a="http://schemas.openxmlformats.org/drawingml/2006/main" xmlns:r="http://schemas.openxmlformats.org/officeDocument/2006/relationships" xmlns:mc="http://schemas.openxmlformats.org/markup-compatibility/2006" xmlns:mv="urn:schemas-microsoft-com:mac:vml" xmlns:p="http://schemas.openxmlformats.org/presentationml/2006/main" mc:Ignorable="mv" mc:PreserveAttributes="mv:*">
   <p:cSld>
     <p:spTree>
       <p:nvGrpSpPr>
@@ -6036,7 +6036,7 @@
 </file>
 
 <file path=ppt/slides/slide14.xml><?xml version="1.0" encoding="utf-8"?>
-<p:sld xmlns:a="http://schemas.openxmlformats.org/drawingml/2006/main" xmlns:r="http://schemas.openxmlformats.org/officeDocument/2006/relationships" xmlns:p="http://schemas.openxmlformats.org/presentationml/2006/main">
+<p:sld xmlns:a="http://schemas.openxmlformats.org/drawingml/2006/main" xmlns:r="http://schemas.openxmlformats.org/officeDocument/2006/relationships" xmlns:mc="http://schemas.openxmlformats.org/markup-compatibility/2006" xmlns:mv="urn:schemas-microsoft-com:mac:vml" xmlns:p="http://schemas.openxmlformats.org/presentationml/2006/main" mc:Ignorable="mv" mc:PreserveAttributes="mv:*">
   <p:cSld>
     <p:spTree>
       <p:nvGrpSpPr>
@@ -6229,7 +6229,7 @@
 </file>
 
 <file path=ppt/slides/slide15.xml><?xml version="1.0" encoding="utf-8"?>
-<p:sld xmlns:a="http://schemas.openxmlformats.org/drawingml/2006/main" xmlns:r="http://schemas.openxmlformats.org/officeDocument/2006/relationships" xmlns:p="http://schemas.openxmlformats.org/presentationml/2006/main">
+<p:sld xmlns:a="http://schemas.openxmlformats.org/drawingml/2006/main" xmlns:r="http://schemas.openxmlformats.org/officeDocument/2006/relationships" xmlns:mc="http://schemas.openxmlformats.org/markup-compatibility/2006" xmlns:mv="urn:schemas-microsoft-com:mac:vml" xmlns:p="http://schemas.openxmlformats.org/presentationml/2006/main" mc:Ignorable="mv" mc:PreserveAttributes="mv:*">
   <p:cSld>
     <p:spTree>
       <p:nvGrpSpPr>
@@ -6542,7 +6542,7 @@
 </file>
 
 <file path=ppt/slides/slide16.xml><?xml version="1.0" encoding="utf-8"?>
-<p:sld xmlns:a="http://schemas.openxmlformats.org/drawingml/2006/main" xmlns:r="http://schemas.openxmlformats.org/officeDocument/2006/relationships" xmlns:p="http://schemas.openxmlformats.org/presentationml/2006/main">
+<p:sld xmlns:a="http://schemas.openxmlformats.org/drawingml/2006/main" xmlns:r="http://schemas.openxmlformats.org/officeDocument/2006/relationships" xmlns:mc="http://schemas.openxmlformats.org/markup-compatibility/2006" xmlns:mv="urn:schemas-microsoft-com:mac:vml" xmlns:p="http://schemas.openxmlformats.org/presentationml/2006/main" mc:Ignorable="mv" mc:PreserveAttributes="mv:*">
   <p:cSld>
     <p:spTree>
       <p:nvGrpSpPr>
@@ -6653,7 +6653,7 @@
 </file>
 
 <file path=ppt/slides/slide17.xml><?xml version="1.0" encoding="utf-8"?>
-<p:sld xmlns:a="http://schemas.openxmlformats.org/drawingml/2006/main" xmlns:r="http://schemas.openxmlformats.org/officeDocument/2006/relationships" xmlns:p="http://schemas.openxmlformats.org/presentationml/2006/main">
+<p:sld xmlns:a="http://schemas.openxmlformats.org/drawingml/2006/main" xmlns:r="http://schemas.openxmlformats.org/officeDocument/2006/relationships" xmlns:mc="http://schemas.openxmlformats.org/markup-compatibility/2006" xmlns:mv="urn:schemas-microsoft-com:mac:vml" xmlns:p="http://schemas.openxmlformats.org/presentationml/2006/main" mc:Ignorable="mv" mc:PreserveAttributes="mv:*">
   <p:cSld>
     <p:spTree>
       <p:nvGrpSpPr>
@@ -6784,7 +6784,7 @@
 </file>
 
 <file path=ppt/slides/slide18.xml><?xml version="1.0" encoding="utf-8"?>
-<p:sld xmlns:a="http://schemas.openxmlformats.org/drawingml/2006/main" xmlns:r="http://schemas.openxmlformats.org/officeDocument/2006/relationships" xmlns:p="http://schemas.openxmlformats.org/presentationml/2006/main">
+<p:sld xmlns:a="http://schemas.openxmlformats.org/drawingml/2006/main" xmlns:r="http://schemas.openxmlformats.org/officeDocument/2006/relationships" xmlns:mc="http://schemas.openxmlformats.org/markup-compatibility/2006" xmlns:mv="urn:schemas-microsoft-com:mac:vml" xmlns:p="http://schemas.openxmlformats.org/presentationml/2006/main" mc:Ignorable="mv" mc:PreserveAttributes="mv:*">
   <p:cSld>
     <p:spTree>
       <p:nvGrpSpPr>
@@ -6901,7 +6901,7 @@
 </file>
 
 <file path=ppt/slides/slide19.xml><?xml version="1.0" encoding="utf-8"?>
-<p:sld xmlns:a="http://schemas.openxmlformats.org/drawingml/2006/main" xmlns:r="http://schemas.openxmlformats.org/officeDocument/2006/relationships" xmlns:p="http://schemas.openxmlformats.org/presentationml/2006/main">
+<p:sld xmlns:a="http://schemas.openxmlformats.org/drawingml/2006/main" xmlns:r="http://schemas.openxmlformats.org/officeDocument/2006/relationships" xmlns:mc="http://schemas.openxmlformats.org/markup-compatibility/2006" xmlns:mv="urn:schemas-microsoft-com:mac:vml" xmlns:p="http://schemas.openxmlformats.org/presentationml/2006/main" mc:Ignorable="mv" mc:PreserveAttributes="mv:*">
   <p:cSld>
     <p:spTree>
       <p:nvGrpSpPr>
@@ -7502,7 +7502,7 @@
 </file>
 
 <file path=ppt/slides/slide2.xml><?xml version="1.0" encoding="utf-8"?>
-<p:sld xmlns:a="http://schemas.openxmlformats.org/drawingml/2006/main" xmlns:r="http://schemas.openxmlformats.org/officeDocument/2006/relationships" xmlns:p="http://schemas.openxmlformats.org/presentationml/2006/main">
+<p:sld xmlns:a="http://schemas.openxmlformats.org/drawingml/2006/main" xmlns:r="http://schemas.openxmlformats.org/officeDocument/2006/relationships" xmlns:mc="http://schemas.openxmlformats.org/markup-compatibility/2006" xmlns:mv="urn:schemas-microsoft-com:mac:vml" xmlns:p="http://schemas.openxmlformats.org/presentationml/2006/main" mc:Ignorable="mv" mc:PreserveAttributes="mv:*">
   <p:cSld>
     <p:spTree>
       <p:nvGrpSpPr>
@@ -7668,7 +7668,7 @@
 </file>
 
 <file path=ppt/slides/slide20.xml><?xml version="1.0" encoding="utf-8"?>
-<p:sld xmlns:a="http://schemas.openxmlformats.org/drawingml/2006/main" xmlns:r="http://schemas.openxmlformats.org/officeDocument/2006/relationships" xmlns:p="http://schemas.openxmlformats.org/presentationml/2006/main">
+<p:sld xmlns:a="http://schemas.openxmlformats.org/drawingml/2006/main" xmlns:r="http://schemas.openxmlformats.org/officeDocument/2006/relationships" xmlns:mc="http://schemas.openxmlformats.org/markup-compatibility/2006" xmlns:mv="urn:schemas-microsoft-com:mac:vml" xmlns:p="http://schemas.openxmlformats.org/presentationml/2006/main" mc:Ignorable="mv" mc:PreserveAttributes="mv:*">
   <p:cSld>
     <p:spTree>
       <p:nvGrpSpPr>
@@ -7819,11 +7819,7 @@
             </a:r>
             <a:r>
               <a:rPr lang="en-US" dirty="0" smtClean="0"/>
-              <a:t>=</a:t>
-            </a:r>
-            <a:r>
-              <a:rPr lang="en-US" dirty="0" smtClean="0"/>
-              <a:t> 32 cores</a:t>
+              <a:t>= 32 cores</a:t>
             </a:r>
             <a:endParaRPr lang="en-US" dirty="0"/>
           </a:p>
@@ -7898,7 +7894,7 @@
 </file>
 
 <file path=ppt/slides/slide21.xml><?xml version="1.0" encoding="utf-8"?>
-<p:sld xmlns:a="http://schemas.openxmlformats.org/drawingml/2006/main" xmlns:r="http://schemas.openxmlformats.org/officeDocument/2006/relationships" xmlns:p="http://schemas.openxmlformats.org/presentationml/2006/main">
+<p:sld xmlns:a="http://schemas.openxmlformats.org/drawingml/2006/main" xmlns:r="http://schemas.openxmlformats.org/officeDocument/2006/relationships" xmlns:mc="http://schemas.openxmlformats.org/markup-compatibility/2006" xmlns:mv="urn:schemas-microsoft-com:mac:vml" xmlns:p="http://schemas.openxmlformats.org/presentationml/2006/main" mc:Ignorable="mv" mc:PreserveAttributes="mv:*">
   <p:cSld>
     <p:spTree>
       <p:nvGrpSpPr>
@@ -7948,15 +7944,20 @@
             <p:ph idx="1"/>
           </p:nvPr>
         </p:nvSpPr>
-        <p:spPr/>
+        <p:spPr>
+          <a:xfrm>
+            <a:off x="1435608" y="1447800"/>
+            <a:ext cx="7498080" cy="3886200"/>
+          </a:xfrm>
+        </p:spPr>
         <p:txBody>
           <a:bodyPr>
-            <a:normAutofit fontScale="92500" lnSpcReduction="20000"/>
+            <a:normAutofit fontScale="85000" lnSpcReduction="20000"/>
           </a:bodyPr>
           <a:lstStyle/>
           <a:p>
             <a:r>
-              <a:rPr lang="en-US" b="0">
+              <a:rPr lang="en-US" b="0" dirty="0">
                 <a:ea typeface="ＭＳ Ｐゴシック" pitchFamily="-108" charset="-128"/>
               </a:rPr>
               <a:t>Simplification of the Euler Equations</a:t>
@@ -7965,53 +7966,49 @@
           <a:p>
             <a:pPr lvl="1"/>
             <a:r>
-              <a:rPr lang="en-US"/>
+              <a:rPr lang="en-US" dirty="0"/>
               <a:t>Uniform Fluid Density</a:t>
             </a:r>
           </a:p>
           <a:p>
             <a:pPr lvl="1"/>
             <a:r>
-              <a:rPr lang="en-US"/>
+              <a:rPr lang="en-US" dirty="0"/>
               <a:t>Wavelengths are much longer than fluid depth</a:t>
             </a:r>
           </a:p>
           <a:p>
             <a:pPr lvl="1"/>
-            <a:endParaRPr lang="en-US"/>
+            <a:endParaRPr lang="en-US" dirty="0"/>
           </a:p>
           <a:p>
             <a:pPr lvl="1"/>
-            <a:endParaRPr lang="en-US"/>
+            <a:endParaRPr lang="en-US" dirty="0"/>
           </a:p>
           <a:p>
             <a:pPr lvl="1"/>
-            <a:endParaRPr lang="en-US"/>
+            <a:endParaRPr lang="en-US" dirty="0"/>
           </a:p>
           <a:p>
             <a:pPr lvl="1"/>
-            <a:endParaRPr lang="en-US"/>
+            <a:endParaRPr lang="en-US" dirty="0" smtClean="0"/>
+          </a:p>
+          <a:p>
+            <a:pPr lvl="1">
+              <a:buNone/>
+            </a:pPr>
+            <a:endParaRPr lang="en-US" dirty="0" smtClean="0"/>
+          </a:p>
+          <a:p>
+            <a:pPr lvl="1">
+              <a:buNone/>
+            </a:pPr>
+            <a:endParaRPr lang="en-US" dirty="0" smtClean="0"/>
           </a:p>
           <a:p>
             <a:pPr lvl="1"/>
-            <a:endParaRPr lang="en-US"/>
-          </a:p>
-          <a:p>
-            <a:pPr lvl="1"/>
-            <a:endParaRPr lang="en-US"/>
-          </a:p>
-          <a:p>
-            <a:pPr lvl="1"/>
-            <a:endParaRPr lang="en-US"/>
-          </a:p>
-          <a:p>
-            <a:pPr lvl="1"/>
-            <a:endParaRPr lang="en-US"/>
-          </a:p>
-          <a:p>
-            <a:pPr lvl="1"/>
-            <a:r>
-              <a:rPr lang="en-US"/>
+            <a:r>
+              <a:rPr lang="en-US" dirty="0"/>
               <a:t>Inert Tracer Equation</a:t>
             </a:r>
           </a:p>
@@ -8064,7 +8061,7 @@
         </p:blipFill>
         <p:spPr bwMode="auto">
           <a:xfrm>
-            <a:off x="1600200" y="2438400"/>
+            <a:off x="3048000" y="2590800"/>
             <a:ext cx="4440238" cy="2209800"/>
           </a:xfrm>
           <a:prstGeom prst="rect">
@@ -8096,7 +8093,7 @@
         </p:blipFill>
         <p:spPr bwMode="auto">
           <a:xfrm>
-            <a:off x="2652713" y="5029200"/>
+            <a:off x="3886200" y="5410200"/>
             <a:ext cx="2528887" cy="685800"/>
           </a:xfrm>
           <a:prstGeom prst="rect">
@@ -8127,7 +8124,7 @@
 </file>
 
 <file path=ppt/slides/slide22.xml><?xml version="1.0" encoding="utf-8"?>
-<p:sld xmlns:a="http://schemas.openxmlformats.org/drawingml/2006/main" xmlns:r="http://schemas.openxmlformats.org/officeDocument/2006/relationships" xmlns:p="http://schemas.openxmlformats.org/presentationml/2006/main">
+<p:sld xmlns:a="http://schemas.openxmlformats.org/drawingml/2006/main" xmlns:r="http://schemas.openxmlformats.org/officeDocument/2006/relationships" xmlns:mc="http://schemas.openxmlformats.org/markup-compatibility/2006" xmlns:mv="urn:schemas-microsoft-com:mac:vml" xmlns:p="http://schemas.openxmlformats.org/presentationml/2006/main" mc:Ignorable="mv" mc:PreserveAttributes="mv:*">
   <p:cSld>
     <p:spTree>
       <p:nvGrpSpPr>
@@ -8174,9 +8171,7 @@
           <p:cNvPr id="33796" name="Picture 4" descr="Macintosh HD:Users:Sean:Desktop:Github:summer_LANL:Final Research Presentation:Working videos:H_movie.avi">
             <a:hlinkClick r:id="" action="ppaction://media"/>
           </p:cNvPr>
-          <p:cNvPicPr>
-            <a:picLocks noGrp="1"/>
-          </p:cNvPicPr>
+          <p:cNvPicPr/>
           <p:nvPr>
             <p:ph idx="1"/>
             <a:videoFile r:link="rId1"/>
@@ -8641,7 +8636,7 @@
 </file>
 
 <file path=ppt/slides/slide23.xml><?xml version="1.0" encoding="utf-8"?>
-<p:sld xmlns:a="http://schemas.openxmlformats.org/drawingml/2006/main" xmlns:r="http://schemas.openxmlformats.org/officeDocument/2006/relationships" xmlns:p="http://schemas.openxmlformats.org/presentationml/2006/main">
+<p:sld xmlns:a="http://schemas.openxmlformats.org/drawingml/2006/main" xmlns:r="http://schemas.openxmlformats.org/officeDocument/2006/relationships" xmlns:mc="http://schemas.openxmlformats.org/markup-compatibility/2006" xmlns:mv="urn:schemas-microsoft-com:mac:vml" xmlns:p="http://schemas.openxmlformats.org/presentationml/2006/main" mc:Ignorable="mv" mc:PreserveAttributes="mv:*">
   <p:cSld>
     <p:spTree>
       <p:nvGrpSpPr>
@@ -8697,7 +8692,7 @@
           <a:lstStyle/>
           <a:p>
             <a:r>
-              <a:rPr lang="en-US">
+              <a:rPr lang="en-US" dirty="0">
                 <a:ea typeface="ＭＳ Ｐゴシック" pitchFamily="-108" charset="-128"/>
               </a:rPr>
               <a:t>FEM approach for full Euler equations</a:t>
@@ -8705,7 +8700,7 @@
           </a:p>
           <a:p>
             <a:r>
-              <a:rPr lang="en-US">
+              <a:rPr lang="en-US" dirty="0">
                 <a:ea typeface="ＭＳ Ｐゴシック" pitchFamily="-108" charset="-128"/>
               </a:rPr>
               <a:t>Implement schemes for advection on the GPU (include in CLAMR)</a:t>
@@ -8713,7 +8708,7 @@
           </a:p>
           <a:p>
             <a:r>
-              <a:rPr lang="en-US">
+              <a:rPr lang="en-US" dirty="0">
                 <a:ea typeface="ＭＳ Ｐゴシック" pitchFamily="-108" charset="-128"/>
               </a:rPr>
               <a:t>Implement these schemes to solve the full Euler Equations</a:t>
@@ -8721,14 +8716,36 @@
           </a:p>
           <a:p>
             <a:r>
-              <a:rPr lang="en-US">
+              <a:rPr lang="en-US" dirty="0">
                 <a:ea typeface="ＭＳ Ｐゴシック" pitchFamily="-108" charset="-128"/>
               </a:rPr>
-              <a:t>Alternative numerical methods</a:t>
-            </a:r>
-          </a:p>
-          <a:p>
-            <a:endParaRPr lang="en-US">
+              <a:t>Alternative numerical </a:t>
+            </a:r>
+            <a:r>
+              <a:rPr lang="en-US" dirty="0" smtClean="0">
+                <a:ea typeface="ＭＳ Ｐゴシック" pitchFamily="-108" charset="-128"/>
+              </a:rPr>
+              <a:t>methods</a:t>
+            </a:r>
+            <a:r>
+              <a:rPr lang="en-US" dirty="0" smtClean="0">
+                <a:ea typeface="ＭＳ Ｐゴシック" pitchFamily="-108" charset="-128"/>
+              </a:rPr>
+              <a:t> (WENO, Discontinuous </a:t>
+            </a:r>
+            <a:r>
+              <a:rPr lang="en-US" dirty="0" err="1" smtClean="0">
+                <a:ea typeface="ＭＳ Ｐゴシック" pitchFamily="-108" charset="-128"/>
+              </a:rPr>
+              <a:t>Galerkin</a:t>
+            </a:r>
+            <a:r>
+              <a:rPr lang="en-US" dirty="0" smtClean="0">
+                <a:ea typeface="ＭＳ Ｐゴシック" pitchFamily="-108" charset="-128"/>
+              </a:rPr>
+              <a:t>, etc.)</a:t>
+            </a:r>
+            <a:endParaRPr lang="en-US" dirty="0" smtClean="0">
               <a:ea typeface="ＭＳ Ｐゴシック" pitchFamily="-108" charset="-128"/>
             </a:endParaRPr>
           </a:p>
@@ -8780,7 +8797,7 @@
 </file>
 
 <file path=ppt/slides/slide24.xml><?xml version="1.0" encoding="utf-8"?>
-<p:sld xmlns:a="http://schemas.openxmlformats.org/drawingml/2006/main" xmlns:r="http://schemas.openxmlformats.org/officeDocument/2006/relationships" xmlns:p="http://schemas.openxmlformats.org/presentationml/2006/main">
+<p:sld xmlns:a="http://schemas.openxmlformats.org/drawingml/2006/main" xmlns:r="http://schemas.openxmlformats.org/officeDocument/2006/relationships" xmlns:mc="http://schemas.openxmlformats.org/markup-compatibility/2006" xmlns:mv="urn:schemas-microsoft-com:mac:vml" xmlns:p="http://schemas.openxmlformats.org/presentationml/2006/main" mc:Ignorable="mv" mc:PreserveAttributes="mv:*">
   <p:cSld>
     <p:spTree>
       <p:nvGrpSpPr>
@@ -8873,7 +8890,7 @@
 </file>
 
 <file path=ppt/slides/slide3.xml><?xml version="1.0" encoding="utf-8"?>
-<p:sld xmlns:a="http://schemas.openxmlformats.org/drawingml/2006/main" xmlns:r="http://schemas.openxmlformats.org/officeDocument/2006/relationships" xmlns:p="http://schemas.openxmlformats.org/presentationml/2006/main">
+<p:sld xmlns:a="http://schemas.openxmlformats.org/drawingml/2006/main" xmlns:r="http://schemas.openxmlformats.org/officeDocument/2006/relationships" xmlns:mc="http://schemas.openxmlformats.org/markup-compatibility/2006" xmlns:mv="urn:schemas-microsoft-com:mac:vml" xmlns:p="http://schemas.openxmlformats.org/presentationml/2006/main" mc:Ignorable="mv" mc:PreserveAttributes="mv:*">
   <p:cSld>
     <p:spTree>
       <p:nvGrpSpPr>
@@ -9082,7 +9099,7 @@
 </file>
 
 <file path=ppt/slides/slide4.xml><?xml version="1.0" encoding="utf-8"?>
-<p:sld xmlns:a="http://schemas.openxmlformats.org/drawingml/2006/main" xmlns:r="http://schemas.openxmlformats.org/officeDocument/2006/relationships" xmlns:p="http://schemas.openxmlformats.org/presentationml/2006/main">
+<p:sld xmlns:a="http://schemas.openxmlformats.org/drawingml/2006/main" xmlns:r="http://schemas.openxmlformats.org/officeDocument/2006/relationships" xmlns:mc="http://schemas.openxmlformats.org/markup-compatibility/2006" xmlns:mv="urn:schemas-microsoft-com:mac:vml" xmlns:p="http://schemas.openxmlformats.org/presentationml/2006/main" mc:Ignorable="mv" mc:PreserveAttributes="mv:*">
   <p:cSld>
     <p:spTree>
       <p:nvGrpSpPr>
@@ -9251,7 +9268,7 @@
 </file>
 
 <file path=ppt/slides/slide5.xml><?xml version="1.0" encoding="utf-8"?>
-<p:sld xmlns:a="http://schemas.openxmlformats.org/drawingml/2006/main" xmlns:r="http://schemas.openxmlformats.org/officeDocument/2006/relationships" xmlns:p="http://schemas.openxmlformats.org/presentationml/2006/main">
+<p:sld xmlns:a="http://schemas.openxmlformats.org/drawingml/2006/main" xmlns:r="http://schemas.openxmlformats.org/officeDocument/2006/relationships" xmlns:mc="http://schemas.openxmlformats.org/markup-compatibility/2006" xmlns:mv="urn:schemas-microsoft-com:mac:vml" xmlns:p="http://schemas.openxmlformats.org/presentationml/2006/main" mc:Ignorable="mv" mc:PreserveAttributes="mv:*">
   <p:cSld>
     <p:spTree>
       <p:nvGrpSpPr>
@@ -9394,7 +9411,7 @@
         </p:nvSpPr>
         <p:spPr bwMode="auto">
           <a:xfrm>
-            <a:off x="4038600" y="4648200"/>
+            <a:off x="3352800" y="5721350"/>
             <a:ext cx="2743200" cy="584200"/>
           </a:xfrm>
           <a:prstGeom prst="rect">
@@ -9428,16 +9445,32 @@
                 <a:srgbClr val="004080"/>
               </a:buClr>
               <a:buSzPct val="65000"/>
-              <a:buFont typeface="Wingdings" pitchFamily="-108" charset="2"/>
-              <a:buChar char="§"/>
             </a:pPr>
             <a:r>
-              <a:rPr lang="en-US" sz="1600">
+              <a:rPr lang="en-US" sz="1600" dirty="0" smtClean="0">
                 <a:ea typeface="ＭＳ Ｐゴシック" pitchFamily="-108" charset="-128"/>
                 <a:cs typeface="ＭＳ Ｐゴシック" pitchFamily="-108" charset="-128"/>
               </a:rPr>
-              <a:t>From Harlow and Amsden - “Fluid Dynamics”</a:t>
-            </a:r>
+              <a:t>From Harlow and </a:t>
+            </a:r>
+            <a:r>
+              <a:rPr lang="en-US" sz="1600" dirty="0" err="1" smtClean="0">
+                <a:ea typeface="ＭＳ Ｐゴシック" pitchFamily="-108" charset="-128"/>
+                <a:cs typeface="ＭＳ Ｐゴシック" pitchFamily="-108" charset="-128"/>
+              </a:rPr>
+              <a:t>Amsden</a:t>
+            </a:r>
+            <a:r>
+              <a:rPr lang="en-US" sz="1600" dirty="0" smtClean="0">
+                <a:ea typeface="ＭＳ Ｐゴシック" pitchFamily="-108" charset="-128"/>
+                <a:cs typeface="ＭＳ Ｐゴシック" pitchFamily="-108" charset="-128"/>
+              </a:rPr>
+              <a:t> - “Fluid Dynamics”</a:t>
+            </a:r>
+            <a:endParaRPr lang="en-US" sz="1600" dirty="0">
+              <a:ea typeface="ＭＳ Ｐゴシック" pitchFamily="-108" charset="-128"/>
+              <a:cs typeface="ＭＳ Ｐゴシック" pitchFamily="-108" charset="-128"/>
+            </a:endParaRPr>
           </a:p>
         </p:txBody>
       </p:sp>
@@ -9457,7 +9490,7 @@
 </file>
 
 <file path=ppt/slides/slide6.xml><?xml version="1.0" encoding="utf-8"?>
-<p:sld xmlns:a="http://schemas.openxmlformats.org/drawingml/2006/main" xmlns:r="http://schemas.openxmlformats.org/officeDocument/2006/relationships" xmlns:p="http://schemas.openxmlformats.org/presentationml/2006/main">
+<p:sld xmlns:a="http://schemas.openxmlformats.org/drawingml/2006/main" xmlns:r="http://schemas.openxmlformats.org/officeDocument/2006/relationships" xmlns:mc="http://schemas.openxmlformats.org/markup-compatibility/2006" xmlns:mv="urn:schemas-microsoft-com:mac:vml" xmlns:p="http://schemas.openxmlformats.org/presentationml/2006/main" mc:Ignorable="mv" mc:PreserveAttributes="mv:*">
   <p:cSld>
     <p:spTree>
       <p:nvGrpSpPr>
@@ -9685,7 +9718,7 @@
 </file>
 
 <file path=ppt/slides/slide7.xml><?xml version="1.0" encoding="utf-8"?>
-<p:sld xmlns:a="http://schemas.openxmlformats.org/drawingml/2006/main" xmlns:r="http://schemas.openxmlformats.org/officeDocument/2006/relationships" xmlns:p="http://schemas.openxmlformats.org/presentationml/2006/main">
+<p:sld xmlns:a="http://schemas.openxmlformats.org/drawingml/2006/main" xmlns:r="http://schemas.openxmlformats.org/officeDocument/2006/relationships" xmlns:mc="http://schemas.openxmlformats.org/markup-compatibility/2006" xmlns:mv="urn:schemas-microsoft-com:mac:vml" xmlns:p="http://schemas.openxmlformats.org/presentationml/2006/main" mc:Ignorable="mv" mc:PreserveAttributes="mv:*">
   <p:cSld>
     <p:spTree>
       <p:nvGrpSpPr>
@@ -9748,11 +9781,7 @@
             <a:pPr lvl="1"/>
             <a:r>
               <a:rPr lang="en-US" dirty="0" smtClean="0"/>
-              <a:t>N</a:t>
-            </a:r>
-            <a:r>
-              <a:rPr lang="en-US" dirty="0" smtClean="0"/>
-              <a:t>umerical solution should not move faster than analytic. </a:t>
+              <a:t>Numerical solution should not move faster than analytic. </a:t>
             </a:r>
           </a:p>
           <a:p>
@@ -9832,7 +9861,7 @@
 </file>
 
 <file path=ppt/slides/slide8.xml><?xml version="1.0" encoding="utf-8"?>
-<p:sld xmlns:a="http://schemas.openxmlformats.org/drawingml/2006/main" xmlns:r="http://schemas.openxmlformats.org/officeDocument/2006/relationships" xmlns:p="http://schemas.openxmlformats.org/presentationml/2006/main">
+<p:sld xmlns:a="http://schemas.openxmlformats.org/drawingml/2006/main" xmlns:r="http://schemas.openxmlformats.org/officeDocument/2006/relationships" xmlns:mc="http://schemas.openxmlformats.org/markup-compatibility/2006" xmlns:mv="urn:schemas-microsoft-com:mac:vml" xmlns:p="http://schemas.openxmlformats.org/presentationml/2006/main" mc:Ignorable="mv" mc:PreserveAttributes="mv:*">
   <p:cSld>
     <p:spTree>
       <p:nvGrpSpPr>
@@ -10166,7 +10195,7 @@
 </file>
 
 <file path=ppt/slides/slide9.xml><?xml version="1.0" encoding="utf-8"?>
-<p:sld xmlns:a="http://schemas.openxmlformats.org/drawingml/2006/main" xmlns:r="http://schemas.openxmlformats.org/officeDocument/2006/relationships" xmlns:p="http://schemas.openxmlformats.org/presentationml/2006/main">
+<p:sld xmlns:a="http://schemas.openxmlformats.org/drawingml/2006/main" xmlns:r="http://schemas.openxmlformats.org/officeDocument/2006/relationships" xmlns:mc="http://schemas.openxmlformats.org/markup-compatibility/2006" xmlns:mv="urn:schemas-microsoft-com:mac:vml" xmlns:p="http://schemas.openxmlformats.org/presentationml/2006/main" mc:Ignorable="mv" mc:PreserveAttributes="mv:*">
   <p:cSld>
     <p:spTree>
       <p:nvGrpSpPr>

--- a/Final Research Presentation/Will_Additions.pptx
+++ b/Final Research Presentation/Will_Additions.pptx
@@ -5,33 +5,11 @@
     <p:sldMasterId id="2147483660" r:id="rId1"/>
   </p:sldMasterIdLst>
   <p:notesMasterIdLst>
-    <p:notesMasterId r:id="rId26"/>
+    <p:notesMasterId r:id="rId4"/>
   </p:notesMasterIdLst>
   <p:sldIdLst>
-    <p:sldId id="278" r:id="rId2"/>
-    <p:sldId id="279" r:id="rId3"/>
-    <p:sldId id="258" r:id="rId4"/>
-    <p:sldId id="259" r:id="rId5"/>
-    <p:sldId id="260" r:id="rId6"/>
-    <p:sldId id="261" r:id="rId7"/>
-    <p:sldId id="282" r:id="rId8"/>
-    <p:sldId id="262" r:id="rId9"/>
-    <p:sldId id="263" r:id="rId10"/>
-    <p:sldId id="264" r:id="rId11"/>
-    <p:sldId id="265" r:id="rId12"/>
-    <p:sldId id="266" r:id="rId13"/>
-    <p:sldId id="280" r:id="rId14"/>
-    <p:sldId id="268" r:id="rId15"/>
-    <p:sldId id="269" r:id="rId16"/>
-    <p:sldId id="281" r:id="rId17"/>
-    <p:sldId id="270" r:id="rId18"/>
-    <p:sldId id="271" r:id="rId19"/>
-    <p:sldId id="272" r:id="rId20"/>
-    <p:sldId id="273" r:id="rId21"/>
-    <p:sldId id="274" r:id="rId22"/>
-    <p:sldId id="275" r:id="rId23"/>
-    <p:sldId id="276" r:id="rId24"/>
-    <p:sldId id="277" r:id="rId25"/>
+    <p:sldId id="272" r:id="rId2"/>
+    <p:sldId id="273" r:id="rId3"/>
   </p:sldIdLst>
   <p:sldSz cx="9144000" cy="6858000" type="screen4x3"/>
   <p:notesSz cx="6858000" cy="9144000"/>
@@ -216,7 +194,7 @@
             <a:fld id="{D454FE15-F6B3-874B-B378-F652C1F4788C}" type="datetimeFigureOut">
               <a:rPr lang="en-US" smtClean="0"/>
               <a:pPr/>
-              <a:t>8/13/2012</a:t>
+              <a:t>8/14/2012</a:t>
             </a:fld>
             <a:endParaRPr lang="en-US"/>
           </a:p>
@@ -482,192 +460,6 @@
 </p:notesMaster>
 </file>
 
-<file path=ppt/notesSlides/notesSlide1.xml><?xml version="1.0" encoding="utf-8"?>
-<p:notes xmlns:a="http://schemas.openxmlformats.org/drawingml/2006/main" xmlns:r="http://schemas.openxmlformats.org/officeDocument/2006/relationships" xmlns:p="http://schemas.openxmlformats.org/presentationml/2006/main">
-  <p:cSld>
-    <p:spTree>
-      <p:nvGrpSpPr>
-        <p:cNvPr id="1" name=""/>
-        <p:cNvGrpSpPr/>
-        <p:nvPr/>
-      </p:nvGrpSpPr>
-      <p:grpSpPr>
-        <a:xfrm>
-          <a:off x="0" y="0"/>
-          <a:ext cx="0" cy="0"/>
-          <a:chOff x="0" y="0"/>
-          <a:chExt cx="0" cy="0"/>
-        </a:xfrm>
-      </p:grpSpPr>
-      <p:sp>
-        <p:nvSpPr>
-          <p:cNvPr id="15362" name="Rectangle 7"/>
-          <p:cNvSpPr>
-            <a:spLocks noGrp="1" noChangeArrowheads="1"/>
-          </p:cNvSpPr>
-          <p:nvPr>
-            <p:ph type="sldNum" sz="quarter" idx="5"/>
-          </p:nvPr>
-        </p:nvSpPr>
-        <p:spPr>
-          <a:noFill/>
-        </p:spPr>
-        <p:txBody>
-          <a:bodyPr/>
-          <a:lstStyle/>
-          <a:p>
-            <a:fld id="{EB67F63C-7414-6D4D-99CA-CB1A09A91702}" type="slidenum">
-              <a:rPr lang="en-US"/>
-              <a:pPr/>
-              <a:t>1</a:t>
-            </a:fld>
-            <a:endParaRPr lang="en-US"/>
-          </a:p>
-        </p:txBody>
-      </p:sp>
-      <p:sp>
-        <p:nvSpPr>
-          <p:cNvPr id="15363" name="Rectangle 2"/>
-          <p:cNvSpPr>
-            <a:spLocks noGrp="1" noRot="1" noChangeAspect="1" noChangeArrowheads="1" noTextEdit="1"/>
-          </p:cNvSpPr>
-          <p:nvPr>
-            <p:ph type="sldImg"/>
-          </p:nvPr>
-        </p:nvSpPr>
-        <p:spPr>
-          <a:ln/>
-        </p:spPr>
-      </p:sp>
-      <p:sp>
-        <p:nvSpPr>
-          <p:cNvPr id="15364" name="Rectangle 3"/>
-          <p:cNvSpPr>
-            <a:spLocks noGrp="1" noChangeArrowheads="1"/>
-          </p:cNvSpPr>
-          <p:nvPr>
-            <p:ph type="body" idx="1"/>
-          </p:nvPr>
-        </p:nvSpPr>
-        <p:spPr>
-          <a:noFill/>
-          <a:ln/>
-        </p:spPr>
-        <p:txBody>
-          <a:bodyPr/>
-          <a:lstStyle/>
-          <a:p>
-            <a:pPr eaLnBrk="1" hangingPunct="1">
-              <a:spcBef>
-                <a:spcPct val="0"/>
-              </a:spcBef>
-            </a:pPr>
-            <a:endParaRPr lang="en-US" sz="1800" dirty="0">
-              <a:latin typeface="Arial" pitchFamily="-108" charset="0"/>
-              <a:ea typeface="ＭＳ Ｐゴシック" pitchFamily="-108" charset="-128"/>
-            </a:endParaRPr>
-          </a:p>
-        </p:txBody>
-      </p:sp>
-    </p:spTree>
-  </p:cSld>
-  <p:clrMapOvr>
-    <a:masterClrMapping/>
-  </p:clrMapOvr>
-</p:notes>
-</file>
-
-<file path=ppt/notesSlides/notesSlide2.xml><?xml version="1.0" encoding="utf-8"?>
-<p:notes xmlns:a="http://schemas.openxmlformats.org/drawingml/2006/main" xmlns:r="http://schemas.openxmlformats.org/officeDocument/2006/relationships" xmlns:p="http://schemas.openxmlformats.org/presentationml/2006/main">
-  <p:cSld>
-    <p:spTree>
-      <p:nvGrpSpPr>
-        <p:cNvPr id="1" name=""/>
-        <p:cNvGrpSpPr/>
-        <p:nvPr/>
-      </p:nvGrpSpPr>
-      <p:grpSpPr>
-        <a:xfrm>
-          <a:off x="0" y="0"/>
-          <a:ext cx="0" cy="0"/>
-          <a:chOff x="0" y="0"/>
-          <a:chExt cx="0" cy="0"/>
-        </a:xfrm>
-      </p:grpSpPr>
-      <p:sp>
-        <p:nvSpPr>
-          <p:cNvPr id="2" name="Slide Image Placeholder 1"/>
-          <p:cNvSpPr>
-            <a:spLocks noGrp="1" noRot="1" noChangeAspect="1"/>
-          </p:cNvSpPr>
-          <p:nvPr>
-            <p:ph type="sldImg"/>
-          </p:nvPr>
-        </p:nvSpPr>
-        <p:spPr/>
-      </p:sp>
-      <p:sp>
-        <p:nvSpPr>
-          <p:cNvPr id="3" name="Notes Placeholder 2"/>
-          <p:cNvSpPr>
-            <a:spLocks noGrp="1"/>
-          </p:cNvSpPr>
-          <p:nvPr>
-            <p:ph type="body" idx="1"/>
-          </p:nvPr>
-        </p:nvSpPr>
-        <p:spPr/>
-        <p:txBody>
-          <a:bodyPr>
-            <a:normAutofit/>
-          </a:bodyPr>
-          <a:lstStyle/>
-          <a:p>
-            <a:r>
-              <a:rPr lang="en-US" dirty="0" smtClean="0"/>
-              <a:t>Only show the last column. </a:t>
-            </a:r>
-            <a:endParaRPr lang="en-US" dirty="0"/>
-          </a:p>
-        </p:txBody>
-      </p:sp>
-      <p:sp>
-        <p:nvSpPr>
-          <p:cNvPr id="4" name="Slide Number Placeholder 3"/>
-          <p:cNvSpPr>
-            <a:spLocks noGrp="1"/>
-          </p:cNvSpPr>
-          <p:nvPr>
-            <p:ph type="sldNum" sz="quarter" idx="10"/>
-          </p:nvPr>
-        </p:nvSpPr>
-        <p:spPr/>
-        <p:txBody>
-          <a:bodyPr/>
-          <a:lstStyle/>
-          <a:p>
-            <a:pPr>
-              <a:defRPr/>
-            </a:pPr>
-            <a:fld id="{49C27285-5AD8-F245-B8F6-860494824A9D}" type="slidenum">
-              <a:rPr lang="en-US" smtClean="0"/>
-              <a:pPr>
-                <a:defRPr/>
-              </a:pPr>
-              <a:t>13</a:t>
-            </a:fld>
-            <a:endParaRPr lang="en-US"/>
-          </a:p>
-        </p:txBody>
-      </p:sp>
-    </p:spTree>
-  </p:cSld>
-  <p:clrMapOvr>
-    <a:masterClrMapping/>
-  </p:clrMapOvr>
-</p:notes>
-</file>
-
 <file path=ppt/slideLayouts/slideLayout1.xml><?xml version="1.0" encoding="utf-8"?>
 <p:sldLayout xmlns:a="http://schemas.openxmlformats.org/drawingml/2006/main" xmlns:r="http://schemas.openxmlformats.org/officeDocument/2006/relationships" xmlns:p="http://schemas.openxmlformats.org/presentationml/2006/main" type="title" preserve="1">
   <p:cSld name="Title Slide">
@@ -799,7 +591,7 @@
             <a:fld id="{4BDB84C0-9A3A-884B-883E-F7760F12E0B8}" type="datetimeFigureOut">
               <a:rPr lang="en-US" smtClean="0"/>
               <a:pPr/>
-              <a:t>8/13/2012</a:t>
+              <a:t>8/14/2012</a:t>
             </a:fld>
             <a:endParaRPr lang="en-US"/>
           </a:p>
@@ -1100,7 +892,7 @@
             <a:fld id="{4BDB84C0-9A3A-884B-883E-F7760F12E0B8}" type="datetimeFigureOut">
               <a:rPr lang="en-US" smtClean="0"/>
               <a:pPr/>
-              <a:t>8/13/2012</a:t>
+              <a:t>8/14/2012</a:t>
             </a:fld>
             <a:endParaRPr lang="en-US"/>
           </a:p>
@@ -1277,7 +1069,7 @@
             <a:fld id="{4BDB84C0-9A3A-884B-883E-F7760F12E0B8}" type="datetimeFigureOut">
               <a:rPr lang="en-US" smtClean="0"/>
               <a:pPr/>
-              <a:t>8/13/2012</a:t>
+              <a:t>8/14/2012</a:t>
             </a:fld>
             <a:endParaRPr lang="en-US"/>
           </a:p>
@@ -1444,7 +1236,7 @@
             <a:fld id="{4BDB84C0-9A3A-884B-883E-F7760F12E0B8}" type="datetimeFigureOut">
               <a:rPr lang="en-US" smtClean="0"/>
               <a:pPr/>
-              <a:t>8/13/2012</a:t>
+              <a:t>8/14/2012</a:t>
             </a:fld>
             <a:endParaRPr lang="en-US"/>
           </a:p>
@@ -1704,7 +1496,7 @@
             <a:fld id="{4BDB84C0-9A3A-884B-883E-F7760F12E0B8}" type="datetimeFigureOut">
               <a:rPr lang="en-US" smtClean="0"/>
               <a:pPr/>
-              <a:t>8/13/2012</a:t>
+              <a:t>8/14/2012</a:t>
             </a:fld>
             <a:endParaRPr lang="en-US"/>
           </a:p>
@@ -2158,7 +1950,7 @@
             <a:fld id="{4BDB84C0-9A3A-884B-883E-F7760F12E0B8}" type="datetimeFigureOut">
               <a:rPr lang="en-US" smtClean="0"/>
               <a:pPr/>
-              <a:t>8/13/2012</a:t>
+              <a:t>8/14/2012</a:t>
             </a:fld>
             <a:endParaRPr lang="en-US"/>
           </a:p>
@@ -2638,7 +2430,7 @@
             <a:fld id="{4BDB84C0-9A3A-884B-883E-F7760F12E0B8}" type="datetimeFigureOut">
               <a:rPr lang="en-US" smtClean="0"/>
               <a:pPr/>
-              <a:t>8/13/2012</a:t>
+              <a:t>8/14/2012</a:t>
             </a:fld>
             <a:endParaRPr lang="en-US"/>
           </a:p>
@@ -2758,7 +2550,7 @@
             <a:fld id="{4BDB84C0-9A3A-884B-883E-F7760F12E0B8}" type="datetimeFigureOut">
               <a:rPr lang="en-US" smtClean="0"/>
               <a:pPr/>
-              <a:t>8/13/2012</a:t>
+              <a:t>8/14/2012</a:t>
             </a:fld>
             <a:endParaRPr lang="en-US"/>
           </a:p>
@@ -2896,7 +2688,7 @@
             <a:fld id="{4BDB84C0-9A3A-884B-883E-F7760F12E0B8}" type="datetimeFigureOut">
               <a:rPr lang="en-US" smtClean="0"/>
               <a:pPr/>
-              <a:t>8/13/2012</a:t>
+              <a:t>8/14/2012</a:t>
             </a:fld>
             <a:endParaRPr lang="en-US"/>
           </a:p>
@@ -3209,7 +3001,7 @@
             <a:fld id="{4BDB84C0-9A3A-884B-883E-F7760F12E0B8}" type="datetimeFigureOut">
               <a:rPr lang="en-US" smtClean="0"/>
               <a:pPr/>
-              <a:t>8/13/2012</a:t>
+              <a:t>8/14/2012</a:t>
             </a:fld>
             <a:endParaRPr lang="en-US"/>
           </a:p>
@@ -3338,7 +3130,7 @@
             <a:fld id="{4BDB84C0-9A3A-884B-883E-F7760F12E0B8}" type="datetimeFigureOut">
               <a:rPr lang="en-US" smtClean="0"/>
               <a:pPr/>
-              <a:t>8/13/2012</a:t>
+              <a:t>8/14/2012</a:t>
             </a:fld>
             <a:endParaRPr lang="en-US"/>
           </a:p>
@@ -4096,7 +3888,7 @@
             <a:fld id="{4BDB84C0-9A3A-884B-883E-F7760F12E0B8}" type="datetimeFigureOut">
               <a:rPr lang="en-US" smtClean="0"/>
               <a:pPr/>
-              <a:t>8/13/2012</a:t>
+              <a:t>8/14/2012</a:t>
             </a:fld>
             <a:endParaRPr lang="en-US"/>
           </a:p>
@@ -4588,2337 +4380,6 @@
       </p:grpSpPr>
       <p:sp>
         <p:nvSpPr>
-          <p:cNvPr id="14339" name="Rectangle 30"/>
-          <p:cNvSpPr>
-            <a:spLocks noGrp="1" noChangeArrowheads="1"/>
-          </p:cNvSpPr>
-          <p:nvPr>
-            <p:ph type="ctrTitle"/>
-          </p:nvPr>
-        </p:nvSpPr>
-        <p:spPr>
-          <a:xfrm>
-            <a:off x="1066800" y="1447800"/>
-            <a:ext cx="8001000" cy="1143000"/>
-          </a:xfrm>
-        </p:spPr>
-        <p:txBody>
-          <a:bodyPr>
-            <a:normAutofit fontScale="90000"/>
-          </a:bodyPr>
-          <a:lstStyle/>
-          <a:p>
-            <a:pPr eaLnBrk="1" hangingPunct="1"/>
-            <a:r>
-              <a:rPr lang="en-US" dirty="0" smtClean="0">
-                <a:ea typeface="ＭＳ Ｐゴシック" pitchFamily="-108" charset="-128"/>
-              </a:rPr>
-              <a:t>Comparison of Methods for Capturing Material Discontinuities</a:t>
-            </a:r>
-          </a:p>
-        </p:txBody>
-      </p:sp>
-      <p:sp>
-        <p:nvSpPr>
-          <p:cNvPr id="14340" name="Rectangle 31"/>
-          <p:cNvSpPr>
-            <a:spLocks noGrp="1" noChangeArrowheads="1"/>
-          </p:cNvSpPr>
-          <p:nvPr>
-            <p:ph type="subTitle" idx="1"/>
-          </p:nvPr>
-        </p:nvSpPr>
-        <p:spPr>
-          <a:xfrm>
-            <a:off x="1371600" y="3810000"/>
-            <a:ext cx="6400800" cy="1752600"/>
-          </a:xfrm>
-        </p:spPr>
-        <p:txBody>
-          <a:bodyPr/>
-          <a:lstStyle/>
-          <a:p>
-            <a:pPr eaLnBrk="1" hangingPunct="1">
-              <a:buFont typeface="Wingdings" pitchFamily="-108" charset="2"/>
-              <a:buNone/>
-            </a:pPr>
-            <a:r>
-              <a:rPr lang="en-US" dirty="0" smtClean="0">
-                <a:ea typeface="ＭＳ Ｐゴシック" pitchFamily="-108" charset="-128"/>
-              </a:rPr>
-              <a:t>Sean Davis and Will </a:t>
-            </a:r>
-            <a:r>
-              <a:rPr lang="en-US" dirty="0" err="1" smtClean="0">
-                <a:ea typeface="ＭＳ Ｐゴシック" pitchFamily="-108" charset="-128"/>
-              </a:rPr>
-              <a:t>Matern</a:t>
-            </a:r>
-            <a:endParaRPr lang="en-US" dirty="0" smtClean="0">
-              <a:ea typeface="ＭＳ Ｐゴシック" pitchFamily="-108" charset="-128"/>
-            </a:endParaRPr>
-          </a:p>
-        </p:txBody>
-      </p:sp>
-      <p:sp>
-        <p:nvSpPr>
-          <p:cNvPr id="14338" name="Rectangle 22"/>
-          <p:cNvSpPr>
-            <a:spLocks noGrp="1" noChangeArrowheads="1"/>
-          </p:cNvSpPr>
-          <p:nvPr>
-            <p:ph type="sldNum" sz="quarter" idx="12"/>
-          </p:nvPr>
-        </p:nvSpPr>
-        <p:spPr>
-          <a:noFill/>
-        </p:spPr>
-        <p:txBody>
-          <a:bodyPr/>
-          <a:lstStyle/>
-          <a:p>
-            <a:r>
-              <a:rPr lang="en-US"/>
-              <a:t>Slide </a:t>
-            </a:r>
-            <a:fld id="{CB52CCDA-6EC0-214E-97B4-EC1CE56A40D5}" type="slidenum">
-              <a:rPr lang="en-US"/>
-              <a:pPr/>
-              <a:t>1</a:t>
-            </a:fld>
-            <a:endParaRPr lang="en-US"/>
-          </a:p>
-        </p:txBody>
-      </p:sp>
-      <p:sp>
-        <p:nvSpPr>
-          <p:cNvPr id="14341" name="TextBox 4"/>
-          <p:cNvSpPr txBox="1">
-            <a:spLocks noChangeArrowheads="1"/>
-          </p:cNvSpPr>
-          <p:nvPr/>
-        </p:nvSpPr>
-        <p:spPr bwMode="auto">
-          <a:xfrm>
-            <a:off x="1447800" y="2743200"/>
-            <a:ext cx="6477000" cy="461665"/>
-          </a:xfrm>
-          <a:prstGeom prst="rect">
-            <a:avLst/>
-          </a:prstGeom>
-          <a:noFill/>
-          <a:ln w="9525">
-            <a:noFill/>
-            <a:miter lim="800000"/>
-            <a:headEnd/>
-            <a:tailEnd/>
-          </a:ln>
-        </p:spPr>
-        <p:txBody>
-          <a:bodyPr>
-            <a:prstTxWarp prst="textNoShape">
-              <a:avLst/>
-            </a:prstTxWarp>
-            <a:spAutoFit/>
-          </a:bodyPr>
-          <a:lstStyle/>
-          <a:p>
-            <a:pPr algn="ctr">
-              <a:buFont typeface="Wingdings" pitchFamily="-108" charset="2"/>
-              <a:buNone/>
-            </a:pPr>
-            <a:r>
-              <a:rPr lang="en-US" sz="2400" dirty="0">
-                <a:solidFill>
-                  <a:srgbClr val="000090"/>
-                </a:solidFill>
-              </a:rPr>
-              <a:t>With an Introduction to GPU Programming</a:t>
-            </a:r>
-          </a:p>
-        </p:txBody>
-      </p:sp>
-    </p:spTree>
-  </p:cSld>
-  <p:clrMapOvr>
-    <a:masterClrMapping/>
-  </p:clrMapOvr>
-  <p:timing>
-    <p:tnLst>
-      <p:par>
-        <p:cTn id="1" dur="indefinite" restart="never" nodeType="tmRoot"/>
-      </p:par>
-    </p:tnLst>
-  </p:timing>
-</p:sld>
-</file>
-
-<file path=ppt/slides/slide10.xml><?xml version="1.0" encoding="utf-8"?>
-<p:sld xmlns:a="http://schemas.openxmlformats.org/drawingml/2006/main" xmlns:r="http://schemas.openxmlformats.org/officeDocument/2006/relationships" xmlns:p="http://schemas.openxmlformats.org/presentationml/2006/main">
-  <p:cSld>
-    <p:spTree>
-      <p:nvGrpSpPr>
-        <p:cNvPr id="1" name=""/>
-        <p:cNvGrpSpPr/>
-        <p:nvPr/>
-      </p:nvGrpSpPr>
-      <p:grpSpPr>
-        <a:xfrm>
-          <a:off x="0" y="0"/>
-          <a:ext cx="0" cy="0"/>
-          <a:chOff x="0" y="0"/>
-          <a:chExt cx="0" cy="0"/>
-        </a:xfrm>
-      </p:grpSpPr>
-      <p:sp>
-        <p:nvSpPr>
-          <p:cNvPr id="22530" name="Title 1"/>
-          <p:cNvSpPr>
-            <a:spLocks noGrp="1"/>
-          </p:cNvSpPr>
-          <p:nvPr>
-            <p:ph type="title"/>
-          </p:nvPr>
-        </p:nvSpPr>
-        <p:spPr/>
-        <p:txBody>
-          <a:bodyPr>
-            <a:normAutofit fontScale="90000"/>
-          </a:bodyPr>
-          <a:lstStyle/>
-          <a:p>
-            <a:r>
-              <a:rPr lang="en-US">
-                <a:ea typeface="ＭＳ Ｐゴシック" pitchFamily="-108" charset="-128"/>
-              </a:rPr>
-              <a:t>Description of methods reviewed</a:t>
-            </a:r>
-          </a:p>
-        </p:txBody>
-      </p:sp>
-      <p:sp>
-        <p:nvSpPr>
-          <p:cNvPr id="22531" name="Content Placeholder 2"/>
-          <p:cNvSpPr>
-            <a:spLocks noGrp="1"/>
-          </p:cNvSpPr>
-          <p:nvPr>
-            <p:ph idx="1"/>
-          </p:nvPr>
-        </p:nvSpPr>
-        <p:spPr>
-          <a:xfrm>
-            <a:off x="1435608" y="1447800"/>
-            <a:ext cx="7498080" cy="1600200"/>
-          </a:xfrm>
-        </p:spPr>
-        <p:txBody>
-          <a:bodyPr/>
-          <a:lstStyle/>
-          <a:p>
-            <a:r>
-              <a:rPr lang="en-US" dirty="0">
-                <a:ea typeface="ＭＳ Ｐゴシック" pitchFamily="-108" charset="-128"/>
-              </a:rPr>
-              <a:t>MUSCL</a:t>
-            </a:r>
-          </a:p>
-          <a:p>
-            <a:pPr lvl="1"/>
-            <a:r>
-              <a:rPr lang="en-US" dirty="0"/>
-              <a:t>ACM – Slope limiter method for sharpening discontinuities.</a:t>
-            </a:r>
-          </a:p>
-        </p:txBody>
-      </p:sp>
-      <p:sp>
-        <p:nvSpPr>
-          <p:cNvPr id="22532" name="Slide Number Placeholder 3"/>
-          <p:cNvSpPr>
-            <a:spLocks noGrp="1"/>
-          </p:cNvSpPr>
-          <p:nvPr>
-            <p:ph type="sldNum" sz="quarter" idx="12"/>
-          </p:nvPr>
-        </p:nvSpPr>
-        <p:spPr>
-          <a:noFill/>
-        </p:spPr>
-        <p:txBody>
-          <a:bodyPr/>
-          <a:lstStyle/>
-          <a:p>
-            <a:r>
-              <a:rPr lang="en-US"/>
-              <a:t>Slide </a:t>
-            </a:r>
-            <a:fld id="{F7F1AD6D-2FF6-C14C-BD1C-443FD5D06D86}" type="slidenum">
-              <a:rPr lang="en-US"/>
-              <a:pPr/>
-              <a:t>10</a:t>
-            </a:fld>
-            <a:endParaRPr lang="en-US"/>
-          </a:p>
-        </p:txBody>
-      </p:sp>
-      <p:pic>
-        <p:nvPicPr>
-          <p:cNvPr id="22533" name="Picture 5" descr="/Users/Sean/Movies/Any Video Converter Ultimate/Common Used Video Formats/MUSCL.avi">
-            <a:hlinkClick r:id="" action="ppaction://media"/>
-          </p:cNvPr>
-          <p:cNvPicPr/>
-          <p:nvPr>
-            <a:videoFile r:link="rId1"/>
-          </p:nvPr>
-        </p:nvPicPr>
-        <p:blipFill>
-          <a:blip r:embed="rId3"/>
-          <a:srcRect/>
-          <a:stretch>
-            <a:fillRect/>
-          </a:stretch>
-        </p:blipFill>
-        <p:spPr bwMode="auto">
-          <a:xfrm>
-            <a:off x="2540000" y="3048000"/>
-            <a:ext cx="4064000" cy="3048000"/>
-          </a:xfrm>
-          <a:prstGeom prst="rect">
-            <a:avLst/>
-          </a:prstGeom>
-          <a:noFill/>
-          <a:ln w="9525">
-            <a:noFill/>
-            <a:miter lim="800000"/>
-            <a:headEnd/>
-            <a:tailEnd/>
-          </a:ln>
-        </p:spPr>
-      </p:pic>
-    </p:spTree>
-  </p:cSld>
-  <p:clrMapOvr>
-    <a:masterClrMapping/>
-  </p:clrMapOvr>
-  <p:timing>
-    <p:tnLst>
-      <p:par>
-        <p:cTn id="1" dur="indefinite" restart="never" nodeType="tmRoot">
-          <p:childTnLst>
-            <p:seq concurrent="1" nextAc="seek">
-              <p:cTn id="2" dur="indefinite" nodeType="mainSeq">
-                <p:childTnLst>
-                  <p:par>
-                    <p:cTn id="3" fill="hold">
-                      <p:stCondLst>
-                        <p:cond delay="indefinite"/>
-                        <p:cond evt="onBegin" delay="0">
-                          <p:tn val="2"/>
-                        </p:cond>
-                      </p:stCondLst>
-                      <p:childTnLst>
-                        <p:par>
-                          <p:cTn id="4" fill="hold">
-                            <p:stCondLst>
-                              <p:cond delay="0"/>
-                            </p:stCondLst>
-                            <p:childTnLst>
-                              <p:par>
-                                <p:cTn id="5" presetID="1" presetClass="mediacall" presetSubtype="0" fill="hold" nodeType="afterEffect">
-                                  <p:stCondLst>
-                                    <p:cond delay="0"/>
-                                  </p:stCondLst>
-                                  <p:childTnLst>
-                                    <p:cmd type="call" cmd="playFrom(0.0)">
-                                      <p:cBhvr>
-                                        <p:cTn id="6" dur="53320" fill="hold"/>
-                                        <p:tgtEl>
-                                          <p:spTgt spid="22533"/>
-                                        </p:tgtEl>
-                                      </p:cBhvr>
-                                    </p:cmd>
-                                  </p:childTnLst>
-                                </p:cTn>
-                              </p:par>
-                            </p:childTnLst>
-                          </p:cTn>
-                        </p:par>
-                      </p:childTnLst>
-                    </p:cTn>
-                  </p:par>
-                </p:childTnLst>
-              </p:cTn>
-              <p:prevCondLst>
-                <p:cond evt="onPrev" delay="0">
-                  <p:tgtEl>
-                    <p:sldTgt/>
-                  </p:tgtEl>
-                </p:cond>
-              </p:prevCondLst>
-              <p:nextCondLst>
-                <p:cond evt="onNext" delay="0">
-                  <p:tgtEl>
-                    <p:sldTgt/>
-                  </p:tgtEl>
-                </p:cond>
-              </p:nextCondLst>
-            </p:seq>
-            <p:video>
-              <p:cMediaNode>
-                <p:cTn id="7" fill="hold" display="0">
-                  <p:stCondLst>
-                    <p:cond delay="indefinite"/>
-                  </p:stCondLst>
-                  <p:endCondLst>
-                    <p:cond evt="onNext" delay="0">
-                      <p:tgtEl>
-                        <p:sldTgt/>
-                      </p:tgtEl>
-                    </p:cond>
-                    <p:cond evt="onPrev" delay="0">
-                      <p:tgtEl>
-                        <p:sldTgt/>
-                      </p:tgtEl>
-                    </p:cond>
-                  </p:endCondLst>
-                </p:cTn>
-                <p:tgtEl>
-                  <p:spTgt spid="22533"/>
-                </p:tgtEl>
-              </p:cMediaNode>
-            </p:video>
-            <p:seq concurrent="1" nextAc="seek">
-              <p:cTn id="8" restart="whenNotActive" fill="hold" evtFilter="cancelBubble" nodeType="interactiveSeq">
-                <p:stCondLst>
-                  <p:cond evt="onClick" delay="0">
-                    <p:tgtEl>
-                      <p:spTgt spid="22533"/>
-                    </p:tgtEl>
-                  </p:cond>
-                </p:stCondLst>
-                <p:endSync evt="end" delay="0">
-                  <p:rtn val="all"/>
-                </p:endSync>
-                <p:childTnLst>
-                  <p:par>
-                    <p:cTn id="9" fill="hold">
-                      <p:stCondLst>
-                        <p:cond delay="0"/>
-                      </p:stCondLst>
-                      <p:childTnLst>
-                        <p:par>
-                          <p:cTn id="10" fill="hold">
-                            <p:stCondLst>
-                              <p:cond delay="0"/>
-                            </p:stCondLst>
-                            <p:childTnLst>
-                              <p:par>
-                                <p:cTn id="11" presetID="2" presetClass="mediacall" presetSubtype="0" fill="hold" nodeType="clickEffect">
-                                  <p:stCondLst>
-                                    <p:cond delay="0"/>
-                                  </p:stCondLst>
-                                  <p:childTnLst>
-                                    <p:cmd type="call" cmd="togglePause">
-                                      <p:cBhvr>
-                                        <p:cTn id="12" dur="1" fill="hold"/>
-                                        <p:tgtEl>
-                                          <p:spTgt spid="22533"/>
-                                        </p:tgtEl>
-                                      </p:cBhvr>
-                                    </p:cmd>
-                                  </p:childTnLst>
-                                </p:cTn>
-                              </p:par>
-                            </p:childTnLst>
-                          </p:cTn>
-                        </p:par>
-                      </p:childTnLst>
-                    </p:cTn>
-                  </p:par>
-                </p:childTnLst>
-              </p:cTn>
-              <p:nextCondLst>
-                <p:cond evt="onClick" delay="0">
-                  <p:tgtEl>
-                    <p:spTgt spid="22533"/>
-                  </p:tgtEl>
-                </p:cond>
-              </p:nextCondLst>
-            </p:seq>
-          </p:childTnLst>
-        </p:cTn>
-      </p:par>
-    </p:tnLst>
-  </p:timing>
-</p:sld>
-</file>
-
-<file path=ppt/slides/slide11.xml><?xml version="1.0" encoding="utf-8"?>
-<p:sld xmlns:a="http://schemas.openxmlformats.org/drawingml/2006/main" xmlns:r="http://schemas.openxmlformats.org/officeDocument/2006/relationships" xmlns:p="http://schemas.openxmlformats.org/presentationml/2006/main">
-  <p:cSld>
-    <p:spTree>
-      <p:nvGrpSpPr>
-        <p:cNvPr id="1" name=""/>
-        <p:cNvGrpSpPr/>
-        <p:nvPr/>
-      </p:nvGrpSpPr>
-      <p:grpSpPr>
-        <a:xfrm>
-          <a:off x="0" y="0"/>
-          <a:ext cx="0" cy="0"/>
-          <a:chOff x="0" y="0"/>
-          <a:chExt cx="0" cy="0"/>
-        </a:xfrm>
-      </p:grpSpPr>
-      <p:sp>
-        <p:nvSpPr>
-          <p:cNvPr id="23554" name="Title 1"/>
-          <p:cNvSpPr>
-            <a:spLocks noGrp="1"/>
-          </p:cNvSpPr>
-          <p:nvPr>
-            <p:ph type="title"/>
-          </p:nvPr>
-        </p:nvSpPr>
-        <p:spPr/>
-        <p:txBody>
-          <a:bodyPr>
-            <a:normAutofit fontScale="90000"/>
-          </a:bodyPr>
-          <a:lstStyle/>
-          <a:p>
-            <a:r>
-              <a:rPr lang="en-US">
-                <a:ea typeface="ＭＳ Ｐゴシック" pitchFamily="-108" charset="-128"/>
-              </a:rPr>
-              <a:t>Description of methods reviewed</a:t>
-            </a:r>
-          </a:p>
-        </p:txBody>
-      </p:sp>
-      <p:sp>
-        <p:nvSpPr>
-          <p:cNvPr id="23555" name="Content Placeholder 2"/>
-          <p:cNvSpPr>
-            <a:spLocks noGrp="1"/>
-          </p:cNvSpPr>
-          <p:nvPr>
-            <p:ph idx="1"/>
-          </p:nvPr>
-        </p:nvSpPr>
-        <p:spPr>
-          <a:xfrm>
-            <a:off x="1295400" y="1295400"/>
-            <a:ext cx="7315200" cy="1752600"/>
-          </a:xfrm>
-        </p:spPr>
-        <p:txBody>
-          <a:bodyPr>
-            <a:normAutofit fontScale="62500" lnSpcReduction="20000"/>
-          </a:bodyPr>
-          <a:lstStyle/>
-          <a:p>
-            <a:r>
-              <a:rPr lang="en-US" dirty="0">
-                <a:ea typeface="ＭＳ Ｐゴシック" pitchFamily="-108" charset="-128"/>
-              </a:rPr>
-              <a:t>Streamline Upwind </a:t>
-            </a:r>
-            <a:r>
-              <a:rPr lang="en-US" dirty="0" err="1">
-                <a:ea typeface="ＭＳ Ｐゴシック" pitchFamily="-108" charset="-128"/>
-              </a:rPr>
-              <a:t>Petrov-Galerkin</a:t>
-            </a:r>
-            <a:r>
-              <a:rPr lang="en-US" dirty="0">
-                <a:ea typeface="ＭＳ Ｐゴシック" pitchFamily="-108" charset="-128"/>
-              </a:rPr>
-              <a:t> (SUPG)</a:t>
-            </a:r>
-          </a:p>
-          <a:p>
-            <a:pPr lvl="1"/>
-            <a:r>
-              <a:rPr lang="en-US" dirty="0"/>
-              <a:t>Finite Element approach</a:t>
-            </a:r>
-          </a:p>
-          <a:p>
-            <a:pPr lvl="1"/>
-            <a:r>
-              <a:rPr lang="en-US" dirty="0"/>
-              <a:t>Inspired by finite difference methods (</a:t>
-            </a:r>
-            <a:r>
-              <a:rPr lang="en-US" dirty="0" err="1"/>
-              <a:t>upwinding</a:t>
-            </a:r>
-            <a:r>
-              <a:rPr lang="en-US" dirty="0"/>
-              <a:t> and artificial diffusion)</a:t>
-            </a:r>
-          </a:p>
-          <a:p>
-            <a:pPr lvl="1"/>
-            <a:r>
-              <a:rPr lang="en-US" dirty="0"/>
-              <a:t>Applies to linear advection/diffusion equations of any dimension</a:t>
-            </a:r>
-            <a:endParaRPr lang="en-US" u="sng" dirty="0"/>
-          </a:p>
-          <a:p>
-            <a:pPr lvl="1"/>
-            <a:r>
-              <a:rPr lang="en-US" dirty="0" smtClean="0"/>
-              <a:t>Is neither </a:t>
-            </a:r>
-            <a:r>
-              <a:rPr lang="en-US" dirty="0"/>
-              <a:t>TVD </a:t>
-            </a:r>
-            <a:r>
-              <a:rPr lang="en-US" dirty="0" smtClean="0"/>
-              <a:t>nor conservative</a:t>
-            </a:r>
-            <a:endParaRPr lang="en-US" dirty="0"/>
-          </a:p>
-          <a:p>
-            <a:endParaRPr lang="en-US" dirty="0">
-              <a:ea typeface="ＭＳ Ｐゴシック" pitchFamily="-108" charset="-128"/>
-            </a:endParaRPr>
-          </a:p>
-        </p:txBody>
-      </p:sp>
-      <p:sp>
-        <p:nvSpPr>
-          <p:cNvPr id="23556" name="Slide Number Placeholder 3"/>
-          <p:cNvSpPr>
-            <a:spLocks noGrp="1"/>
-          </p:cNvSpPr>
-          <p:nvPr>
-            <p:ph type="sldNum" sz="quarter" idx="12"/>
-          </p:nvPr>
-        </p:nvSpPr>
-        <p:spPr>
-          <a:noFill/>
-        </p:spPr>
-        <p:txBody>
-          <a:bodyPr/>
-          <a:lstStyle/>
-          <a:p>
-            <a:r>
-              <a:rPr lang="en-US"/>
-              <a:t>Slide </a:t>
-            </a:r>
-            <a:fld id="{450779B1-243C-204F-A46C-531D5C821050}" type="slidenum">
-              <a:rPr lang="en-US"/>
-              <a:pPr/>
-              <a:t>11</a:t>
-            </a:fld>
-            <a:endParaRPr lang="en-US"/>
-          </a:p>
-        </p:txBody>
-      </p:sp>
-      <p:pic>
-        <p:nvPicPr>
-          <p:cNvPr id="23557" name="Picture 5" descr="/Users/Sean/Movies/Any Video Converter Ultimate/Common Used Video Formats/FEM.avi">
-            <a:hlinkClick r:id="" action="ppaction://media"/>
-          </p:cNvPr>
-          <p:cNvPicPr/>
-          <p:nvPr>
-            <a:videoFile r:link="rId1"/>
-          </p:nvPr>
-        </p:nvPicPr>
-        <p:blipFill>
-          <a:blip r:embed="rId3"/>
-          <a:srcRect/>
-          <a:stretch>
-            <a:fillRect/>
-          </a:stretch>
-        </p:blipFill>
-        <p:spPr bwMode="auto">
-          <a:xfrm>
-            <a:off x="2565400" y="3048000"/>
-            <a:ext cx="4064000" cy="3048000"/>
-          </a:xfrm>
-          <a:prstGeom prst="rect">
-            <a:avLst/>
-          </a:prstGeom>
-          <a:noFill/>
-          <a:ln w="9525">
-            <a:noFill/>
-            <a:miter lim="800000"/>
-            <a:headEnd/>
-            <a:tailEnd/>
-          </a:ln>
-        </p:spPr>
-      </p:pic>
-    </p:spTree>
-  </p:cSld>
-  <p:clrMapOvr>
-    <a:masterClrMapping/>
-  </p:clrMapOvr>
-  <p:timing>
-    <p:tnLst>
-      <p:par>
-        <p:cTn id="1" dur="indefinite" restart="never" nodeType="tmRoot">
-          <p:childTnLst>
-            <p:seq concurrent="1" nextAc="seek">
-              <p:cTn id="2" dur="indefinite" nodeType="mainSeq">
-                <p:childTnLst>
-                  <p:par>
-                    <p:cTn id="3" fill="hold">
-                      <p:stCondLst>
-                        <p:cond delay="indefinite"/>
-                        <p:cond evt="onBegin" delay="0">
-                          <p:tn val="2"/>
-                        </p:cond>
-                      </p:stCondLst>
-                      <p:childTnLst>
-                        <p:par>
-                          <p:cTn id="4" fill="hold">
-                            <p:stCondLst>
-                              <p:cond delay="0"/>
-                            </p:stCondLst>
-                            <p:childTnLst>
-                              <p:par>
-                                <p:cTn id="5" presetID="1" presetClass="mediacall" presetSubtype="0" fill="hold" nodeType="afterEffect">
-                                  <p:stCondLst>
-                                    <p:cond delay="0"/>
-                                  </p:stCondLst>
-                                  <p:childTnLst>
-                                    <p:cmd type="call" cmd="playFrom(0.0)">
-                                      <p:cBhvr>
-                                        <p:cTn id="6" dur="53320" fill="hold"/>
-                                        <p:tgtEl>
-                                          <p:spTgt spid="23557"/>
-                                        </p:tgtEl>
-                                      </p:cBhvr>
-                                    </p:cmd>
-                                  </p:childTnLst>
-                                </p:cTn>
-                              </p:par>
-                            </p:childTnLst>
-                          </p:cTn>
-                        </p:par>
-                      </p:childTnLst>
-                    </p:cTn>
-                  </p:par>
-                </p:childTnLst>
-              </p:cTn>
-              <p:prevCondLst>
-                <p:cond evt="onPrev" delay="0">
-                  <p:tgtEl>
-                    <p:sldTgt/>
-                  </p:tgtEl>
-                </p:cond>
-              </p:prevCondLst>
-              <p:nextCondLst>
-                <p:cond evt="onNext" delay="0">
-                  <p:tgtEl>
-                    <p:sldTgt/>
-                  </p:tgtEl>
-                </p:cond>
-              </p:nextCondLst>
-            </p:seq>
-            <p:video>
-              <p:cMediaNode>
-                <p:cTn id="7" fill="hold" display="0">
-                  <p:stCondLst>
-                    <p:cond delay="indefinite"/>
-                  </p:stCondLst>
-                  <p:endCondLst>
-                    <p:cond evt="onNext" delay="0">
-                      <p:tgtEl>
-                        <p:sldTgt/>
-                      </p:tgtEl>
-                    </p:cond>
-                    <p:cond evt="onPrev" delay="0">
-                      <p:tgtEl>
-                        <p:sldTgt/>
-                      </p:tgtEl>
-                    </p:cond>
-                  </p:endCondLst>
-                </p:cTn>
-                <p:tgtEl>
-                  <p:spTgt spid="23557"/>
-                </p:tgtEl>
-              </p:cMediaNode>
-            </p:video>
-            <p:seq concurrent="1" nextAc="seek">
-              <p:cTn id="8" restart="whenNotActive" fill="hold" evtFilter="cancelBubble" nodeType="interactiveSeq">
-                <p:stCondLst>
-                  <p:cond evt="onClick" delay="0">
-                    <p:tgtEl>
-                      <p:spTgt spid="23557"/>
-                    </p:tgtEl>
-                  </p:cond>
-                </p:stCondLst>
-                <p:endSync evt="end" delay="0">
-                  <p:rtn val="all"/>
-                </p:endSync>
-                <p:childTnLst>
-                  <p:par>
-                    <p:cTn id="9" fill="hold">
-                      <p:stCondLst>
-                        <p:cond delay="0"/>
-                      </p:stCondLst>
-                      <p:childTnLst>
-                        <p:par>
-                          <p:cTn id="10" fill="hold">
-                            <p:stCondLst>
-                              <p:cond delay="0"/>
-                            </p:stCondLst>
-                            <p:childTnLst>
-                              <p:par>
-                                <p:cTn id="11" presetID="2" presetClass="mediacall" presetSubtype="0" fill="hold" nodeType="clickEffect">
-                                  <p:stCondLst>
-                                    <p:cond delay="0"/>
-                                  </p:stCondLst>
-                                  <p:childTnLst>
-                                    <p:cmd type="call" cmd="togglePause">
-                                      <p:cBhvr>
-                                        <p:cTn id="12" dur="1" fill="hold"/>
-                                        <p:tgtEl>
-                                          <p:spTgt spid="23557"/>
-                                        </p:tgtEl>
-                                      </p:cBhvr>
-                                    </p:cmd>
-                                  </p:childTnLst>
-                                </p:cTn>
-                              </p:par>
-                            </p:childTnLst>
-                          </p:cTn>
-                        </p:par>
-                      </p:childTnLst>
-                    </p:cTn>
-                  </p:par>
-                </p:childTnLst>
-              </p:cTn>
-              <p:nextCondLst>
-                <p:cond evt="onClick" delay="0">
-                  <p:tgtEl>
-                    <p:spTgt spid="23557"/>
-                  </p:tgtEl>
-                </p:cond>
-              </p:nextCondLst>
-            </p:seq>
-          </p:childTnLst>
-        </p:cTn>
-      </p:par>
-    </p:tnLst>
-  </p:timing>
-</p:sld>
-</file>
-
-<file path=ppt/slides/slide12.xml><?xml version="1.0" encoding="utf-8"?>
-<p:sld xmlns:a="http://schemas.openxmlformats.org/drawingml/2006/main" xmlns:r="http://schemas.openxmlformats.org/officeDocument/2006/relationships" xmlns:p="http://schemas.openxmlformats.org/presentationml/2006/main">
-  <p:cSld>
-    <p:spTree>
-      <p:nvGrpSpPr>
-        <p:cNvPr id="1" name=""/>
-        <p:cNvGrpSpPr/>
-        <p:nvPr/>
-      </p:nvGrpSpPr>
-      <p:grpSpPr>
-        <a:xfrm>
-          <a:off x="0" y="0"/>
-          <a:ext cx="0" cy="0"/>
-          <a:chOff x="0" y="0"/>
-          <a:chExt cx="0" cy="0"/>
-        </a:xfrm>
-      </p:grpSpPr>
-      <p:sp>
-        <p:nvSpPr>
-          <p:cNvPr id="24578" name="Title 1"/>
-          <p:cNvSpPr>
-            <a:spLocks noGrp="1"/>
-          </p:cNvSpPr>
-          <p:nvPr>
-            <p:ph type="title"/>
-          </p:nvPr>
-        </p:nvSpPr>
-        <p:spPr/>
-        <p:txBody>
-          <a:bodyPr>
-            <a:normAutofit fontScale="90000"/>
-          </a:bodyPr>
-          <a:lstStyle/>
-          <a:p>
-            <a:r>
-              <a:rPr lang="en-US">
-                <a:ea typeface="ＭＳ Ｐゴシック" pitchFamily="-108" charset="-128"/>
-              </a:rPr>
-              <a:t>Theory of the Streamline Upwind Petrov-Galerkin (SUPG)</a:t>
-            </a:r>
-          </a:p>
-        </p:txBody>
-      </p:sp>
-      <p:sp>
-        <p:nvSpPr>
-          <p:cNvPr id="24579" name="Content Placeholder 2"/>
-          <p:cNvSpPr>
-            <a:spLocks noGrp="1"/>
-          </p:cNvSpPr>
-          <p:nvPr>
-            <p:ph idx="1"/>
-          </p:nvPr>
-        </p:nvSpPr>
-        <p:spPr/>
-        <p:txBody>
-          <a:bodyPr>
-            <a:normAutofit fontScale="77500" lnSpcReduction="20000"/>
-          </a:bodyPr>
-          <a:lstStyle/>
-          <a:p>
-            <a:r>
-              <a:rPr lang="en-US" u="sng">
-                <a:ea typeface="ＭＳ Ｐゴシック" pitchFamily="-108" charset="-128"/>
-              </a:rPr>
-              <a:t>Trial functions </a:t>
-            </a:r>
-            <a:r>
-              <a:rPr lang="en-US">
-                <a:ea typeface="ＭＳ Ｐゴシック" pitchFamily="-108" charset="-128"/>
-              </a:rPr>
-              <a:t>– a set of functions assumed to approximate the underlying solution. The trial functions have degrees of freedom that must be solved for.</a:t>
-            </a:r>
-          </a:p>
-          <a:p>
-            <a:r>
-              <a:rPr lang="en-US" u="sng">
-                <a:ea typeface="ＭＳ Ｐゴシック" pitchFamily="-108" charset="-128"/>
-              </a:rPr>
-              <a:t>Test functions </a:t>
-            </a:r>
-            <a:r>
-              <a:rPr lang="en-US">
-                <a:ea typeface="ＭＳ Ｐゴシック" pitchFamily="-108" charset="-128"/>
-              </a:rPr>
-              <a:t>– a set of functions used to solve for the degrees of freedom of the trial functions.  Uses the weak formulation of the governing equation.</a:t>
-            </a:r>
-          </a:p>
-          <a:p>
-            <a:r>
-              <a:rPr lang="en-US" u="sng">
-                <a:ea typeface="ＭＳ Ｐゴシック" pitchFamily="-108" charset="-128"/>
-              </a:rPr>
-              <a:t>Petrov-Galerkin</a:t>
-            </a:r>
-            <a:r>
-              <a:rPr lang="en-US">
-                <a:ea typeface="ＭＳ Ｐゴシック" pitchFamily="-108" charset="-128"/>
-              </a:rPr>
-              <a:t> – Test functions </a:t>
-            </a:r>
-            <a:r>
-              <a:rPr lang="en-US">
-                <a:ea typeface="Arial" pitchFamily="-108" charset="0"/>
-                <a:cs typeface="Arial" pitchFamily="-108" charset="0"/>
-              </a:rPr>
-              <a:t>≠ Trial functions</a:t>
-            </a:r>
-            <a:r>
-              <a:rPr lang="en-US">
-                <a:ea typeface="ＭＳ Ｐゴシック" pitchFamily="-108" charset="-128"/>
-              </a:rPr>
-              <a:t> </a:t>
-            </a:r>
-          </a:p>
-          <a:p>
-            <a:r>
-              <a:rPr lang="en-US" u="sng">
-                <a:ea typeface="ＭＳ Ｐゴシック" pitchFamily="-108" charset="-128"/>
-              </a:rPr>
-              <a:t>SUPG</a:t>
-            </a:r>
-            <a:r>
-              <a:rPr lang="en-US">
-                <a:ea typeface="ＭＳ Ｐゴシック" pitchFamily="-108" charset="-128"/>
-              </a:rPr>
-              <a:t> – Choose test functions to be:</a:t>
-            </a:r>
-          </a:p>
-          <a:p>
-            <a:endParaRPr lang="en-US">
-              <a:ea typeface="ＭＳ Ｐゴシック" pitchFamily="-108" charset="-128"/>
-            </a:endParaRPr>
-          </a:p>
-          <a:p>
-            <a:pPr>
-              <a:buFont typeface="Wingdings" pitchFamily="-108" charset="2"/>
-              <a:buNone/>
-            </a:pPr>
-            <a:r>
-              <a:rPr lang="en-US">
-                <a:ea typeface="ＭＳ Ｐゴシック" pitchFamily="-108" charset="-128"/>
-              </a:rPr>
-              <a:t>	</a:t>
-            </a:r>
-          </a:p>
-          <a:p>
-            <a:pPr>
-              <a:buFont typeface="Wingdings" pitchFamily="-108" charset="2"/>
-              <a:buNone/>
-            </a:pPr>
-            <a:r>
-              <a:rPr lang="en-US">
-                <a:ea typeface="ＭＳ Ｐゴシック" pitchFamily="-108" charset="-128"/>
-              </a:rPr>
-              <a:t>				where N is a trial function</a:t>
-            </a:r>
-          </a:p>
-        </p:txBody>
-      </p:sp>
-      <p:sp>
-        <p:nvSpPr>
-          <p:cNvPr id="24580" name="Slide Number Placeholder 3"/>
-          <p:cNvSpPr>
-            <a:spLocks noGrp="1"/>
-          </p:cNvSpPr>
-          <p:nvPr>
-            <p:ph type="sldNum" sz="quarter" idx="12"/>
-          </p:nvPr>
-        </p:nvSpPr>
-        <p:spPr>
-          <a:noFill/>
-        </p:spPr>
-        <p:txBody>
-          <a:bodyPr/>
-          <a:lstStyle/>
-          <a:p>
-            <a:r>
-              <a:rPr lang="en-US"/>
-              <a:t>Slide </a:t>
-            </a:r>
-            <a:fld id="{9C0C6800-C07A-B840-9F81-62616F777194}" type="slidenum">
-              <a:rPr lang="en-US"/>
-              <a:pPr/>
-              <a:t>12</a:t>
-            </a:fld>
-            <a:endParaRPr lang="en-US"/>
-          </a:p>
-        </p:txBody>
-      </p:sp>
-      <p:pic>
-        <p:nvPicPr>
-          <p:cNvPr id="24581" name="Picture 47"/>
-          <p:cNvPicPr>
-            <a:picLocks noChangeAspect="1" noChangeArrowheads="1"/>
-          </p:cNvPicPr>
-          <p:nvPr/>
-        </p:nvPicPr>
-        <p:blipFill>
-          <a:blip r:embed="rId2"/>
-          <a:srcRect/>
-          <a:stretch>
-            <a:fillRect/>
-          </a:stretch>
-        </p:blipFill>
-        <p:spPr bwMode="auto">
-          <a:xfrm>
-            <a:off x="2743200" y="4191000"/>
-            <a:ext cx="3960813" cy="919163"/>
-          </a:xfrm>
-          <a:prstGeom prst="rect">
-            <a:avLst/>
-          </a:prstGeom>
-          <a:noFill/>
-          <a:ln w="9525">
-            <a:noFill/>
-            <a:miter lim="800000"/>
-            <a:headEnd/>
-            <a:tailEnd/>
-          </a:ln>
-        </p:spPr>
-      </p:pic>
-    </p:spTree>
-  </p:cSld>
-  <p:clrMapOvr>
-    <a:masterClrMapping/>
-  </p:clrMapOvr>
-</p:sld>
-</file>
-
-<file path=ppt/slides/slide13.xml><?xml version="1.0" encoding="utf-8"?>
-<p:sld xmlns:a="http://schemas.openxmlformats.org/drawingml/2006/main" xmlns:r="http://schemas.openxmlformats.org/officeDocument/2006/relationships" xmlns:p="http://schemas.openxmlformats.org/presentationml/2006/main">
-  <p:cSld>
-    <p:spTree>
-      <p:nvGrpSpPr>
-        <p:cNvPr id="1" name=""/>
-        <p:cNvGrpSpPr/>
-        <p:nvPr/>
-      </p:nvGrpSpPr>
-      <p:grpSpPr>
-        <a:xfrm>
-          <a:off x="0" y="0"/>
-          <a:ext cx="0" cy="0"/>
-          <a:chOff x="0" y="0"/>
-          <a:chExt cx="0" cy="0"/>
-        </a:xfrm>
-      </p:grpSpPr>
-      <p:pic>
-        <p:nvPicPr>
-          <p:cNvPr id="15" name="Picture 14" descr="Lax-noTVD_10.png"/>
-          <p:cNvPicPr>
-            <a:picLocks noChangeAspect="1"/>
-          </p:cNvPicPr>
-          <p:nvPr/>
-        </p:nvPicPr>
-        <p:blipFill>
-          <a:blip r:embed="rId3"/>
-          <a:stretch>
-            <a:fillRect/>
-          </a:stretch>
-        </p:blipFill>
-        <p:spPr>
-          <a:xfrm>
-            <a:off x="1600200" y="1600200"/>
-            <a:ext cx="3212592" cy="2409443"/>
-          </a:xfrm>
-          <a:prstGeom prst="rect">
-            <a:avLst/>
-          </a:prstGeom>
-        </p:spPr>
-      </p:pic>
-      <p:pic>
-        <p:nvPicPr>
-          <p:cNvPr id="18" name="Picture 17" descr="Lax-noTVD_10.png"/>
-          <p:cNvPicPr>
-            <a:picLocks noChangeAspect="1"/>
-          </p:cNvPicPr>
-          <p:nvPr/>
-        </p:nvPicPr>
-        <p:blipFill>
-          <a:blip r:embed="rId4"/>
-          <a:stretch>
-            <a:fillRect/>
-          </a:stretch>
-        </p:blipFill>
-        <p:spPr>
-          <a:xfrm>
-            <a:off x="1588008" y="3991357"/>
-            <a:ext cx="3212591" cy="2409443"/>
-          </a:xfrm>
-          <a:prstGeom prst="rect">
-            <a:avLst/>
-          </a:prstGeom>
-        </p:spPr>
-      </p:pic>
-      <p:pic>
-        <p:nvPicPr>
-          <p:cNvPr id="19" name="Picture 18" descr="Lax-noTVD_10.png"/>
-          <p:cNvPicPr>
-            <a:picLocks noChangeAspect="1"/>
-          </p:cNvPicPr>
-          <p:nvPr/>
-        </p:nvPicPr>
-        <p:blipFill>
-          <a:blip r:embed="rId5"/>
-          <a:stretch>
-            <a:fillRect/>
-          </a:stretch>
-        </p:blipFill>
-        <p:spPr>
-          <a:xfrm>
-            <a:off x="5105400" y="1595820"/>
-            <a:ext cx="3212591" cy="2409443"/>
-          </a:xfrm>
-          <a:prstGeom prst="rect">
-            <a:avLst/>
-          </a:prstGeom>
-        </p:spPr>
-      </p:pic>
-      <p:pic>
-        <p:nvPicPr>
-          <p:cNvPr id="20" name="Picture 19" descr="Lax-noTVD_10.png"/>
-          <p:cNvPicPr>
-            <a:picLocks noChangeAspect="1"/>
-          </p:cNvPicPr>
-          <p:nvPr/>
-        </p:nvPicPr>
-        <p:blipFill>
-          <a:blip r:embed="rId6"/>
-          <a:stretch>
-            <a:fillRect/>
-          </a:stretch>
-        </p:blipFill>
-        <p:spPr>
-          <a:xfrm>
-            <a:off x="5105400" y="4038600"/>
-            <a:ext cx="3212591" cy="2409443"/>
-          </a:xfrm>
-          <a:prstGeom prst="rect">
-            <a:avLst/>
-          </a:prstGeom>
-        </p:spPr>
-      </p:pic>
-      <p:sp>
-        <p:nvSpPr>
-          <p:cNvPr id="18434" name="Title 1"/>
-          <p:cNvSpPr>
-            <a:spLocks noGrp="1"/>
-          </p:cNvSpPr>
-          <p:nvPr>
-            <p:ph type="title"/>
-          </p:nvPr>
-        </p:nvSpPr>
-        <p:spPr/>
-        <p:txBody>
-          <a:bodyPr>
-            <a:normAutofit fontScale="90000"/>
-          </a:bodyPr>
-          <a:lstStyle/>
-          <a:p>
-            <a:r>
-              <a:rPr lang="en-US" dirty="0">
-                <a:ea typeface="ＭＳ Ｐゴシック" pitchFamily="-108" charset="-128"/>
-              </a:rPr>
-              <a:t>Results for</a:t>
-            </a:r>
-            <a:r>
-              <a:rPr lang="en-US" dirty="0" smtClean="0">
-                <a:ea typeface="ＭＳ Ｐゴシック" pitchFamily="-108" charset="-128"/>
-              </a:rPr>
-              <a:t> 1D Advection in a 2D Code after 10 Periods</a:t>
-            </a:r>
-            <a:endParaRPr lang="en-US" dirty="0">
-              <a:ea typeface="ＭＳ Ｐゴシック" pitchFamily="-108" charset="-128"/>
-            </a:endParaRPr>
-          </a:p>
-        </p:txBody>
-      </p:sp>
-      <p:sp>
-        <p:nvSpPr>
-          <p:cNvPr id="18435" name="Slide Number Placeholder 3"/>
-          <p:cNvSpPr>
-            <a:spLocks noGrp="1"/>
-          </p:cNvSpPr>
-          <p:nvPr>
-            <p:ph type="sldNum" sz="quarter" idx="12"/>
-          </p:nvPr>
-        </p:nvSpPr>
-        <p:spPr>
-          <a:noFill/>
-        </p:spPr>
-        <p:txBody>
-          <a:bodyPr/>
-          <a:lstStyle/>
-          <a:p>
-            <a:r>
-              <a:rPr lang="en-US"/>
-              <a:t>Slide </a:t>
-            </a:r>
-            <a:fld id="{2E8154CE-D821-A54C-9083-D8860CAA5A2D}" type="slidenum">
-              <a:rPr lang="en-US"/>
-              <a:pPr/>
-              <a:t>13</a:t>
-            </a:fld>
-            <a:endParaRPr lang="en-US"/>
-          </a:p>
-        </p:txBody>
-      </p:sp>
-      <p:sp>
-        <p:nvSpPr>
-          <p:cNvPr id="18436" name="TextBox 20"/>
-          <p:cNvSpPr txBox="1">
-            <a:spLocks noChangeArrowheads="1"/>
-          </p:cNvSpPr>
-          <p:nvPr/>
-        </p:nvSpPr>
-        <p:spPr bwMode="auto">
-          <a:xfrm>
-            <a:off x="2133600" y="1600200"/>
-            <a:ext cx="2679192" cy="384721"/>
-          </a:xfrm>
-          <a:prstGeom prst="rect">
-            <a:avLst/>
-          </a:prstGeom>
-          <a:noFill/>
-          <a:ln w="9525">
-            <a:noFill/>
-            <a:miter lim="800000"/>
-            <a:headEnd/>
-            <a:tailEnd/>
-          </a:ln>
-        </p:spPr>
-        <p:txBody>
-          <a:bodyPr wrap="square">
-            <a:prstTxWarp prst="textNoShape">
-              <a:avLst/>
-            </a:prstTxWarp>
-            <a:spAutoFit/>
-          </a:bodyPr>
-          <a:lstStyle/>
-          <a:p>
-            <a:pPr>
-              <a:buFont typeface="Wingdings" pitchFamily="-108" charset="2"/>
-              <a:buNone/>
-            </a:pPr>
-            <a:r>
-              <a:rPr lang="en-US" sz="1900" dirty="0"/>
-              <a:t>Lax-</a:t>
-            </a:r>
-            <a:r>
-              <a:rPr lang="en-US" sz="1900" dirty="0" err="1"/>
-              <a:t>Wendroff</a:t>
-            </a:r>
-            <a:r>
-              <a:rPr lang="en-US" sz="1900" dirty="0"/>
-              <a:t> (not TVD):</a:t>
-            </a:r>
-          </a:p>
-        </p:txBody>
-      </p:sp>
-      <p:sp>
-        <p:nvSpPr>
-          <p:cNvPr id="18437" name="TextBox 21"/>
-          <p:cNvSpPr txBox="1">
-            <a:spLocks noChangeArrowheads="1"/>
-          </p:cNvSpPr>
-          <p:nvPr/>
-        </p:nvSpPr>
-        <p:spPr bwMode="auto">
-          <a:xfrm>
-            <a:off x="5638799" y="1595820"/>
-            <a:ext cx="2974849" cy="384721"/>
-          </a:xfrm>
-          <a:prstGeom prst="rect">
-            <a:avLst/>
-          </a:prstGeom>
-          <a:noFill/>
-          <a:ln w="9525">
-            <a:noFill/>
-            <a:miter lim="800000"/>
-            <a:headEnd/>
-            <a:tailEnd/>
-          </a:ln>
-        </p:spPr>
-        <p:txBody>
-          <a:bodyPr wrap="square">
-            <a:prstTxWarp prst="textNoShape">
-              <a:avLst/>
-            </a:prstTxWarp>
-            <a:spAutoFit/>
-          </a:bodyPr>
-          <a:lstStyle/>
-          <a:p>
-            <a:pPr>
-              <a:buFont typeface="Wingdings" pitchFamily="-108" charset="2"/>
-              <a:buNone/>
-            </a:pPr>
-            <a:r>
-              <a:rPr lang="en-US" sz="1900" dirty="0"/>
-              <a:t>Lax-</a:t>
-            </a:r>
-            <a:r>
-              <a:rPr lang="en-US" sz="1900" dirty="0" err="1"/>
-              <a:t>Wendroff</a:t>
-            </a:r>
-            <a:r>
-              <a:rPr lang="en-US" sz="1900" dirty="0"/>
-              <a:t> (</a:t>
-            </a:r>
-            <a:r>
-              <a:rPr lang="en-US" sz="1900" dirty="0" err="1"/>
-              <a:t>Superbee</a:t>
-            </a:r>
-            <a:r>
-              <a:rPr lang="en-US" sz="1900" dirty="0"/>
-              <a:t>):</a:t>
-            </a:r>
-          </a:p>
-        </p:txBody>
-      </p:sp>
-      <p:sp>
-        <p:nvSpPr>
-          <p:cNvPr id="18438" name="TextBox 23"/>
-          <p:cNvSpPr txBox="1">
-            <a:spLocks noChangeArrowheads="1"/>
-          </p:cNvSpPr>
-          <p:nvPr/>
-        </p:nvSpPr>
-        <p:spPr bwMode="auto">
-          <a:xfrm>
-            <a:off x="2133600" y="4187279"/>
-            <a:ext cx="2438400" cy="384721"/>
-          </a:xfrm>
-          <a:prstGeom prst="rect">
-            <a:avLst/>
-          </a:prstGeom>
-          <a:noFill/>
-          <a:ln w="9525">
-            <a:noFill/>
-            <a:miter lim="800000"/>
-            <a:headEnd/>
-            <a:tailEnd/>
-          </a:ln>
-        </p:spPr>
-        <p:txBody>
-          <a:bodyPr>
-            <a:prstTxWarp prst="textNoShape">
-              <a:avLst/>
-            </a:prstTxWarp>
-            <a:spAutoFit/>
-          </a:bodyPr>
-          <a:lstStyle/>
-          <a:p>
-            <a:pPr algn="ctr">
-              <a:buFont typeface="Wingdings" pitchFamily="-108" charset="2"/>
-              <a:buNone/>
-            </a:pPr>
-            <a:r>
-              <a:rPr lang="en-US" sz="1900" dirty="0"/>
-              <a:t>MUSCL:</a:t>
-            </a:r>
-          </a:p>
-        </p:txBody>
-      </p:sp>
-      <p:sp>
-        <p:nvSpPr>
-          <p:cNvPr id="18439" name="TextBox 24"/>
-          <p:cNvSpPr txBox="1">
-            <a:spLocks noChangeArrowheads="1"/>
-          </p:cNvSpPr>
-          <p:nvPr/>
-        </p:nvSpPr>
-        <p:spPr bwMode="auto">
-          <a:xfrm>
-            <a:off x="5562600" y="4187279"/>
-            <a:ext cx="2438400" cy="384721"/>
-          </a:xfrm>
-          <a:prstGeom prst="rect">
-            <a:avLst/>
-          </a:prstGeom>
-          <a:noFill/>
-          <a:ln w="9525">
-            <a:noFill/>
-            <a:miter lim="800000"/>
-            <a:headEnd/>
-            <a:tailEnd/>
-          </a:ln>
-        </p:spPr>
-        <p:txBody>
-          <a:bodyPr>
-            <a:prstTxWarp prst="textNoShape">
-              <a:avLst/>
-            </a:prstTxWarp>
-            <a:spAutoFit/>
-          </a:bodyPr>
-          <a:lstStyle/>
-          <a:p>
-            <a:pPr algn="ctr">
-              <a:buFont typeface="Wingdings" pitchFamily="-108" charset="2"/>
-              <a:buNone/>
-            </a:pPr>
-            <a:r>
-              <a:rPr lang="en-US" sz="1900" dirty="0"/>
-              <a:t>SUPG:</a:t>
-            </a:r>
-          </a:p>
-        </p:txBody>
-      </p:sp>
-    </p:spTree>
-  </p:cSld>
-  <p:clrMapOvr>
-    <a:masterClrMapping/>
-  </p:clrMapOvr>
-  <p:timing>
-    <p:tnLst>
-      <p:par>
-        <p:cTn id="1" dur="indefinite" restart="never" nodeType="tmRoot"/>
-      </p:par>
-    </p:tnLst>
-  </p:timing>
-</p:sld>
-</file>
-
-<file path=ppt/slides/slide14.xml><?xml version="1.0" encoding="utf-8"?>
-<p:sld xmlns:a="http://schemas.openxmlformats.org/drawingml/2006/main" xmlns:r="http://schemas.openxmlformats.org/officeDocument/2006/relationships" xmlns:p="http://schemas.openxmlformats.org/presentationml/2006/main">
-  <p:cSld>
-    <p:spTree>
-      <p:nvGrpSpPr>
-        <p:cNvPr id="1" name=""/>
-        <p:cNvGrpSpPr/>
-        <p:nvPr/>
-      </p:nvGrpSpPr>
-      <p:grpSpPr>
-        <a:xfrm>
-          <a:off x="0" y="0"/>
-          <a:ext cx="0" cy="0"/>
-          <a:chOff x="0" y="0"/>
-          <a:chExt cx="0" cy="0"/>
-        </a:xfrm>
-      </p:grpSpPr>
-      <p:sp>
-        <p:nvSpPr>
-          <p:cNvPr id="26626" name="Title 1"/>
-          <p:cNvSpPr>
-            <a:spLocks noGrp="1"/>
-          </p:cNvSpPr>
-          <p:nvPr>
-            <p:ph type="title"/>
-          </p:nvPr>
-        </p:nvSpPr>
-        <p:spPr/>
-        <p:txBody>
-          <a:bodyPr>
-            <a:normAutofit fontScale="90000"/>
-          </a:bodyPr>
-          <a:lstStyle/>
-          <a:p>
-            <a:r>
-              <a:rPr lang="en-US">
-                <a:ea typeface="ＭＳ Ｐゴシック" pitchFamily="-108" charset="-128"/>
-              </a:rPr>
-              <a:t>2D Wave Advection Test Conclusions</a:t>
-            </a:r>
-          </a:p>
-        </p:txBody>
-      </p:sp>
-      <p:sp>
-        <p:nvSpPr>
-          <p:cNvPr id="26627" name="Content Placeholder 2"/>
-          <p:cNvSpPr>
-            <a:spLocks noGrp="1"/>
-          </p:cNvSpPr>
-          <p:nvPr>
-            <p:ph idx="1"/>
-          </p:nvPr>
-        </p:nvSpPr>
-        <p:spPr/>
-        <p:txBody>
-          <a:bodyPr>
-            <a:normAutofit fontScale="77500" lnSpcReduction="20000"/>
-          </a:bodyPr>
-          <a:lstStyle/>
-          <a:p>
-            <a:r>
-              <a:rPr lang="en-US" b="0">
-                <a:ea typeface="ＭＳ Ｐゴシック" pitchFamily="-108" charset="-128"/>
-              </a:rPr>
-              <a:t>Lax-Wendroff with slope limiters</a:t>
-            </a:r>
-          </a:p>
-          <a:p>
-            <a:pPr lvl="1"/>
-            <a:r>
-              <a:rPr lang="en-US"/>
-              <a:t>Effective for sharp discontinuities</a:t>
-            </a:r>
-          </a:p>
-          <a:p>
-            <a:pPr lvl="1"/>
-            <a:r>
-              <a:rPr lang="en-US"/>
-              <a:t>Overly dissipative for thin waves (cuts off the top of the triangular/gaussian waves)</a:t>
-            </a:r>
-          </a:p>
-          <a:p>
-            <a:pPr lvl="1"/>
-            <a:r>
-              <a:rPr lang="en-US"/>
-              <a:t>more dissipative than other methods</a:t>
-            </a:r>
-          </a:p>
-          <a:p>
-            <a:r>
-              <a:rPr lang="en-US" b="0">
-                <a:ea typeface="ＭＳ Ｐゴシック" pitchFamily="-108" charset="-128"/>
-              </a:rPr>
-              <a:t>MUSCL with ACM</a:t>
-            </a:r>
-          </a:p>
-          <a:p>
-            <a:pPr lvl="1"/>
-            <a:r>
-              <a:rPr lang="en-US"/>
-              <a:t>most effective for problems with discontinuities</a:t>
-            </a:r>
-          </a:p>
-          <a:p>
-            <a:pPr lvl="1"/>
-            <a:r>
-              <a:rPr lang="en-US"/>
-              <a:t>Unnaturally sharpens the solution</a:t>
-            </a:r>
-          </a:p>
-          <a:p>
-            <a:r>
-              <a:rPr lang="en-US" b="0">
-                <a:ea typeface="ＭＳ Ｐゴシック" pitchFamily="-108" charset="-128"/>
-              </a:rPr>
-              <a:t>SUPG</a:t>
-            </a:r>
-          </a:p>
-          <a:p>
-            <a:pPr lvl="1"/>
-            <a:r>
-              <a:rPr lang="en-US"/>
-              <a:t>Balances well between diffusion and discontinuity sharpness </a:t>
-            </a:r>
-          </a:p>
-          <a:p>
-            <a:pPr lvl="1"/>
-            <a:r>
-              <a:rPr lang="en-US"/>
-              <a:t>Doesn’t introduce unnatural sharpening</a:t>
-            </a:r>
-          </a:p>
-          <a:p>
-            <a:pPr lvl="1"/>
-            <a:r>
-              <a:rPr lang="en-US"/>
-              <a:t>Requires matrix operations</a:t>
-            </a:r>
-          </a:p>
-          <a:p>
-            <a:pPr lvl="1"/>
-            <a:r>
-              <a:rPr lang="en-US"/>
-              <a:t>Non-conservative</a:t>
-            </a:r>
-          </a:p>
-        </p:txBody>
-      </p:sp>
-      <p:sp>
-        <p:nvSpPr>
-          <p:cNvPr id="26628" name="Slide Number Placeholder 3"/>
-          <p:cNvSpPr>
-            <a:spLocks noGrp="1"/>
-          </p:cNvSpPr>
-          <p:nvPr>
-            <p:ph type="sldNum" sz="quarter" idx="12"/>
-          </p:nvPr>
-        </p:nvSpPr>
-        <p:spPr>
-          <a:noFill/>
-        </p:spPr>
-        <p:txBody>
-          <a:bodyPr/>
-          <a:lstStyle/>
-          <a:p>
-            <a:r>
-              <a:rPr lang="en-US"/>
-              <a:t>Slide </a:t>
-            </a:r>
-            <a:fld id="{E0B04660-0E7D-5547-AF9D-4047ABAD6874}" type="slidenum">
-              <a:rPr lang="en-US"/>
-              <a:pPr/>
-              <a:t>14</a:t>
-            </a:fld>
-            <a:endParaRPr lang="en-US"/>
-          </a:p>
-        </p:txBody>
-      </p:sp>
-    </p:spTree>
-  </p:cSld>
-  <p:clrMapOvr>
-    <a:masterClrMapping/>
-  </p:clrMapOvr>
-  <p:timing>
-    <p:tnLst>
-      <p:par>
-        <p:cTn id="1" dur="indefinite" restart="never" nodeType="tmRoot"/>
-      </p:par>
-    </p:tnLst>
-  </p:timing>
-</p:sld>
-</file>
-
-<file path=ppt/slides/slide15.xml><?xml version="1.0" encoding="utf-8"?>
-<p:sld xmlns:a="http://schemas.openxmlformats.org/drawingml/2006/main" xmlns:r="http://schemas.openxmlformats.org/officeDocument/2006/relationships" xmlns:p="http://schemas.openxmlformats.org/presentationml/2006/main">
-  <p:cSld>
-    <p:spTree>
-      <p:nvGrpSpPr>
-        <p:cNvPr id="1" name=""/>
-        <p:cNvGrpSpPr/>
-        <p:nvPr/>
-      </p:nvGrpSpPr>
-      <p:grpSpPr>
-        <a:xfrm>
-          <a:off x="0" y="0"/>
-          <a:ext cx="0" cy="0"/>
-          <a:chOff x="0" y="0"/>
-          <a:chExt cx="0" cy="0"/>
-        </a:xfrm>
-      </p:grpSpPr>
-      <p:sp>
-        <p:nvSpPr>
-          <p:cNvPr id="27650" name="Title 1"/>
-          <p:cNvSpPr>
-            <a:spLocks noGrp="1"/>
-          </p:cNvSpPr>
-          <p:nvPr>
-            <p:ph type="title"/>
-          </p:nvPr>
-        </p:nvSpPr>
-        <p:spPr/>
-        <p:txBody>
-          <a:bodyPr>
-            <a:normAutofit fontScale="90000"/>
-          </a:bodyPr>
-          <a:lstStyle/>
-          <a:p>
-            <a:r>
-              <a:rPr lang="en-US">
-                <a:ea typeface="ＭＳ Ｐゴシック" pitchFamily="-108" charset="-128"/>
-              </a:rPr>
-              <a:t>Derivation of Lax-Wendroff for advection equation</a:t>
-            </a:r>
-          </a:p>
-        </p:txBody>
-      </p:sp>
-      <p:sp>
-        <p:nvSpPr>
-          <p:cNvPr id="27651" name="Content Placeholder 2"/>
-          <p:cNvSpPr>
-            <a:spLocks noGrp="1"/>
-          </p:cNvSpPr>
-          <p:nvPr>
-            <p:ph idx="1"/>
-          </p:nvPr>
-        </p:nvSpPr>
-        <p:spPr/>
-        <p:txBody>
-          <a:bodyPr>
-            <a:normAutofit fontScale="92500" lnSpcReduction="10000"/>
-          </a:bodyPr>
-          <a:lstStyle/>
-          <a:p>
-            <a:r>
-              <a:rPr lang="en-US">
-                <a:ea typeface="ＭＳ Ｐゴシック" pitchFamily="-108" charset="-128"/>
-              </a:rPr>
-              <a:t>Advection Equation:</a:t>
-            </a:r>
-          </a:p>
-          <a:p>
-            <a:endParaRPr lang="en-US">
-              <a:ea typeface="ＭＳ Ｐゴシック" pitchFamily="-108" charset="-128"/>
-            </a:endParaRPr>
-          </a:p>
-          <a:p>
-            <a:r>
-              <a:rPr lang="en-US">
-                <a:ea typeface="ＭＳ Ｐゴシック" pitchFamily="-108" charset="-128"/>
-              </a:rPr>
-              <a:t>Note that:</a:t>
-            </a:r>
-          </a:p>
-          <a:p>
-            <a:endParaRPr lang="en-US">
-              <a:ea typeface="ＭＳ Ｐゴシック" pitchFamily="-108" charset="-128"/>
-            </a:endParaRPr>
-          </a:p>
-          <a:p>
-            <a:r>
-              <a:rPr lang="en-US">
-                <a:ea typeface="ＭＳ Ｐゴシック" pitchFamily="-108" charset="-128"/>
-              </a:rPr>
-              <a:t>Replace the first two time derivatives with spatial derivatives</a:t>
-            </a:r>
-          </a:p>
-          <a:p>
-            <a:endParaRPr lang="en-US">
-              <a:ea typeface="ＭＳ Ｐゴシック" pitchFamily="-108" charset="-128"/>
-            </a:endParaRPr>
-          </a:p>
-          <a:p>
-            <a:endParaRPr lang="en-US">
-              <a:ea typeface="ＭＳ Ｐゴシック" pitchFamily="-108" charset="-128"/>
-            </a:endParaRPr>
-          </a:p>
-          <a:p>
-            <a:r>
-              <a:rPr lang="en-US">
-                <a:ea typeface="ＭＳ Ｐゴシック" pitchFamily="-108" charset="-128"/>
-              </a:rPr>
-              <a:t>Remove 3</a:t>
-            </a:r>
-            <a:r>
-              <a:rPr lang="en-US" baseline="30000">
-                <a:ea typeface="ＭＳ Ｐゴシック" pitchFamily="-108" charset="-128"/>
-              </a:rPr>
-              <a:t>rd</a:t>
-            </a:r>
-            <a:r>
-              <a:rPr lang="en-US">
-                <a:ea typeface="ＭＳ Ｐゴシック" pitchFamily="-108" charset="-128"/>
-              </a:rPr>
-              <a:t> order terms and above, and use central difference formulas:</a:t>
-            </a:r>
-          </a:p>
-          <a:p>
-            <a:endParaRPr lang="en-US">
-              <a:ea typeface="ＭＳ Ｐゴシック" pitchFamily="-108" charset="-128"/>
-            </a:endParaRPr>
-          </a:p>
-          <a:p>
-            <a:endParaRPr lang="en-US">
-              <a:ea typeface="ＭＳ Ｐゴシック" pitchFamily="-108" charset="-128"/>
-            </a:endParaRPr>
-          </a:p>
-          <a:p>
-            <a:endParaRPr lang="en-US">
-              <a:ea typeface="ＭＳ Ｐゴシック" pitchFamily="-108" charset="-128"/>
-            </a:endParaRPr>
-          </a:p>
-        </p:txBody>
-      </p:sp>
-      <p:sp>
-        <p:nvSpPr>
-          <p:cNvPr id="27652" name="Slide Number Placeholder 3"/>
-          <p:cNvSpPr>
-            <a:spLocks noGrp="1"/>
-          </p:cNvSpPr>
-          <p:nvPr>
-            <p:ph type="sldNum" sz="quarter" idx="12"/>
-          </p:nvPr>
-        </p:nvSpPr>
-        <p:spPr>
-          <a:noFill/>
-        </p:spPr>
-        <p:txBody>
-          <a:bodyPr/>
-          <a:lstStyle/>
-          <a:p>
-            <a:r>
-              <a:rPr lang="en-US"/>
-              <a:t>Slide </a:t>
-            </a:r>
-            <a:fld id="{7F840725-C1B0-BC4F-91C5-548B59C832A8}" type="slidenum">
-              <a:rPr lang="en-US"/>
-              <a:pPr/>
-              <a:t>15</a:t>
-            </a:fld>
-            <a:endParaRPr lang="en-US"/>
-          </a:p>
-        </p:txBody>
-      </p:sp>
-      <p:pic>
-        <p:nvPicPr>
-          <p:cNvPr id="27653" name="Picture 7"/>
-          <p:cNvPicPr>
-            <a:picLocks noChangeAspect="1" noChangeArrowheads="1"/>
-          </p:cNvPicPr>
-          <p:nvPr/>
-        </p:nvPicPr>
-        <p:blipFill>
-          <a:blip r:embed="rId2"/>
-          <a:srcRect/>
-          <a:stretch>
-            <a:fillRect/>
-          </a:stretch>
-        </p:blipFill>
-        <p:spPr bwMode="auto">
-          <a:xfrm>
-            <a:off x="3124200" y="2514600"/>
-            <a:ext cx="2686050" cy="523875"/>
-          </a:xfrm>
-          <a:prstGeom prst="rect">
-            <a:avLst/>
-          </a:prstGeom>
-          <a:noFill/>
-          <a:ln w="9525">
-            <a:noFill/>
-            <a:miter lim="800000"/>
-            <a:headEnd/>
-            <a:tailEnd/>
-          </a:ln>
-        </p:spPr>
-      </p:pic>
-      <p:pic>
-        <p:nvPicPr>
-          <p:cNvPr id="27654" name="Picture 10"/>
-          <p:cNvPicPr>
-            <a:picLocks noChangeAspect="1" noChangeArrowheads="1"/>
-          </p:cNvPicPr>
-          <p:nvPr/>
-        </p:nvPicPr>
-        <p:blipFill>
-          <a:blip r:embed="rId3"/>
-          <a:srcRect/>
-          <a:stretch>
-            <a:fillRect/>
-          </a:stretch>
-        </p:blipFill>
-        <p:spPr bwMode="auto">
-          <a:xfrm>
-            <a:off x="838200" y="4876800"/>
-            <a:ext cx="7696200" cy="785813"/>
-          </a:xfrm>
-          <a:prstGeom prst="rect">
-            <a:avLst/>
-          </a:prstGeom>
-          <a:noFill/>
-          <a:ln w="9525">
-            <a:noFill/>
-            <a:miter lim="800000"/>
-            <a:headEnd/>
-            <a:tailEnd/>
-          </a:ln>
-        </p:spPr>
-      </p:pic>
-      <p:pic>
-        <p:nvPicPr>
-          <p:cNvPr id="27655" name="Picture 11"/>
-          <p:cNvPicPr>
-            <a:picLocks noChangeAspect="1" noChangeArrowheads="1"/>
-          </p:cNvPicPr>
-          <p:nvPr/>
-        </p:nvPicPr>
-        <p:blipFill>
-          <a:blip r:embed="rId4"/>
-          <a:srcRect/>
-          <a:stretch>
-            <a:fillRect/>
-          </a:stretch>
-        </p:blipFill>
-        <p:spPr bwMode="auto">
-          <a:xfrm>
-            <a:off x="500063" y="3429000"/>
-            <a:ext cx="8143875" cy="714375"/>
-          </a:xfrm>
-          <a:prstGeom prst="rect">
-            <a:avLst/>
-          </a:prstGeom>
-          <a:noFill/>
-          <a:ln w="9525">
-            <a:noFill/>
-            <a:miter lim="800000"/>
-            <a:headEnd/>
-            <a:tailEnd/>
-          </a:ln>
-        </p:spPr>
-      </p:pic>
-      <p:pic>
-        <p:nvPicPr>
-          <p:cNvPr id="27656" name="Picture 12"/>
-          <p:cNvPicPr>
-            <a:picLocks noChangeAspect="1" noChangeArrowheads="1"/>
-          </p:cNvPicPr>
-          <p:nvPr/>
-        </p:nvPicPr>
-        <p:blipFill>
-          <a:blip r:embed="rId5"/>
-          <a:srcRect/>
-          <a:stretch>
-            <a:fillRect/>
-          </a:stretch>
-        </p:blipFill>
-        <p:spPr bwMode="auto">
-          <a:xfrm>
-            <a:off x="3581400" y="1828800"/>
-            <a:ext cx="1876425" cy="381000"/>
-          </a:xfrm>
-          <a:prstGeom prst="rect">
-            <a:avLst/>
-          </a:prstGeom>
-          <a:noFill/>
-          <a:ln w="9525">
-            <a:noFill/>
-            <a:miter lim="800000"/>
-            <a:headEnd/>
-            <a:tailEnd/>
-          </a:ln>
-        </p:spPr>
-      </p:pic>
-    </p:spTree>
-  </p:cSld>
-  <p:clrMapOvr>
-    <a:masterClrMapping/>
-  </p:clrMapOvr>
-  <p:timing>
-    <p:tnLst>
-      <p:par>
-        <p:cTn id="1" dur="indefinite" restart="never" nodeType="tmRoot"/>
-      </p:par>
-    </p:tnLst>
-  </p:timing>
-</p:sld>
-</file>
-
-<file path=ppt/slides/slide16.xml><?xml version="1.0" encoding="utf-8"?>
-<p:sld xmlns:a="http://schemas.openxmlformats.org/drawingml/2006/main" xmlns:r="http://schemas.openxmlformats.org/officeDocument/2006/relationships" xmlns:p="http://schemas.openxmlformats.org/presentationml/2006/main">
-  <p:cSld>
-    <p:spTree>
-      <p:nvGrpSpPr>
-        <p:cNvPr id="1" name=""/>
-        <p:cNvGrpSpPr/>
-        <p:nvPr/>
-      </p:nvGrpSpPr>
-      <p:grpSpPr>
-        <a:xfrm>
-          <a:off x="0" y="0"/>
-          <a:ext cx="0" cy="0"/>
-          <a:chOff x="0" y="0"/>
-          <a:chExt cx="0" cy="0"/>
-        </a:xfrm>
-      </p:grpSpPr>
-      <p:sp>
-        <p:nvSpPr>
-          <p:cNvPr id="2" name="Title 1"/>
-          <p:cNvSpPr>
-            <a:spLocks noGrp="1"/>
-          </p:cNvSpPr>
-          <p:nvPr>
-            <p:ph type="title"/>
-          </p:nvPr>
-        </p:nvSpPr>
-        <p:spPr/>
-        <p:txBody>
-          <a:bodyPr/>
-          <a:lstStyle/>
-          <a:p>
-            <a:r>
-              <a:rPr lang="en-US" dirty="0" smtClean="0"/>
-              <a:t>Limiters</a:t>
-            </a:r>
-            <a:endParaRPr lang="en-US" dirty="0"/>
-          </a:p>
-        </p:txBody>
-      </p:sp>
-      <p:sp>
-        <p:nvSpPr>
-          <p:cNvPr id="3" name="Content Placeholder 2"/>
-          <p:cNvSpPr>
-            <a:spLocks noGrp="1"/>
-          </p:cNvSpPr>
-          <p:nvPr>
-            <p:ph idx="1"/>
-          </p:nvPr>
-        </p:nvSpPr>
-        <p:spPr/>
-        <p:txBody>
-          <a:bodyPr>
-            <a:normAutofit lnSpcReduction="10000"/>
-          </a:bodyPr>
-          <a:lstStyle/>
-          <a:p>
-            <a:r>
-              <a:rPr lang="en-US" dirty="0" smtClean="0"/>
-              <a:t>Godunov’s Theorem – Any linear scheme above first order accurate (space) cannot be Total Variation Diminishing (TVD).</a:t>
-            </a:r>
-          </a:p>
-          <a:p>
-            <a:r>
-              <a:rPr lang="en-US" dirty="0" smtClean="0"/>
-              <a:t>First order methods – often lead to large numerical diffusion</a:t>
-            </a:r>
-          </a:p>
-          <a:p>
-            <a:r>
-              <a:rPr lang="en-US" dirty="0" smtClean="0"/>
-              <a:t>Solution: Limiters (a nonlinear scheme)</a:t>
-            </a:r>
-          </a:p>
-          <a:p>
-            <a:pPr lvl="1"/>
-            <a:r>
-              <a:rPr lang="en-US" dirty="0" smtClean="0"/>
-              <a:t>First order at discontinuities</a:t>
-            </a:r>
-          </a:p>
-          <a:p>
-            <a:pPr lvl="1"/>
-            <a:r>
-              <a:rPr lang="en-US" dirty="0" smtClean="0"/>
-              <a:t>Higher order where solution is smooth</a:t>
-            </a:r>
-          </a:p>
-          <a:p>
-            <a:pPr lvl="1"/>
-            <a:r>
-              <a:rPr lang="en-US" dirty="0" smtClean="0"/>
-              <a:t>For certain linear problems can be shown to be TVD.</a:t>
-            </a:r>
-          </a:p>
-          <a:p>
-            <a:endParaRPr lang="en-US" dirty="0" smtClean="0"/>
-          </a:p>
-          <a:p>
-            <a:endParaRPr lang="en-US" dirty="0" smtClean="0"/>
-          </a:p>
-        </p:txBody>
-      </p:sp>
-    </p:spTree>
-  </p:cSld>
-  <p:clrMapOvr>
-    <a:masterClrMapping/>
-  </p:clrMapOvr>
-</p:sld>
-</file>
-
-<file path=ppt/slides/slide17.xml><?xml version="1.0" encoding="utf-8"?>
-<p:sld xmlns:a="http://schemas.openxmlformats.org/drawingml/2006/main" xmlns:r="http://schemas.openxmlformats.org/officeDocument/2006/relationships" xmlns:p="http://schemas.openxmlformats.org/presentationml/2006/main">
-  <p:cSld>
-    <p:spTree>
-      <p:nvGrpSpPr>
-        <p:cNvPr id="1" name=""/>
-        <p:cNvGrpSpPr/>
-        <p:nvPr/>
-      </p:nvGrpSpPr>
-      <p:grpSpPr>
-        <a:xfrm>
-          <a:off x="0" y="0"/>
-          <a:ext cx="0" cy="0"/>
-          <a:chOff x="0" y="0"/>
-          <a:chExt cx="0" cy="0"/>
-        </a:xfrm>
-      </p:grpSpPr>
-      <p:sp>
-        <p:nvSpPr>
-          <p:cNvPr id="28674" name="Title 1"/>
-          <p:cNvSpPr>
-            <a:spLocks noGrp="1"/>
-          </p:cNvSpPr>
-          <p:nvPr>
-            <p:ph type="title"/>
-          </p:nvPr>
-        </p:nvSpPr>
-        <p:spPr/>
-        <p:txBody>
-          <a:bodyPr/>
-          <a:lstStyle/>
-          <a:p>
-            <a:r>
-              <a:rPr lang="en-US">
-                <a:ea typeface="ＭＳ Ｐゴシック" pitchFamily="-108" charset="-128"/>
-              </a:rPr>
-              <a:t>MPDATA - Derivation</a:t>
-            </a:r>
-          </a:p>
-        </p:txBody>
-      </p:sp>
-      <p:sp>
-        <p:nvSpPr>
-          <p:cNvPr id="28675" name="Content Placeholder 2"/>
-          <p:cNvSpPr>
-            <a:spLocks noGrp="1"/>
-          </p:cNvSpPr>
-          <p:nvPr>
-            <p:ph idx="1"/>
-          </p:nvPr>
-        </p:nvSpPr>
-        <p:spPr/>
-        <p:txBody>
-          <a:bodyPr/>
-          <a:lstStyle/>
-          <a:p>
-            <a:r>
-              <a:rPr lang="en-US">
-                <a:ea typeface="ＭＳ Ｐゴシック" pitchFamily="-108" charset="-128"/>
-              </a:rPr>
-              <a:t>MPDATA</a:t>
-            </a:r>
-          </a:p>
-          <a:p>
-            <a:pPr lvl="1"/>
-            <a:r>
-              <a:rPr lang="en-US"/>
-              <a:t>One-sided bias donor cell approach</a:t>
-            </a:r>
-          </a:p>
-          <a:p>
-            <a:pPr lvl="1"/>
-            <a:r>
-              <a:rPr lang="en-US"/>
-              <a:t>Using a modified equation analysis, find an extra diffusive term</a:t>
-            </a:r>
-          </a:p>
-          <a:p>
-            <a:pPr lvl="1"/>
-            <a:r>
-              <a:rPr lang="en-US"/>
-              <a:t>Subtract out diffusive error using an anti-diffusive velocity</a:t>
-            </a:r>
-          </a:p>
-        </p:txBody>
-      </p:sp>
-      <p:sp>
-        <p:nvSpPr>
-          <p:cNvPr id="28676" name="Slide Number Placeholder 3"/>
-          <p:cNvSpPr>
-            <a:spLocks noGrp="1"/>
-          </p:cNvSpPr>
-          <p:nvPr>
-            <p:ph type="sldNum" sz="quarter" idx="12"/>
-          </p:nvPr>
-        </p:nvSpPr>
-        <p:spPr>
-          <a:noFill/>
-        </p:spPr>
-        <p:txBody>
-          <a:bodyPr/>
-          <a:lstStyle/>
-          <a:p>
-            <a:r>
-              <a:rPr lang="en-US"/>
-              <a:t>Slide </a:t>
-            </a:r>
-            <a:fld id="{93743CEC-D1E8-B549-A67D-414696CA6C77}" type="slidenum">
-              <a:rPr lang="en-US"/>
-              <a:pPr/>
-              <a:t>17</a:t>
-            </a:fld>
-            <a:endParaRPr lang="en-US"/>
-          </a:p>
-        </p:txBody>
-      </p:sp>
-    </p:spTree>
-  </p:cSld>
-  <p:clrMapOvr>
-    <a:masterClrMapping/>
-  </p:clrMapOvr>
-  <p:timing>
-    <p:tnLst>
-      <p:par>
-        <p:cTn id="1" dur="indefinite" restart="never" nodeType="tmRoot"/>
-      </p:par>
-    </p:tnLst>
-  </p:timing>
-</p:sld>
-</file>
-
-<file path=ppt/slides/slide18.xml><?xml version="1.0" encoding="utf-8"?>
-<p:sld xmlns:a="http://schemas.openxmlformats.org/drawingml/2006/main" xmlns:r="http://schemas.openxmlformats.org/officeDocument/2006/relationships" xmlns:p="http://schemas.openxmlformats.org/presentationml/2006/main">
-  <p:cSld>
-    <p:spTree>
-      <p:nvGrpSpPr>
-        <p:cNvPr id="1" name=""/>
-        <p:cNvGrpSpPr/>
-        <p:nvPr/>
-      </p:nvGrpSpPr>
-      <p:grpSpPr>
-        <a:xfrm>
-          <a:off x="0" y="0"/>
-          <a:ext cx="0" cy="0"/>
-          <a:chOff x="0" y="0"/>
-          <a:chExt cx="0" cy="0"/>
-        </a:xfrm>
-      </p:grpSpPr>
-      <p:sp>
-        <p:nvSpPr>
-          <p:cNvPr id="29698" name="Title 1"/>
-          <p:cNvSpPr>
-            <a:spLocks noGrp="1"/>
-          </p:cNvSpPr>
-          <p:nvPr>
-            <p:ph type="title"/>
-          </p:nvPr>
-        </p:nvSpPr>
-        <p:spPr/>
-        <p:txBody>
-          <a:bodyPr/>
-          <a:lstStyle/>
-          <a:p>
-            <a:r>
-              <a:rPr lang="en-US">
-                <a:ea typeface="ＭＳ Ｐゴシック" pitchFamily="-108" charset="-128"/>
-              </a:rPr>
-              <a:t>MPDATA - Conclusions</a:t>
-            </a:r>
-          </a:p>
-        </p:txBody>
-      </p:sp>
-      <p:sp>
-        <p:nvSpPr>
-          <p:cNvPr id="29699" name="Content Placeholder 2"/>
-          <p:cNvSpPr>
-            <a:spLocks noGrp="1"/>
-          </p:cNvSpPr>
-          <p:nvPr>
-            <p:ph idx="1"/>
-          </p:nvPr>
-        </p:nvSpPr>
-        <p:spPr/>
-        <p:txBody>
-          <a:bodyPr/>
-          <a:lstStyle/>
-          <a:p>
-            <a:r>
-              <a:rPr lang="en-US" b="0">
-                <a:ea typeface="ＭＳ Ｐゴシック" pitchFamily="-108" charset="-128"/>
-              </a:rPr>
-              <a:t>MPDATA</a:t>
-            </a:r>
-          </a:p>
-          <a:p>
-            <a:pPr lvl="1"/>
-            <a:r>
-              <a:rPr lang="en-US"/>
-              <a:t>Options to control total variation (FCT) and </a:t>
-            </a:r>
-          </a:p>
-        </p:txBody>
-      </p:sp>
-      <p:sp>
-        <p:nvSpPr>
-          <p:cNvPr id="29700" name="Slide Number Placeholder 3"/>
-          <p:cNvSpPr>
-            <a:spLocks noGrp="1"/>
-          </p:cNvSpPr>
-          <p:nvPr>
-            <p:ph type="sldNum" sz="quarter" idx="12"/>
-          </p:nvPr>
-        </p:nvSpPr>
-        <p:spPr>
-          <a:noFill/>
-        </p:spPr>
-        <p:txBody>
-          <a:bodyPr/>
-          <a:lstStyle/>
-          <a:p>
-            <a:r>
-              <a:rPr lang="en-US"/>
-              <a:t>Slide </a:t>
-            </a:r>
-            <a:fld id="{C283E170-554A-B642-8E58-DE38E4115297}" type="slidenum">
-              <a:rPr lang="en-US"/>
-              <a:pPr/>
-              <a:t>18</a:t>
-            </a:fld>
-            <a:endParaRPr lang="en-US"/>
-          </a:p>
-        </p:txBody>
-      </p:sp>
-    </p:spTree>
-  </p:cSld>
-  <p:clrMapOvr>
-    <a:masterClrMapping/>
-  </p:clrMapOvr>
-  <p:timing>
-    <p:tnLst>
-      <p:par>
-        <p:cTn id="1" dur="indefinite" restart="never" nodeType="tmRoot"/>
-      </p:par>
-    </p:tnLst>
-  </p:timing>
-</p:sld>
-</file>
-
-<file path=ppt/slides/slide19.xml><?xml version="1.0" encoding="utf-8"?>
-<p:sld xmlns:a="http://schemas.openxmlformats.org/drawingml/2006/main" xmlns:r="http://schemas.openxmlformats.org/officeDocument/2006/relationships" xmlns:p="http://schemas.openxmlformats.org/presentationml/2006/main">
-  <p:cSld>
-    <p:spTree>
-      <p:nvGrpSpPr>
-        <p:cNvPr id="1" name=""/>
-        <p:cNvGrpSpPr/>
-        <p:nvPr/>
-      </p:nvGrpSpPr>
-      <p:grpSpPr>
-        <a:xfrm>
-          <a:off x="0" y="0"/>
-          <a:ext cx="0" cy="0"/>
-          <a:chOff x="0" y="0"/>
-          <a:chExt cx="0" cy="0"/>
-        </a:xfrm>
-      </p:grpSpPr>
-      <p:sp>
-        <p:nvSpPr>
           <p:cNvPr id="30722" name="Title 1"/>
           <p:cNvSpPr>
             <a:spLocks noGrp="1"/>
@@ -6965,7 +4426,7 @@
             <a:fld id="{C0B27578-E324-3D4A-8A83-77F3CC1E892B}" type="slidenum">
               <a:rPr lang="en-US"/>
               <a:pPr/>
-              <a:t>19</a:t>
+              <a:t>1</a:t>
             </a:fld>
             <a:endParaRPr lang="en-US"/>
           </a:p>
@@ -7520,172 +4981,6 @@
       </p:grpSpPr>
       <p:sp>
         <p:nvSpPr>
-          <p:cNvPr id="2" name="Title 1"/>
-          <p:cNvSpPr>
-            <a:spLocks noGrp="1"/>
-          </p:cNvSpPr>
-          <p:nvPr>
-            <p:ph type="title"/>
-          </p:nvPr>
-        </p:nvSpPr>
-        <p:spPr/>
-        <p:txBody>
-          <a:bodyPr/>
-          <a:lstStyle/>
-          <a:p>
-            <a:r>
-              <a:rPr lang="en-US" dirty="0" smtClean="0"/>
-              <a:t>Acknowledgements</a:t>
-            </a:r>
-            <a:endParaRPr lang="en-US" dirty="0"/>
-          </a:p>
-        </p:txBody>
-      </p:sp>
-      <p:sp>
-        <p:nvSpPr>
-          <p:cNvPr id="3" name="Content Placeholder 2"/>
-          <p:cNvSpPr>
-            <a:spLocks noGrp="1"/>
-          </p:cNvSpPr>
-          <p:nvPr>
-            <p:ph idx="1"/>
-          </p:nvPr>
-        </p:nvSpPr>
-        <p:spPr/>
-        <p:txBody>
-          <a:bodyPr/>
-          <a:lstStyle/>
-          <a:p>
-            <a:r>
-              <a:rPr lang="en-US" dirty="0" smtClean="0"/>
-              <a:t>Mentor: Dr. Bob </a:t>
-            </a:r>
-            <a:r>
-              <a:rPr lang="en-US" dirty="0" err="1" smtClean="0"/>
-              <a:t>Robey</a:t>
-            </a:r>
-            <a:endParaRPr lang="en-US" dirty="0" smtClean="0"/>
-          </a:p>
-          <a:p>
-            <a:r>
-              <a:rPr lang="en-US" dirty="0" smtClean="0"/>
-              <a:t>Workshop Coordinator: Dr. Scott Runnels</a:t>
-            </a:r>
-          </a:p>
-          <a:p>
-            <a:r>
-              <a:rPr lang="en-US" dirty="0" smtClean="0"/>
-              <a:t>Collaborator: David </a:t>
-            </a:r>
-            <a:r>
-              <a:rPr lang="en-US" dirty="0" err="1" smtClean="0"/>
-              <a:t>Nicholaeff</a:t>
-            </a:r>
-            <a:endParaRPr lang="en-US" dirty="0"/>
-          </a:p>
-        </p:txBody>
-      </p:sp>
-      <p:sp>
-        <p:nvSpPr>
-          <p:cNvPr id="4" name="Slide Number Placeholder 3"/>
-          <p:cNvSpPr>
-            <a:spLocks noGrp="1"/>
-          </p:cNvSpPr>
-          <p:nvPr>
-            <p:ph type="sldNum" sz="quarter" idx="12"/>
-          </p:nvPr>
-        </p:nvSpPr>
-        <p:spPr/>
-        <p:txBody>
-          <a:bodyPr/>
-          <a:lstStyle/>
-          <a:p>
-            <a:pPr>
-              <a:defRPr/>
-            </a:pPr>
-            <a:r>
-              <a:rPr lang="en-US" smtClean="0"/>
-              <a:t>Slide </a:t>
-            </a:r>
-            <a:fld id="{A68412BC-A268-D946-A5C9-977AF5753747}" type="slidenum">
-              <a:rPr lang="en-US" smtClean="0"/>
-              <a:pPr>
-                <a:defRPr/>
-              </a:pPr>
-              <a:t>2</a:t>
-            </a:fld>
-            <a:endParaRPr lang="en-US"/>
-          </a:p>
-        </p:txBody>
-      </p:sp>
-      <p:sp>
-        <p:nvSpPr>
-          <p:cNvPr id="5" name="TextBox 4"/>
-          <p:cNvSpPr txBox="1"/>
-          <p:nvPr/>
-        </p:nvSpPr>
-        <p:spPr>
-          <a:xfrm>
-            <a:off x="4191000" y="4093458"/>
-            <a:ext cx="3810000" cy="630942"/>
-          </a:xfrm>
-          <a:prstGeom prst="rect">
-            <a:avLst/>
-          </a:prstGeom>
-          <a:noFill/>
-        </p:spPr>
-        <p:txBody>
-          <a:bodyPr wrap="square" rtlCol="0">
-            <a:spAutoFit/>
-          </a:bodyPr>
-          <a:lstStyle/>
-          <a:p>
-            <a:pPr>
-              <a:buNone/>
-            </a:pPr>
-            <a:r>
-              <a:rPr lang="en-US" sz="3500" dirty="0" smtClean="0">
-                <a:solidFill>
-                  <a:srgbClr val="FF0000"/>
-                </a:solidFill>
-              </a:rPr>
-              <a:t>Thank you!</a:t>
-            </a:r>
-            <a:endParaRPr lang="en-US" sz="3500" dirty="0">
-              <a:solidFill>
-                <a:srgbClr val="FF0000"/>
-              </a:solidFill>
-            </a:endParaRPr>
-          </a:p>
-        </p:txBody>
-      </p:sp>
-    </p:spTree>
-  </p:cSld>
-  <p:clrMapOvr>
-    <a:masterClrMapping/>
-  </p:clrMapOvr>
-</p:sld>
-</file>
-
-<file path=ppt/slides/slide20.xml><?xml version="1.0" encoding="utf-8"?>
-<p:sld xmlns:a="http://schemas.openxmlformats.org/drawingml/2006/main" xmlns:r="http://schemas.openxmlformats.org/officeDocument/2006/relationships" xmlns:p="http://schemas.openxmlformats.org/presentationml/2006/main">
-  <p:cSld>
-    <p:spTree>
-      <p:nvGrpSpPr>
-        <p:cNvPr id="1" name=""/>
-        <p:cNvGrpSpPr/>
-        <p:nvPr/>
-      </p:nvGrpSpPr>
-      <p:grpSpPr>
-        <a:xfrm>
-          <a:off x="0" y="0"/>
-          <a:ext cx="0" cy="0"/>
-          <a:chOff x="0" y="0"/>
-          <a:chExt cx="0" cy="0"/>
-        </a:xfrm>
-      </p:grpSpPr>
-      <p:sp>
-        <p:nvSpPr>
           <p:cNvPr id="31746" name="Title 1"/>
           <p:cNvSpPr>
             <a:spLocks noGrp="1"/>
@@ -7819,11 +5114,7 @@
             </a:r>
             <a:r>
               <a:rPr lang="en-US" dirty="0" smtClean="0"/>
-              <a:t>=</a:t>
-            </a:r>
-            <a:r>
-              <a:rPr lang="en-US" dirty="0" smtClean="0"/>
-              <a:t> 32 cores</a:t>
+              <a:t>= 32 cores</a:t>
             </a:r>
             <a:endParaRPr lang="en-US" dirty="0"/>
           </a:p>
@@ -7876,7 +5167,7 @@
             <a:fld id="{0032BADB-F48D-AE49-BA14-9EC1C0190D97}" type="slidenum">
               <a:rPr lang="en-US"/>
               <a:pPr/>
-              <a:t>20</a:t>
+              <a:t>2</a:t>
             </a:fld>
             <a:endParaRPr lang="en-US"/>
           </a:p>
@@ -7891,2624 +5182,6 @@
     <p:tnLst>
       <p:par>
         <p:cTn id="1" dur="indefinite" restart="never" nodeType="tmRoot"/>
-      </p:par>
-    </p:tnLst>
-  </p:timing>
-</p:sld>
-</file>
-
-<file path=ppt/slides/slide21.xml><?xml version="1.0" encoding="utf-8"?>
-<p:sld xmlns:a="http://schemas.openxmlformats.org/drawingml/2006/main" xmlns:r="http://schemas.openxmlformats.org/officeDocument/2006/relationships" xmlns:p="http://schemas.openxmlformats.org/presentationml/2006/main">
-  <p:cSld>
-    <p:spTree>
-      <p:nvGrpSpPr>
-        <p:cNvPr id="1" name=""/>
-        <p:cNvGrpSpPr/>
-        <p:nvPr/>
-      </p:nvGrpSpPr>
-      <p:grpSpPr>
-        <a:xfrm>
-          <a:off x="0" y="0"/>
-          <a:ext cx="0" cy="0"/>
-          <a:chOff x="0" y="0"/>
-          <a:chExt cx="0" cy="0"/>
-        </a:xfrm>
-      </p:grpSpPr>
-      <p:sp>
-        <p:nvSpPr>
-          <p:cNvPr id="32770" name="Title 1"/>
-          <p:cNvSpPr>
-            <a:spLocks noGrp="1"/>
-          </p:cNvSpPr>
-          <p:nvPr>
-            <p:ph type="title"/>
-          </p:nvPr>
-        </p:nvSpPr>
-        <p:spPr/>
-        <p:txBody>
-          <a:bodyPr/>
-          <a:lstStyle/>
-          <a:p>
-            <a:r>
-              <a:rPr lang="en-US">
-                <a:ea typeface="ＭＳ Ｐゴシック" pitchFamily="-108" charset="-128"/>
-              </a:rPr>
-              <a:t>Shallow Water Equations</a:t>
-            </a:r>
-          </a:p>
-        </p:txBody>
-      </p:sp>
-      <p:sp>
-        <p:nvSpPr>
-          <p:cNvPr id="32771" name="Content Placeholder 2"/>
-          <p:cNvSpPr>
-            <a:spLocks noGrp="1"/>
-          </p:cNvSpPr>
-          <p:nvPr>
-            <p:ph idx="1"/>
-          </p:nvPr>
-        </p:nvSpPr>
-        <p:spPr/>
-        <p:txBody>
-          <a:bodyPr>
-            <a:normAutofit fontScale="92500" lnSpcReduction="20000"/>
-          </a:bodyPr>
-          <a:lstStyle/>
-          <a:p>
-            <a:r>
-              <a:rPr lang="en-US" b="0">
-                <a:ea typeface="ＭＳ Ｐゴシック" pitchFamily="-108" charset="-128"/>
-              </a:rPr>
-              <a:t>Simplification of the Euler Equations</a:t>
-            </a:r>
-          </a:p>
-          <a:p>
-            <a:pPr lvl="1"/>
-            <a:r>
-              <a:rPr lang="en-US"/>
-              <a:t>Uniform Fluid Density</a:t>
-            </a:r>
-          </a:p>
-          <a:p>
-            <a:pPr lvl="1"/>
-            <a:r>
-              <a:rPr lang="en-US"/>
-              <a:t>Wavelengths are much longer than fluid depth</a:t>
-            </a:r>
-          </a:p>
-          <a:p>
-            <a:pPr lvl="1"/>
-            <a:endParaRPr lang="en-US"/>
-          </a:p>
-          <a:p>
-            <a:pPr lvl="1"/>
-            <a:endParaRPr lang="en-US"/>
-          </a:p>
-          <a:p>
-            <a:pPr lvl="1"/>
-            <a:endParaRPr lang="en-US"/>
-          </a:p>
-          <a:p>
-            <a:pPr lvl="1"/>
-            <a:endParaRPr lang="en-US"/>
-          </a:p>
-          <a:p>
-            <a:pPr lvl="1"/>
-            <a:endParaRPr lang="en-US"/>
-          </a:p>
-          <a:p>
-            <a:pPr lvl="1"/>
-            <a:endParaRPr lang="en-US"/>
-          </a:p>
-          <a:p>
-            <a:pPr lvl="1"/>
-            <a:endParaRPr lang="en-US"/>
-          </a:p>
-          <a:p>
-            <a:pPr lvl="1"/>
-            <a:endParaRPr lang="en-US"/>
-          </a:p>
-          <a:p>
-            <a:pPr lvl="1"/>
-            <a:r>
-              <a:rPr lang="en-US"/>
-              <a:t>Inert Tracer Equation</a:t>
-            </a:r>
-          </a:p>
-        </p:txBody>
-      </p:sp>
-      <p:sp>
-        <p:nvSpPr>
-          <p:cNvPr id="32772" name="Slide Number Placeholder 3"/>
-          <p:cNvSpPr>
-            <a:spLocks noGrp="1"/>
-          </p:cNvSpPr>
-          <p:nvPr>
-            <p:ph type="sldNum" sz="quarter" idx="12"/>
-          </p:nvPr>
-        </p:nvSpPr>
-        <p:spPr>
-          <a:noFill/>
-        </p:spPr>
-        <p:txBody>
-          <a:bodyPr/>
-          <a:lstStyle/>
-          <a:p>
-            <a:r>
-              <a:rPr lang="en-US"/>
-              <a:t>Slide </a:t>
-            </a:r>
-            <a:fld id="{DC1526B5-889A-3640-A8B5-3DF29F19965A}" type="slidenum">
-              <a:rPr lang="en-US"/>
-              <a:pPr/>
-              <a:t>21</a:t>
-            </a:fld>
-            <a:endParaRPr lang="en-US"/>
-          </a:p>
-        </p:txBody>
-      </p:sp>
-      <p:pic>
-        <p:nvPicPr>
-          <p:cNvPr id="32773" name="Content Placeholder 4" descr="Shallow_Water_Eqns.pdf"/>
-          <p:cNvPicPr>
-            <a:picLocks noChangeAspect="1"/>
-          </p:cNvPicPr>
-          <p:nvPr/>
-        </p:nvPicPr>
-        <p:blipFill>
-          <a:blip r:embed="rId2"/>
-          <a:srcRect t="-2097" b="-2097"/>
-          <a:stretch>
-            <a:fillRect/>
-          </a:stretch>
-        </p:blipFill>
-        <p:spPr bwMode="auto">
-          <a:xfrm>
-            <a:off x="1600200" y="2438400"/>
-            <a:ext cx="4440238" cy="2209800"/>
-          </a:xfrm>
-          <a:prstGeom prst="rect">
-            <a:avLst/>
-          </a:prstGeom>
-          <a:noFill/>
-          <a:ln w="9525">
-            <a:noFill/>
-            <a:miter lim="800000"/>
-            <a:headEnd/>
-            <a:tailEnd/>
-          </a:ln>
-        </p:spPr>
-      </p:pic>
-      <p:pic>
-        <p:nvPicPr>
-          <p:cNvPr id="32774" name="Picture 5" descr="Concentration_Eqn.pdf"/>
-          <p:cNvPicPr>
-            <a:picLocks noChangeAspect="1"/>
-          </p:cNvPicPr>
-          <p:nvPr/>
-        </p:nvPicPr>
-        <p:blipFill>
-          <a:blip r:embed="rId3"/>
-          <a:srcRect/>
-          <a:stretch>
-            <a:fillRect/>
-          </a:stretch>
-        </p:blipFill>
-        <p:spPr bwMode="auto">
-          <a:xfrm>
-            <a:off x="2652713" y="5029200"/>
-            <a:ext cx="2528887" cy="685800"/>
-          </a:xfrm>
-          <a:prstGeom prst="rect">
-            <a:avLst/>
-          </a:prstGeom>
-          <a:noFill/>
-          <a:ln w="9525">
-            <a:noFill/>
-            <a:miter lim="800000"/>
-            <a:headEnd/>
-            <a:tailEnd/>
-          </a:ln>
-        </p:spPr>
-      </p:pic>
-    </p:spTree>
-  </p:cSld>
-  <p:clrMapOvr>
-    <a:masterClrMapping/>
-  </p:clrMapOvr>
-  <p:timing>
-    <p:tnLst>
-      <p:par>
-        <p:cTn id="1" dur="indefinite" restart="never" nodeType="tmRoot"/>
-      </p:par>
-    </p:tnLst>
-  </p:timing>
-</p:sld>
-</file>
-
-<file path=ppt/slides/slide22.xml><?xml version="1.0" encoding="utf-8"?>
-<p:sld xmlns:a="http://schemas.openxmlformats.org/drawingml/2006/main" xmlns:r="http://schemas.openxmlformats.org/officeDocument/2006/relationships" xmlns:p="http://schemas.openxmlformats.org/presentationml/2006/main">
-  <p:cSld>
-    <p:spTree>
-      <p:nvGrpSpPr>
-        <p:cNvPr id="1" name=""/>
-        <p:cNvGrpSpPr/>
-        <p:nvPr/>
-      </p:nvGrpSpPr>
-      <p:grpSpPr>
-        <a:xfrm>
-          <a:off x="0" y="0"/>
-          <a:ext cx="0" cy="0"/>
-          <a:chOff x="0" y="0"/>
-          <a:chExt cx="0" cy="0"/>
-        </a:xfrm>
-      </p:grpSpPr>
-      <p:sp>
-        <p:nvSpPr>
-          <p:cNvPr id="33794" name="Title 1"/>
-          <p:cNvSpPr>
-            <a:spLocks noGrp="1"/>
-          </p:cNvSpPr>
-          <p:nvPr>
-            <p:ph type="title"/>
-          </p:nvPr>
-        </p:nvSpPr>
-        <p:spPr/>
-        <p:txBody>
-          <a:bodyPr>
-            <a:normAutofit fontScale="90000"/>
-          </a:bodyPr>
-          <a:lstStyle/>
-          <a:p>
-            <a:r>
-              <a:rPr lang="en-US">
-                <a:ea typeface="ＭＳ Ｐゴシック" pitchFamily="-108" charset="-128"/>
-              </a:rPr>
-              <a:t>Shallow Water Simulations on the GPU</a:t>
-            </a:r>
-          </a:p>
-        </p:txBody>
-      </p:sp>
-      <p:pic>
-        <p:nvPicPr>
-          <p:cNvPr id="33796" name="Picture 4" descr="Macintosh HD:Users:Sean:Desktop:Github:summer_LANL:Final Research Presentation:Working videos:H_movie.avi">
-            <a:hlinkClick r:id="" action="ppaction://media"/>
-          </p:cNvPr>
-          <p:cNvPicPr>
-            <a:picLocks noGrp="1"/>
-          </p:cNvPicPr>
-          <p:nvPr>
-            <p:ph idx="1"/>
-            <a:videoFile r:link="rId1"/>
-          </p:nvPr>
-        </p:nvPicPr>
-        <p:blipFill>
-          <a:blip r:embed="rId4"/>
-          <a:srcRect/>
-          <a:stretch>
-            <a:fillRect/>
-          </a:stretch>
-        </p:blipFill>
-        <p:spPr>
-          <a:xfrm>
-            <a:off x="609600" y="1828800"/>
-            <a:ext cx="4064000" cy="3048000"/>
-          </a:xfrm>
-        </p:spPr>
-      </p:pic>
-      <p:sp>
-        <p:nvSpPr>
-          <p:cNvPr id="33795" name="Slide Number Placeholder 3"/>
-          <p:cNvSpPr>
-            <a:spLocks noGrp="1"/>
-          </p:cNvSpPr>
-          <p:nvPr>
-            <p:ph type="sldNum" sz="quarter" idx="12"/>
-          </p:nvPr>
-        </p:nvSpPr>
-        <p:spPr>
-          <a:noFill/>
-        </p:spPr>
-        <p:txBody>
-          <a:bodyPr/>
-          <a:lstStyle/>
-          <a:p>
-            <a:r>
-              <a:rPr lang="en-US"/>
-              <a:t>Slide </a:t>
-            </a:r>
-            <a:fld id="{8408E1E3-6392-834E-A657-F96134CD74C6}" type="slidenum">
-              <a:rPr lang="en-US"/>
-              <a:pPr/>
-              <a:t>22</a:t>
-            </a:fld>
-            <a:endParaRPr lang="en-US"/>
-          </a:p>
-        </p:txBody>
-      </p:sp>
-      <p:sp>
-        <p:nvSpPr>
-          <p:cNvPr id="33797" name="TextBox 8"/>
-          <p:cNvSpPr txBox="1">
-            <a:spLocks noChangeArrowheads="1"/>
-          </p:cNvSpPr>
-          <p:nvPr/>
-        </p:nvSpPr>
-        <p:spPr bwMode="auto">
-          <a:xfrm>
-            <a:off x="609600" y="4876800"/>
-            <a:ext cx="4038600" cy="400050"/>
-          </a:xfrm>
-          <a:prstGeom prst="rect">
-            <a:avLst/>
-          </a:prstGeom>
-          <a:noFill/>
-          <a:ln w="9525">
-            <a:noFill/>
-            <a:miter lim="800000"/>
-            <a:headEnd/>
-            <a:tailEnd/>
-          </a:ln>
-        </p:spPr>
-        <p:txBody>
-          <a:bodyPr>
-            <a:prstTxWarp prst="textNoShape">
-              <a:avLst/>
-            </a:prstTxWarp>
-            <a:spAutoFit/>
-          </a:bodyPr>
-          <a:lstStyle/>
-          <a:p>
-            <a:pPr algn="ctr">
-              <a:spcBef>
-                <a:spcPct val="50000"/>
-              </a:spcBef>
-              <a:spcAft>
-                <a:spcPct val="50000"/>
-              </a:spcAft>
-              <a:buClr>
-                <a:srgbClr val="004080"/>
-              </a:buClr>
-              <a:buSzPct val="65000"/>
-              <a:buFont typeface="Wingdings" pitchFamily="-108" charset="2"/>
-              <a:buNone/>
-            </a:pPr>
-            <a:r>
-              <a:rPr lang="en-US">
-                <a:ea typeface="ＭＳ Ｐゴシック" pitchFamily="-108" charset="-128"/>
-                <a:cs typeface="ＭＳ Ｐゴシック" pitchFamily="-108" charset="-128"/>
-              </a:rPr>
-              <a:t>Fluid Height</a:t>
-            </a:r>
-          </a:p>
-        </p:txBody>
-      </p:sp>
-      <p:sp>
-        <p:nvSpPr>
-          <p:cNvPr id="33798" name="TextBox 9"/>
-          <p:cNvSpPr txBox="1">
-            <a:spLocks noChangeArrowheads="1"/>
-          </p:cNvSpPr>
-          <p:nvPr/>
-        </p:nvSpPr>
-        <p:spPr bwMode="auto">
-          <a:xfrm>
-            <a:off x="4876800" y="4876800"/>
-            <a:ext cx="4038600" cy="400050"/>
-          </a:xfrm>
-          <a:prstGeom prst="rect">
-            <a:avLst/>
-          </a:prstGeom>
-          <a:noFill/>
-          <a:ln w="9525">
-            <a:noFill/>
-            <a:miter lim="800000"/>
-            <a:headEnd/>
-            <a:tailEnd/>
-          </a:ln>
-        </p:spPr>
-        <p:txBody>
-          <a:bodyPr>
-            <a:prstTxWarp prst="textNoShape">
-              <a:avLst/>
-            </a:prstTxWarp>
-            <a:spAutoFit/>
-          </a:bodyPr>
-          <a:lstStyle/>
-          <a:p>
-            <a:pPr algn="ctr">
-              <a:spcBef>
-                <a:spcPct val="50000"/>
-              </a:spcBef>
-              <a:spcAft>
-                <a:spcPct val="50000"/>
-              </a:spcAft>
-              <a:buClr>
-                <a:srgbClr val="004080"/>
-              </a:buClr>
-              <a:buSzPct val="65000"/>
-              <a:buFont typeface="Wingdings" pitchFamily="-108" charset="2"/>
-              <a:buNone/>
-            </a:pPr>
-            <a:r>
-              <a:rPr lang="en-US">
-                <a:ea typeface="ＭＳ Ｐゴシック" pitchFamily="-108" charset="-128"/>
-                <a:cs typeface="ＭＳ Ｐゴシック" pitchFamily="-108" charset="-128"/>
-              </a:rPr>
-              <a:t>Inert Tracer Concentration</a:t>
-            </a:r>
-          </a:p>
-        </p:txBody>
-      </p:sp>
-      <p:pic>
-        <p:nvPicPr>
-          <p:cNvPr id="33799" name="Picture 7" descr="Macintosh HD:Users:Sean:Desktop:Github:summer_LANL:Final Research Presentation:Working videos:phi_movie.avi">
-            <a:hlinkClick r:id="" action="ppaction://media"/>
-          </p:cNvPr>
-          <p:cNvPicPr/>
-          <p:nvPr>
-            <a:videoFile r:link="rId2"/>
-          </p:nvPr>
-        </p:nvPicPr>
-        <p:blipFill>
-          <a:blip r:embed="rId5"/>
-          <a:srcRect/>
-          <a:stretch>
-            <a:fillRect/>
-          </a:stretch>
-        </p:blipFill>
-        <p:spPr bwMode="auto">
-          <a:xfrm>
-            <a:off x="4876800" y="1828800"/>
-            <a:ext cx="4064000" cy="3048000"/>
-          </a:xfrm>
-          <a:prstGeom prst="rect">
-            <a:avLst/>
-          </a:prstGeom>
-          <a:noFill/>
-          <a:ln w="9525">
-            <a:noFill/>
-            <a:miter lim="800000"/>
-            <a:headEnd/>
-            <a:tailEnd/>
-          </a:ln>
-        </p:spPr>
-      </p:pic>
-    </p:spTree>
-  </p:cSld>
-  <p:clrMapOvr>
-    <a:masterClrMapping/>
-  </p:clrMapOvr>
-  <p:timing>
-    <p:tnLst>
-      <p:par>
-        <p:cTn id="1" dur="indefinite" restart="never" nodeType="tmRoot">
-          <p:childTnLst>
-            <p:seq concurrent="1" nextAc="seek">
-              <p:cTn id="2" dur="indefinite" nodeType="mainSeq">
-                <p:childTnLst>
-                  <p:par>
-                    <p:cTn id="3" fill="hold">
-                      <p:stCondLst>
-                        <p:cond delay="indefinite"/>
-                        <p:cond evt="onBegin" delay="0">
-                          <p:tn val="2"/>
-                        </p:cond>
-                      </p:stCondLst>
-                      <p:childTnLst>
-                        <p:par>
-                          <p:cTn id="4" fill="hold">
-                            <p:stCondLst>
-                              <p:cond delay="0"/>
-                            </p:stCondLst>
-                            <p:childTnLst>
-                              <p:par>
-                                <p:cTn id="5" presetID="1" presetClass="mediacall" presetSubtype="0" fill="hold" nodeType="afterEffect">
-                                  <p:stCondLst>
-                                    <p:cond delay="0"/>
-                                  </p:stCondLst>
-                                  <p:childTnLst>
-                                    <p:cmd type="call" cmd="playFrom(0.0)">
-                                      <p:cBhvr>
-                                        <p:cTn id="6" dur="3200" fill="hold"/>
-                                        <p:tgtEl>
-                                          <p:spTgt spid="33796"/>
-                                        </p:tgtEl>
-                                      </p:cBhvr>
-                                    </p:cmd>
-                                  </p:childTnLst>
-                                </p:cTn>
-                              </p:par>
-                            </p:childTnLst>
-                          </p:cTn>
-                        </p:par>
-                        <p:par>
-                          <p:cTn id="7" fill="hold">
-                            <p:stCondLst>
-                              <p:cond delay="3200"/>
-                            </p:stCondLst>
-                            <p:childTnLst>
-                              <p:par>
-                                <p:cTn id="8" presetID="1" presetClass="mediacall" presetSubtype="0" fill="hold" nodeType="afterEffect">
-                                  <p:stCondLst>
-                                    <p:cond delay="0"/>
-                                  </p:stCondLst>
-                                  <p:childTnLst>
-                                    <p:cmd type="call" cmd="playFrom(0.0)">
-                                      <p:cBhvr>
-                                        <p:cTn id="9" dur="3200" fill="hold"/>
-                                        <p:tgtEl>
-                                          <p:spTgt spid="33799"/>
-                                        </p:tgtEl>
-                                      </p:cBhvr>
-                                    </p:cmd>
-                                  </p:childTnLst>
-                                </p:cTn>
-                              </p:par>
-                            </p:childTnLst>
-                          </p:cTn>
-                        </p:par>
-                      </p:childTnLst>
-                    </p:cTn>
-                  </p:par>
-                </p:childTnLst>
-              </p:cTn>
-              <p:prevCondLst>
-                <p:cond evt="onPrev" delay="0">
-                  <p:tgtEl>
-                    <p:sldTgt/>
-                  </p:tgtEl>
-                </p:cond>
-              </p:prevCondLst>
-              <p:nextCondLst>
-                <p:cond evt="onNext" delay="0">
-                  <p:tgtEl>
-                    <p:sldTgt/>
-                  </p:tgtEl>
-                </p:cond>
-              </p:nextCondLst>
-            </p:seq>
-            <p:video>
-              <p:cMediaNode>
-                <p:cTn id="10" repeatCount="indefinite" fill="hold" display="0">
-                  <p:stCondLst>
-                    <p:cond delay="indefinite"/>
-                  </p:stCondLst>
-                  <p:endCondLst>
-                    <p:cond evt="onNext" delay="0">
-                      <p:tgtEl>
-                        <p:sldTgt/>
-                      </p:tgtEl>
-                    </p:cond>
-                    <p:cond evt="onPrev" delay="0">
-                      <p:tgtEl>
-                        <p:sldTgt/>
-                      </p:tgtEl>
-                    </p:cond>
-                  </p:endCondLst>
-                </p:cTn>
-                <p:tgtEl>
-                  <p:spTgt spid="33796"/>
-                </p:tgtEl>
-              </p:cMediaNode>
-            </p:video>
-            <p:seq concurrent="1" nextAc="seek">
-              <p:cTn id="11" restart="whenNotActive" fill="hold" evtFilter="cancelBubble" nodeType="interactiveSeq">
-                <p:stCondLst>
-                  <p:cond evt="onClick" delay="0">
-                    <p:tgtEl>
-                      <p:spTgt spid="33796"/>
-                    </p:tgtEl>
-                  </p:cond>
-                </p:stCondLst>
-                <p:endSync evt="end" delay="0">
-                  <p:rtn val="all"/>
-                </p:endSync>
-                <p:childTnLst>
-                  <p:par>
-                    <p:cTn id="12" fill="hold">
-                      <p:stCondLst>
-                        <p:cond delay="0"/>
-                      </p:stCondLst>
-                      <p:childTnLst>
-                        <p:par>
-                          <p:cTn id="13" fill="hold">
-                            <p:stCondLst>
-                              <p:cond delay="0"/>
-                            </p:stCondLst>
-                            <p:childTnLst>
-                              <p:par>
-                                <p:cTn id="14" presetID="2" presetClass="mediacall" presetSubtype="0" fill="hold" nodeType="clickEffect">
-                                  <p:stCondLst>
-                                    <p:cond delay="0"/>
-                                  </p:stCondLst>
-                                  <p:childTnLst>
-                                    <p:cmd type="call" cmd="togglePause">
-                                      <p:cBhvr>
-                                        <p:cTn id="15" dur="1" fill="hold"/>
-                                        <p:tgtEl>
-                                          <p:spTgt spid="33796"/>
-                                        </p:tgtEl>
-                                      </p:cBhvr>
-                                    </p:cmd>
-                                  </p:childTnLst>
-                                </p:cTn>
-                              </p:par>
-                            </p:childTnLst>
-                          </p:cTn>
-                        </p:par>
-                      </p:childTnLst>
-                    </p:cTn>
-                  </p:par>
-                </p:childTnLst>
-              </p:cTn>
-              <p:nextCondLst>
-                <p:cond evt="onClick" delay="0">
-                  <p:tgtEl>
-                    <p:spTgt spid="33796"/>
-                  </p:tgtEl>
-                </p:cond>
-              </p:nextCondLst>
-            </p:seq>
-            <p:video>
-              <p:cMediaNode>
-                <p:cTn id="16" repeatCount="indefinite" fill="hold" display="0">
-                  <p:stCondLst>
-                    <p:cond delay="indefinite"/>
-                  </p:stCondLst>
-                  <p:endCondLst>
-                    <p:cond evt="onNext" delay="0">
-                      <p:tgtEl>
-                        <p:sldTgt/>
-                      </p:tgtEl>
-                    </p:cond>
-                    <p:cond evt="onPrev" delay="0">
-                      <p:tgtEl>
-                        <p:sldTgt/>
-                      </p:tgtEl>
-                    </p:cond>
-                  </p:endCondLst>
-                </p:cTn>
-                <p:tgtEl>
-                  <p:spTgt spid="33799"/>
-                </p:tgtEl>
-              </p:cMediaNode>
-            </p:video>
-            <p:seq concurrent="1" nextAc="seek">
-              <p:cTn id="17" restart="whenNotActive" fill="hold" evtFilter="cancelBubble" nodeType="interactiveSeq">
-                <p:stCondLst>
-                  <p:cond evt="onClick" delay="0">
-                    <p:tgtEl>
-                      <p:spTgt spid="33799"/>
-                    </p:tgtEl>
-                  </p:cond>
-                </p:stCondLst>
-                <p:endSync evt="end" delay="0">
-                  <p:rtn val="all"/>
-                </p:endSync>
-                <p:childTnLst>
-                  <p:par>
-                    <p:cTn id="18" fill="hold">
-                      <p:stCondLst>
-                        <p:cond delay="0"/>
-                      </p:stCondLst>
-                      <p:childTnLst>
-                        <p:par>
-                          <p:cTn id="19" fill="hold">
-                            <p:stCondLst>
-                              <p:cond delay="0"/>
-                            </p:stCondLst>
-                            <p:childTnLst>
-                              <p:par>
-                                <p:cTn id="20" presetID="2" presetClass="mediacall" presetSubtype="0" fill="hold" nodeType="clickEffect">
-                                  <p:stCondLst>
-                                    <p:cond delay="0"/>
-                                  </p:stCondLst>
-                                  <p:childTnLst>
-                                    <p:cmd type="call" cmd="togglePause">
-                                      <p:cBhvr>
-                                        <p:cTn id="21" dur="1" fill="hold"/>
-                                        <p:tgtEl>
-                                          <p:spTgt spid="33799"/>
-                                        </p:tgtEl>
-                                      </p:cBhvr>
-                                    </p:cmd>
-                                  </p:childTnLst>
-                                </p:cTn>
-                              </p:par>
-                            </p:childTnLst>
-                          </p:cTn>
-                        </p:par>
-                      </p:childTnLst>
-                    </p:cTn>
-                  </p:par>
-                </p:childTnLst>
-              </p:cTn>
-              <p:nextCondLst>
-                <p:cond evt="onClick" delay="0">
-                  <p:tgtEl>
-                    <p:spTgt spid="33799"/>
-                  </p:tgtEl>
-                </p:cond>
-              </p:nextCondLst>
-            </p:seq>
-          </p:childTnLst>
-        </p:cTn>
-      </p:par>
-    </p:tnLst>
-  </p:timing>
-</p:sld>
-</file>
-
-<file path=ppt/slides/slide23.xml><?xml version="1.0" encoding="utf-8"?>
-<p:sld xmlns:a="http://schemas.openxmlformats.org/drawingml/2006/main" xmlns:r="http://schemas.openxmlformats.org/officeDocument/2006/relationships" xmlns:p="http://schemas.openxmlformats.org/presentationml/2006/main">
-  <p:cSld>
-    <p:spTree>
-      <p:nvGrpSpPr>
-        <p:cNvPr id="1" name=""/>
-        <p:cNvGrpSpPr/>
-        <p:nvPr/>
-      </p:nvGrpSpPr>
-      <p:grpSpPr>
-        <a:xfrm>
-          <a:off x="0" y="0"/>
-          <a:ext cx="0" cy="0"/>
-          <a:chOff x="0" y="0"/>
-          <a:chExt cx="0" cy="0"/>
-        </a:xfrm>
-      </p:grpSpPr>
-      <p:sp>
-        <p:nvSpPr>
-          <p:cNvPr id="34818" name="Title 1"/>
-          <p:cNvSpPr>
-            <a:spLocks noGrp="1"/>
-          </p:cNvSpPr>
-          <p:nvPr>
-            <p:ph type="title"/>
-          </p:nvPr>
-        </p:nvSpPr>
-        <p:spPr/>
-        <p:txBody>
-          <a:bodyPr/>
-          <a:lstStyle/>
-          <a:p>
-            <a:r>
-              <a:rPr lang="en-US">
-                <a:ea typeface="ＭＳ Ｐゴシック" pitchFamily="-108" charset="-128"/>
-              </a:rPr>
-              <a:t>Future Directions</a:t>
-            </a:r>
-          </a:p>
-        </p:txBody>
-      </p:sp>
-      <p:sp>
-        <p:nvSpPr>
-          <p:cNvPr id="34819" name="Content Placeholder 2"/>
-          <p:cNvSpPr>
-            <a:spLocks noGrp="1"/>
-          </p:cNvSpPr>
-          <p:nvPr>
-            <p:ph idx="1"/>
-          </p:nvPr>
-        </p:nvSpPr>
-        <p:spPr/>
-        <p:txBody>
-          <a:bodyPr/>
-          <a:lstStyle/>
-          <a:p>
-            <a:r>
-              <a:rPr lang="en-US">
-                <a:ea typeface="ＭＳ Ｐゴシック" pitchFamily="-108" charset="-128"/>
-              </a:rPr>
-              <a:t>FEM approach for full Euler equations</a:t>
-            </a:r>
-          </a:p>
-          <a:p>
-            <a:r>
-              <a:rPr lang="en-US">
-                <a:ea typeface="ＭＳ Ｐゴシック" pitchFamily="-108" charset="-128"/>
-              </a:rPr>
-              <a:t>Implement schemes for advection on the GPU (include in CLAMR)</a:t>
-            </a:r>
-          </a:p>
-          <a:p>
-            <a:r>
-              <a:rPr lang="en-US">
-                <a:ea typeface="ＭＳ Ｐゴシック" pitchFamily="-108" charset="-128"/>
-              </a:rPr>
-              <a:t>Implement these schemes to solve the full Euler Equations</a:t>
-            </a:r>
-          </a:p>
-          <a:p>
-            <a:r>
-              <a:rPr lang="en-US">
-                <a:ea typeface="ＭＳ Ｐゴシック" pitchFamily="-108" charset="-128"/>
-              </a:rPr>
-              <a:t>Alternative numerical methods</a:t>
-            </a:r>
-          </a:p>
-          <a:p>
-            <a:endParaRPr lang="en-US">
-              <a:ea typeface="ＭＳ Ｐゴシック" pitchFamily="-108" charset="-128"/>
-            </a:endParaRPr>
-          </a:p>
-        </p:txBody>
-      </p:sp>
-      <p:sp>
-        <p:nvSpPr>
-          <p:cNvPr id="34820" name="Slide Number Placeholder 3"/>
-          <p:cNvSpPr>
-            <a:spLocks noGrp="1"/>
-          </p:cNvSpPr>
-          <p:nvPr>
-            <p:ph type="sldNum" sz="quarter" idx="12"/>
-          </p:nvPr>
-        </p:nvSpPr>
-        <p:spPr>
-          <a:noFill/>
-        </p:spPr>
-        <p:txBody>
-          <a:bodyPr/>
-          <a:lstStyle/>
-          <a:p>
-            <a:r>
-              <a:rPr lang="en-US"/>
-              <a:t>Slide </a:t>
-            </a:r>
-            <a:fld id="{642E7553-A61F-9A41-A7A2-954D1F757C3A}" type="slidenum">
-              <a:rPr lang="en-US"/>
-              <a:pPr/>
-              <a:t>23</a:t>
-            </a:fld>
-            <a:endParaRPr lang="en-US"/>
-          </a:p>
-        </p:txBody>
-      </p:sp>
-    </p:spTree>
-  </p:cSld>
-  <p:clrMapOvr>
-    <a:masterClrMapping/>
-  </p:clrMapOvr>
-  <p:timing>
-    <p:tnLst>
-      <p:par>
-        <p:cTn id="1" dur="indefinite" restart="never" nodeType="tmRoot"/>
-      </p:par>
-    </p:tnLst>
-  </p:timing>
-</p:sld>
-</file>
-
-<file path=ppt/slides/slide24.xml><?xml version="1.0" encoding="utf-8"?>
-<p:sld xmlns:a="http://schemas.openxmlformats.org/drawingml/2006/main" xmlns:r="http://schemas.openxmlformats.org/officeDocument/2006/relationships" xmlns:p="http://schemas.openxmlformats.org/presentationml/2006/main">
-  <p:cSld>
-    <p:spTree>
-      <p:nvGrpSpPr>
-        <p:cNvPr id="1" name=""/>
-        <p:cNvGrpSpPr/>
-        <p:nvPr/>
-      </p:nvGrpSpPr>
-      <p:grpSpPr>
-        <a:xfrm>
-          <a:off x="0" y="0"/>
-          <a:ext cx="0" cy="0"/>
-          <a:chOff x="0" y="0"/>
-          <a:chExt cx="0" cy="0"/>
-        </a:xfrm>
-      </p:grpSpPr>
-      <p:sp>
-        <p:nvSpPr>
-          <p:cNvPr id="35842" name="Title 1"/>
-          <p:cNvSpPr>
-            <a:spLocks noGrp="1"/>
-          </p:cNvSpPr>
-          <p:nvPr>
-            <p:ph type="title"/>
-          </p:nvPr>
-        </p:nvSpPr>
-        <p:spPr>
-          <a:xfrm>
-            <a:off x="762000" y="2819400"/>
-            <a:ext cx="7467600" cy="838200"/>
-          </a:xfrm>
-        </p:spPr>
-        <p:txBody>
-          <a:bodyPr>
-            <a:normAutofit fontScale="90000"/>
-          </a:bodyPr>
-          <a:lstStyle/>
-          <a:p>
-            <a:r>
-              <a:rPr lang="en-US">
-                <a:ea typeface="ＭＳ Ｐゴシック" pitchFamily="-108" charset="-128"/>
-              </a:rPr>
-              <a:t>Question, Comments, Suggestions?</a:t>
-            </a:r>
-          </a:p>
-        </p:txBody>
-      </p:sp>
-      <p:sp>
-        <p:nvSpPr>
-          <p:cNvPr id="35843" name="Slide Number Placeholder 3"/>
-          <p:cNvSpPr>
-            <a:spLocks noGrp="1"/>
-          </p:cNvSpPr>
-          <p:nvPr>
-            <p:ph type="sldNum" sz="quarter" idx="12"/>
-          </p:nvPr>
-        </p:nvSpPr>
-        <p:spPr>
-          <a:noFill/>
-        </p:spPr>
-        <p:txBody>
-          <a:bodyPr/>
-          <a:lstStyle/>
-          <a:p>
-            <a:r>
-              <a:rPr lang="en-US"/>
-              <a:t>Slide </a:t>
-            </a:r>
-            <a:fld id="{C819D0DE-97A2-C142-9B93-516E0974BCDA}" type="slidenum">
-              <a:rPr lang="en-US"/>
-              <a:pPr/>
-              <a:t>24</a:t>
-            </a:fld>
-            <a:endParaRPr lang="en-US"/>
-          </a:p>
-        </p:txBody>
-      </p:sp>
-    </p:spTree>
-  </p:cSld>
-  <p:clrMapOvr>
-    <a:masterClrMapping/>
-  </p:clrMapOvr>
-  <p:timing>
-    <p:tnLst>
-      <p:par>
-        <p:cTn id="1" dur="indefinite" restart="never" nodeType="tmRoot"/>
-      </p:par>
-    </p:tnLst>
-  </p:timing>
-</p:sld>
-</file>
-
-<file path=ppt/slides/slide3.xml><?xml version="1.0" encoding="utf-8"?>
-<p:sld xmlns:a="http://schemas.openxmlformats.org/drawingml/2006/main" xmlns:r="http://schemas.openxmlformats.org/officeDocument/2006/relationships" xmlns:p="http://schemas.openxmlformats.org/presentationml/2006/main">
-  <p:cSld>
-    <p:spTree>
-      <p:nvGrpSpPr>
-        <p:cNvPr id="1" name=""/>
-        <p:cNvGrpSpPr/>
-        <p:nvPr/>
-      </p:nvGrpSpPr>
-      <p:grpSpPr>
-        <a:xfrm>
-          <a:off x="0" y="0"/>
-          <a:ext cx="0" cy="0"/>
-          <a:chOff x="0" y="0"/>
-          <a:chExt cx="0" cy="0"/>
-        </a:xfrm>
-      </p:grpSpPr>
-      <p:sp>
-        <p:nvSpPr>
-          <p:cNvPr id="16387" name="Rectangle 2"/>
-          <p:cNvSpPr>
-            <a:spLocks noGrp="1" noChangeArrowheads="1"/>
-          </p:cNvSpPr>
-          <p:nvPr>
-            <p:ph type="title"/>
-          </p:nvPr>
-        </p:nvSpPr>
-        <p:spPr/>
-        <p:txBody>
-          <a:bodyPr/>
-          <a:lstStyle/>
-          <a:p>
-            <a:pPr eaLnBrk="1" hangingPunct="1"/>
-            <a:r>
-              <a:rPr lang="en-US">
-                <a:ea typeface="ＭＳ Ｐゴシック" pitchFamily="-108" charset="-128"/>
-              </a:rPr>
-              <a:t>Outline</a:t>
-            </a:r>
-          </a:p>
-        </p:txBody>
-      </p:sp>
-      <p:sp>
-        <p:nvSpPr>
-          <p:cNvPr id="16388" name="Rectangle 3"/>
-          <p:cNvSpPr>
-            <a:spLocks noGrp="1" noChangeArrowheads="1"/>
-          </p:cNvSpPr>
-          <p:nvPr>
-            <p:ph idx="1"/>
-          </p:nvPr>
-        </p:nvSpPr>
-        <p:spPr/>
-        <p:txBody>
-          <a:bodyPr>
-            <a:normAutofit fontScale="85000" lnSpcReduction="20000"/>
-          </a:bodyPr>
-          <a:lstStyle/>
-          <a:p>
-            <a:pPr eaLnBrk="1" hangingPunct="1"/>
-            <a:r>
-              <a:rPr lang="en-US">
-                <a:ea typeface="ＭＳ Ｐゴシック" pitchFamily="-108" charset="-128"/>
-              </a:rPr>
-              <a:t>Motivation</a:t>
-            </a:r>
-          </a:p>
-          <a:p>
-            <a:pPr eaLnBrk="1" hangingPunct="1"/>
-            <a:r>
-              <a:rPr lang="en-US">
-                <a:ea typeface="ＭＳ Ｐゴシック" pitchFamily="-108" charset="-128"/>
-              </a:rPr>
-              <a:t>Discontinuities</a:t>
-            </a:r>
-          </a:p>
-          <a:p>
-            <a:pPr eaLnBrk="1" hangingPunct="1"/>
-            <a:r>
-              <a:rPr lang="en-US">
-                <a:ea typeface="ＭＳ Ｐゴシック" pitchFamily="-108" charset="-128"/>
-              </a:rPr>
-              <a:t>Problems observed in numerical methods</a:t>
-            </a:r>
-          </a:p>
-          <a:p>
-            <a:pPr eaLnBrk="1" hangingPunct="1"/>
-            <a:r>
-              <a:rPr lang="en-US">
-                <a:ea typeface="ＭＳ Ｐゴシック" pitchFamily="-108" charset="-128"/>
-              </a:rPr>
-              <a:t>Description of methods reviewed</a:t>
-            </a:r>
-          </a:p>
-          <a:p>
-            <a:pPr lvl="1" eaLnBrk="1" hangingPunct="1"/>
-            <a:r>
-              <a:rPr lang="en-US"/>
-              <a:t>Lax-Wendroff with limiters</a:t>
-            </a:r>
-          </a:p>
-          <a:p>
-            <a:pPr lvl="1" eaLnBrk="1" hangingPunct="1"/>
-            <a:r>
-              <a:rPr lang="en-US"/>
-              <a:t>MPDATA</a:t>
-            </a:r>
-          </a:p>
-          <a:p>
-            <a:pPr lvl="1" eaLnBrk="1" hangingPunct="1"/>
-            <a:r>
-              <a:rPr lang="en-US"/>
-              <a:t>MUSCL</a:t>
-            </a:r>
-          </a:p>
-          <a:p>
-            <a:pPr lvl="1" eaLnBrk="1" hangingPunct="1"/>
-            <a:r>
-              <a:rPr lang="en-US"/>
-              <a:t>SUPG</a:t>
-            </a:r>
-          </a:p>
-          <a:p>
-            <a:pPr eaLnBrk="1" hangingPunct="1"/>
-            <a:r>
-              <a:rPr lang="en-US">
-                <a:ea typeface="ＭＳ Ｐゴシック" pitchFamily="-108" charset="-128"/>
-              </a:rPr>
-              <a:t>Results</a:t>
-            </a:r>
-          </a:p>
-          <a:p>
-            <a:pPr lvl="1" eaLnBrk="1" hangingPunct="1"/>
-            <a:r>
-              <a:rPr lang="en-US"/>
-              <a:t>2D Advection Equations</a:t>
-            </a:r>
-          </a:p>
-          <a:p>
-            <a:pPr eaLnBrk="1" hangingPunct="1"/>
-            <a:r>
-              <a:rPr lang="en-US">
-                <a:ea typeface="ＭＳ Ｐゴシック" pitchFamily="-108" charset="-128"/>
-              </a:rPr>
-              <a:t>GPU Programming</a:t>
-            </a:r>
-          </a:p>
-          <a:p>
-            <a:pPr eaLnBrk="1" hangingPunct="1"/>
-            <a:r>
-              <a:rPr lang="en-US">
-                <a:ea typeface="ＭＳ Ｐゴシック" pitchFamily="-108" charset="-128"/>
-              </a:rPr>
-              <a:t>Conclusions</a:t>
-            </a:r>
-          </a:p>
-          <a:p>
-            <a:pPr eaLnBrk="1" hangingPunct="1"/>
-            <a:endParaRPr lang="en-US">
-              <a:ea typeface="ＭＳ Ｐゴシック" pitchFamily="-108" charset="-128"/>
-            </a:endParaRPr>
-          </a:p>
-        </p:txBody>
-      </p:sp>
-      <p:sp>
-        <p:nvSpPr>
-          <p:cNvPr id="16386" name="Slide Number Placeholder 3"/>
-          <p:cNvSpPr>
-            <a:spLocks noGrp="1"/>
-          </p:cNvSpPr>
-          <p:nvPr>
-            <p:ph type="sldNum" sz="quarter" idx="12"/>
-          </p:nvPr>
-        </p:nvSpPr>
-        <p:spPr>
-          <a:noFill/>
-        </p:spPr>
-        <p:txBody>
-          <a:bodyPr/>
-          <a:lstStyle/>
-          <a:p>
-            <a:r>
-              <a:rPr lang="en-US"/>
-              <a:t>Slide </a:t>
-            </a:r>
-            <a:fld id="{FAE26E11-2728-8F49-A7D3-30BEC0D3775C}" type="slidenum">
-              <a:rPr lang="en-US"/>
-              <a:pPr/>
-              <a:t>3</a:t>
-            </a:fld>
-            <a:endParaRPr lang="en-US"/>
-          </a:p>
-        </p:txBody>
-      </p:sp>
-    </p:spTree>
-  </p:cSld>
-  <p:clrMapOvr>
-    <a:masterClrMapping/>
-  </p:clrMapOvr>
-  <p:timing>
-    <p:tnLst>
-      <p:par>
-        <p:cTn id="1" dur="indefinite" restart="never" nodeType="tmRoot"/>
-      </p:par>
-    </p:tnLst>
-  </p:timing>
-</p:sld>
-</file>
-
-<file path=ppt/slides/slide4.xml><?xml version="1.0" encoding="utf-8"?>
-<p:sld xmlns:a="http://schemas.openxmlformats.org/drawingml/2006/main" xmlns:r="http://schemas.openxmlformats.org/officeDocument/2006/relationships" xmlns:p="http://schemas.openxmlformats.org/presentationml/2006/main">
-  <p:cSld>
-    <p:spTree>
-      <p:nvGrpSpPr>
-        <p:cNvPr id="1" name=""/>
-        <p:cNvGrpSpPr/>
-        <p:nvPr/>
-      </p:nvGrpSpPr>
-      <p:grpSpPr>
-        <a:xfrm>
-          <a:off x="0" y="0"/>
-          <a:ext cx="0" cy="0"/>
-          <a:chOff x="0" y="0"/>
-          <a:chExt cx="0" cy="0"/>
-        </a:xfrm>
-      </p:grpSpPr>
-      <p:sp>
-        <p:nvSpPr>
-          <p:cNvPr id="17410" name="Title 1"/>
-          <p:cNvSpPr>
-            <a:spLocks noGrp="1"/>
-          </p:cNvSpPr>
-          <p:nvPr>
-            <p:ph type="title"/>
-          </p:nvPr>
-        </p:nvSpPr>
-        <p:spPr/>
-        <p:txBody>
-          <a:bodyPr/>
-          <a:lstStyle/>
-          <a:p>
-            <a:r>
-              <a:rPr lang="en-US">
-                <a:ea typeface="ＭＳ Ｐゴシック" pitchFamily="-108" charset="-128"/>
-              </a:rPr>
-              <a:t>Motivation</a:t>
-            </a:r>
-          </a:p>
-        </p:txBody>
-      </p:sp>
-      <p:pic>
-        <p:nvPicPr>
-          <p:cNvPr id="17411" name="Content Placeholder 4" descr="Vortex_initial.png"/>
-          <p:cNvPicPr>
-            <a:picLocks noGrp="1" noChangeAspect="1"/>
-          </p:cNvPicPr>
-          <p:nvPr>
-            <p:ph idx="1"/>
-          </p:nvPr>
-        </p:nvPicPr>
-        <p:blipFill>
-          <a:blip r:embed="rId2"/>
-          <a:srcRect l="-25211" r="-25211"/>
-          <a:stretch>
-            <a:fillRect/>
-          </a:stretch>
-        </p:blipFill>
-        <p:spPr>
-          <a:xfrm>
-            <a:off x="990600" y="1371600"/>
-            <a:ext cx="7196138" cy="3581400"/>
-          </a:xfrm>
-        </p:spPr>
-      </p:pic>
-      <p:sp>
-        <p:nvSpPr>
-          <p:cNvPr id="17412" name="Slide Number Placeholder 3"/>
-          <p:cNvSpPr>
-            <a:spLocks noGrp="1"/>
-          </p:cNvSpPr>
-          <p:nvPr>
-            <p:ph type="sldNum" sz="quarter" idx="12"/>
-          </p:nvPr>
-        </p:nvSpPr>
-        <p:spPr>
-          <a:noFill/>
-        </p:spPr>
-        <p:txBody>
-          <a:bodyPr/>
-          <a:lstStyle/>
-          <a:p>
-            <a:r>
-              <a:rPr lang="en-US"/>
-              <a:t>Slide </a:t>
-            </a:r>
-            <a:fld id="{C2EBA822-0CE4-EC4A-8340-06C41A11600E}" type="slidenum">
-              <a:rPr lang="en-US"/>
-              <a:pPr/>
-              <a:t>4</a:t>
-            </a:fld>
-            <a:endParaRPr lang="en-US"/>
-          </a:p>
-        </p:txBody>
-      </p:sp>
-      <p:sp>
-        <p:nvSpPr>
-          <p:cNvPr id="17413" name="TextBox 6"/>
-          <p:cNvSpPr txBox="1">
-            <a:spLocks noChangeArrowheads="1"/>
-          </p:cNvSpPr>
-          <p:nvPr/>
-        </p:nvSpPr>
-        <p:spPr bwMode="auto">
-          <a:xfrm>
-            <a:off x="457200" y="5037138"/>
-            <a:ext cx="8229600" cy="338554"/>
-          </a:xfrm>
-          <a:prstGeom prst="rect">
-            <a:avLst/>
-          </a:prstGeom>
-          <a:noFill/>
-          <a:ln w="9525">
-            <a:noFill/>
-            <a:miter lim="800000"/>
-            <a:headEnd/>
-            <a:tailEnd/>
-          </a:ln>
-        </p:spPr>
-        <p:txBody>
-          <a:bodyPr>
-            <a:prstTxWarp prst="textNoShape">
-              <a:avLst/>
-            </a:prstTxWarp>
-            <a:spAutoFit/>
-          </a:bodyPr>
-          <a:lstStyle/>
-          <a:p>
-            <a:pPr algn="ctr">
-              <a:spcBef>
-                <a:spcPct val="50000"/>
-              </a:spcBef>
-              <a:spcAft>
-                <a:spcPct val="50000"/>
-              </a:spcAft>
-              <a:buClr>
-                <a:srgbClr val="004080"/>
-              </a:buClr>
-              <a:buSzPct val="65000"/>
-              <a:buFont typeface="Wingdings" pitchFamily="-108" charset="2"/>
-              <a:buNone/>
-            </a:pPr>
-            <a:r>
-              <a:rPr lang="en-US" sz="1600" dirty="0" smtClean="0">
-                <a:solidFill>
-                  <a:srgbClr val="000000"/>
-                </a:solidFill>
-              </a:rPr>
-              <a:t>A simple model problem showing the advection of radioactive</a:t>
-            </a:r>
-            <a:endParaRPr lang="en-US" sz="1600" dirty="0"/>
-          </a:p>
-        </p:txBody>
-      </p:sp>
-    </p:spTree>
-  </p:cSld>
-  <p:clrMapOvr>
-    <a:masterClrMapping/>
-  </p:clrMapOvr>
-  <p:timing>
-    <p:tnLst>
-      <p:par>
-        <p:cTn id="1" dur="indefinite" restart="never" nodeType="tmRoot"/>
-      </p:par>
-    </p:tnLst>
-  </p:timing>
-</p:sld>
-</file>
-
-<file path=ppt/slides/slide5.xml><?xml version="1.0" encoding="utf-8"?>
-<p:sld xmlns:a="http://schemas.openxmlformats.org/drawingml/2006/main" xmlns:r="http://schemas.openxmlformats.org/officeDocument/2006/relationships" xmlns:p="http://schemas.openxmlformats.org/presentationml/2006/main">
-  <p:cSld>
-    <p:spTree>
-      <p:nvGrpSpPr>
-        <p:cNvPr id="1" name=""/>
-        <p:cNvGrpSpPr/>
-        <p:nvPr/>
-      </p:nvGrpSpPr>
-      <p:grpSpPr>
-        <a:xfrm>
-          <a:off x="0" y="0"/>
-          <a:ext cx="0" cy="0"/>
-          <a:chOff x="0" y="0"/>
-          <a:chExt cx="0" cy="0"/>
-        </a:xfrm>
-      </p:grpSpPr>
-      <p:sp>
-        <p:nvSpPr>
-          <p:cNvPr id="18434" name="Title 1"/>
-          <p:cNvSpPr>
-            <a:spLocks noGrp="1"/>
-          </p:cNvSpPr>
-          <p:nvPr>
-            <p:ph type="title"/>
-          </p:nvPr>
-        </p:nvSpPr>
-        <p:spPr/>
-        <p:txBody>
-          <a:bodyPr/>
-          <a:lstStyle/>
-          <a:p>
-            <a:r>
-              <a:rPr lang="en-US">
-                <a:ea typeface="ＭＳ Ｐゴシック" pitchFamily="-108" charset="-128"/>
-              </a:rPr>
-              <a:t>Contact discontinuities</a:t>
-            </a:r>
-          </a:p>
-        </p:txBody>
-      </p:sp>
-      <p:sp>
-        <p:nvSpPr>
-          <p:cNvPr id="18435" name="Content Placeholder 2"/>
-          <p:cNvSpPr>
-            <a:spLocks noGrp="1"/>
-          </p:cNvSpPr>
-          <p:nvPr>
-            <p:ph idx="1"/>
-          </p:nvPr>
-        </p:nvSpPr>
-        <p:spPr>
-          <a:xfrm>
-            <a:off x="1435608" y="1447800"/>
-            <a:ext cx="7498080" cy="685800"/>
-          </a:xfrm>
-        </p:spPr>
-        <p:txBody>
-          <a:bodyPr>
-            <a:normAutofit fontScale="62500" lnSpcReduction="20000"/>
-          </a:bodyPr>
-          <a:lstStyle/>
-          <a:p>
-            <a:r>
-              <a:rPr lang="en-US" dirty="0">
-                <a:ea typeface="ＭＳ Ｐゴシック" pitchFamily="-108" charset="-128"/>
-              </a:rPr>
-              <a:t>A discontinuity that occurs in density but other quantities like pressure, velocity, and specific internal energy are continuous.</a:t>
-            </a:r>
-          </a:p>
-        </p:txBody>
-      </p:sp>
-      <p:sp>
-        <p:nvSpPr>
-          <p:cNvPr id="18436" name="Slide Number Placeholder 3"/>
-          <p:cNvSpPr>
-            <a:spLocks noGrp="1"/>
-          </p:cNvSpPr>
-          <p:nvPr>
-            <p:ph type="sldNum" sz="quarter" idx="12"/>
-          </p:nvPr>
-        </p:nvSpPr>
-        <p:spPr>
-          <a:noFill/>
-        </p:spPr>
-        <p:txBody>
-          <a:bodyPr/>
-          <a:lstStyle/>
-          <a:p>
-            <a:r>
-              <a:rPr lang="en-US"/>
-              <a:t>Slide </a:t>
-            </a:r>
-            <a:fld id="{72AE0D7D-194E-4948-A8DB-205102AE649C}" type="slidenum">
-              <a:rPr lang="en-US"/>
-              <a:pPr/>
-              <a:t>5</a:t>
-            </a:fld>
-            <a:endParaRPr lang="en-US"/>
-          </a:p>
-        </p:txBody>
-      </p:sp>
-      <p:pic>
-        <p:nvPicPr>
-          <p:cNvPr id="18437" name="Picture 3"/>
-          <p:cNvPicPr>
-            <a:picLocks noChangeAspect="1" noChangeArrowheads="1"/>
-          </p:cNvPicPr>
-          <p:nvPr/>
-        </p:nvPicPr>
-        <p:blipFill>
-          <a:blip r:embed="rId2"/>
-          <a:srcRect/>
-          <a:stretch>
-            <a:fillRect/>
-          </a:stretch>
-        </p:blipFill>
-        <p:spPr bwMode="auto">
-          <a:xfrm>
-            <a:off x="990600" y="2133600"/>
-            <a:ext cx="2873375" cy="3492500"/>
-          </a:xfrm>
-          <a:prstGeom prst="rect">
-            <a:avLst/>
-          </a:prstGeom>
-          <a:noFill/>
-          <a:ln w="9525">
-            <a:noFill/>
-            <a:miter lim="800000"/>
-            <a:headEnd/>
-            <a:tailEnd/>
-          </a:ln>
-        </p:spPr>
-      </p:pic>
-      <p:sp>
-        <p:nvSpPr>
-          <p:cNvPr id="18438" name="TextBox 6"/>
-          <p:cNvSpPr txBox="1">
-            <a:spLocks noChangeArrowheads="1"/>
-          </p:cNvSpPr>
-          <p:nvPr/>
-        </p:nvSpPr>
-        <p:spPr bwMode="auto">
-          <a:xfrm>
-            <a:off x="4038600" y="4648200"/>
-            <a:ext cx="2743200" cy="584200"/>
-          </a:xfrm>
-          <a:prstGeom prst="rect">
-            <a:avLst/>
-          </a:prstGeom>
-          <a:noFill/>
-          <a:ln w="9525">
-            <a:noFill/>
-            <a:miter lim="800000"/>
-            <a:headEnd/>
-            <a:tailEnd/>
-          </a:ln>
-        </p:spPr>
-        <p:txBody>
-          <a:bodyPr>
-            <a:prstTxWarp prst="textNoShape">
-              <a:avLst/>
-            </a:prstTxWarp>
-            <a:spAutoFit/>
-          </a:bodyPr>
-          <a:lstStyle/>
-          <a:p>
-            <a:pPr>
-              <a:spcBef>
-                <a:spcPct val="50000"/>
-              </a:spcBef>
-              <a:spcAft>
-                <a:spcPct val="50000"/>
-              </a:spcAft>
-              <a:buClr>
-                <a:srgbClr val="004080"/>
-              </a:buClr>
-              <a:buSzPct val="65000"/>
-              <a:buFont typeface="Wingdings" pitchFamily="-108" charset="2"/>
-              <a:buChar char="§"/>
-            </a:pPr>
-            <a:r>
-              <a:rPr lang="en-US" sz="1600">
-                <a:ea typeface="ＭＳ Ｐゴシック" pitchFamily="-108" charset="-128"/>
-                <a:cs typeface="ＭＳ Ｐゴシック" pitchFamily="-108" charset="-128"/>
-              </a:rPr>
-              <a:t>From Harlow and Amsden - “Fluid Dynamics”</a:t>
-            </a:r>
-          </a:p>
-        </p:txBody>
-      </p:sp>
-    </p:spTree>
-  </p:cSld>
-  <p:clrMapOvr>
-    <a:masterClrMapping/>
-  </p:clrMapOvr>
-  <p:timing>
-    <p:tnLst>
-      <p:par>
-        <p:cTn id="1" dur="indefinite" restart="never" nodeType="tmRoot"/>
-      </p:par>
-    </p:tnLst>
-  </p:timing>
-</p:sld>
-</file>
-
-<file path=ppt/slides/slide6.xml><?xml version="1.0" encoding="utf-8"?>
-<p:sld xmlns:a="http://schemas.openxmlformats.org/drawingml/2006/main" xmlns:r="http://schemas.openxmlformats.org/officeDocument/2006/relationships" xmlns:p="http://schemas.openxmlformats.org/presentationml/2006/main">
-  <p:cSld>
-    <p:spTree>
-      <p:nvGrpSpPr>
-        <p:cNvPr id="1" name=""/>
-        <p:cNvGrpSpPr/>
-        <p:nvPr/>
-      </p:nvGrpSpPr>
-      <p:grpSpPr>
-        <a:xfrm>
-          <a:off x="0" y="0"/>
-          <a:ext cx="0" cy="0"/>
-          <a:chOff x="0" y="0"/>
-          <a:chExt cx="0" cy="0"/>
-        </a:xfrm>
-      </p:grpSpPr>
-      <p:sp>
-        <p:nvSpPr>
-          <p:cNvPr id="19459" name="Title 1"/>
-          <p:cNvSpPr>
-            <a:spLocks noGrp="1"/>
-          </p:cNvSpPr>
-          <p:nvPr>
-            <p:ph type="title"/>
-          </p:nvPr>
-        </p:nvSpPr>
-        <p:spPr/>
-        <p:txBody>
-          <a:bodyPr>
-            <a:normAutofit fontScale="90000"/>
-          </a:bodyPr>
-          <a:lstStyle/>
-          <a:p>
-            <a:r>
-              <a:rPr lang="en-US">
-                <a:ea typeface="ＭＳ Ｐゴシック" pitchFamily="-108" charset="-128"/>
-              </a:rPr>
-              <a:t>Problems observed in numerical methods for equations with discontinuities</a:t>
-            </a:r>
-          </a:p>
-        </p:txBody>
-      </p:sp>
-      <p:sp>
-        <p:nvSpPr>
-          <p:cNvPr id="19458" name="Content Placeholder 2"/>
-          <p:cNvSpPr>
-            <a:spLocks noGrp="1"/>
-          </p:cNvSpPr>
-          <p:nvPr>
-            <p:ph idx="1"/>
-          </p:nvPr>
-        </p:nvSpPr>
-        <p:spPr>
-          <a:xfrm>
-            <a:off x="533400" y="1447800"/>
-            <a:ext cx="8343900" cy="4495800"/>
-          </a:xfrm>
-        </p:spPr>
-        <p:txBody>
-          <a:bodyPr/>
-          <a:lstStyle/>
-          <a:p>
-            <a:r>
-              <a:rPr lang="en-US">
-                <a:ea typeface="ＭＳ Ｐゴシック" pitchFamily="-108" charset="-128"/>
-              </a:rPr>
-              <a:t>Oscillations – High Order schemes</a:t>
-            </a:r>
-          </a:p>
-          <a:p>
-            <a:pPr lvl="1"/>
-            <a:r>
-              <a:rPr lang="en-US"/>
-              <a:t>Ex) Lax-Wendroff</a:t>
-            </a:r>
-          </a:p>
-          <a:p>
-            <a:endParaRPr lang="en-US">
-              <a:ea typeface="ＭＳ Ｐゴシック" pitchFamily="-108" charset="-128"/>
-            </a:endParaRPr>
-          </a:p>
-          <a:p>
-            <a:pPr>
-              <a:buFont typeface="Wingdings" pitchFamily="-108" charset="2"/>
-              <a:buNone/>
-            </a:pPr>
-            <a:endParaRPr lang="en-US">
-              <a:ea typeface="ＭＳ Ｐゴシック" pitchFamily="-108" charset="-128"/>
-            </a:endParaRPr>
-          </a:p>
-          <a:p>
-            <a:pPr>
-              <a:buFont typeface="Wingdings" pitchFamily="-108" charset="2"/>
-              <a:buNone/>
-            </a:pPr>
-            <a:endParaRPr lang="en-US">
-              <a:ea typeface="ＭＳ Ｐゴシック" pitchFamily="-108" charset="-128"/>
-            </a:endParaRPr>
-          </a:p>
-          <a:p>
-            <a:pPr>
-              <a:buFont typeface="Wingdings" pitchFamily="-108" charset="2"/>
-              <a:buNone/>
-            </a:pPr>
-            <a:endParaRPr lang="en-US">
-              <a:ea typeface="ＭＳ Ｐゴシック" pitchFamily="-108" charset="-128"/>
-            </a:endParaRPr>
-          </a:p>
-          <a:p>
-            <a:r>
-              <a:rPr lang="en-US">
-                <a:ea typeface="ＭＳ Ｐゴシック" pitchFamily="-108" charset="-128"/>
-              </a:rPr>
-              <a:t>Large dissipation – First Order Schemes</a:t>
-            </a:r>
-          </a:p>
-        </p:txBody>
-      </p:sp>
-      <p:sp>
-        <p:nvSpPr>
-          <p:cNvPr id="19460" name="Slide Number Placeholder 3"/>
-          <p:cNvSpPr>
-            <a:spLocks noGrp="1"/>
-          </p:cNvSpPr>
-          <p:nvPr>
-            <p:ph type="sldNum" sz="quarter" idx="12"/>
-          </p:nvPr>
-        </p:nvSpPr>
-        <p:spPr>
-          <a:noFill/>
-        </p:spPr>
-        <p:txBody>
-          <a:bodyPr/>
-          <a:lstStyle/>
-          <a:p>
-            <a:r>
-              <a:rPr lang="en-US"/>
-              <a:t>Slide </a:t>
-            </a:r>
-            <a:fld id="{134DCAB5-275C-0B47-B0A7-7CF862727573}" type="slidenum">
-              <a:rPr lang="en-US"/>
-              <a:pPr/>
-              <a:t>6</a:t>
-            </a:fld>
-            <a:endParaRPr lang="en-US"/>
-          </a:p>
-        </p:txBody>
-      </p:sp>
-      <p:pic>
-        <p:nvPicPr>
-          <p:cNvPr id="19461" name="Picture 59" descr="Statistics_Lax.png"/>
-          <p:cNvPicPr>
-            <a:picLocks noChangeAspect="1"/>
-          </p:cNvPicPr>
-          <p:nvPr/>
-        </p:nvPicPr>
-        <p:blipFill>
-          <a:blip r:embed="rId2"/>
-          <a:srcRect/>
-          <a:stretch>
-            <a:fillRect/>
-          </a:stretch>
-        </p:blipFill>
-        <p:spPr bwMode="auto">
-          <a:xfrm>
-            <a:off x="977900" y="2133600"/>
-            <a:ext cx="7023100" cy="1758950"/>
-          </a:xfrm>
-          <a:prstGeom prst="rect">
-            <a:avLst/>
-          </a:prstGeom>
-          <a:noFill/>
-          <a:ln w="9525">
-            <a:noFill/>
-            <a:miter lim="800000"/>
-            <a:headEnd/>
-            <a:tailEnd/>
-          </a:ln>
-        </p:spPr>
-      </p:pic>
-      <p:pic>
-        <p:nvPicPr>
-          <p:cNvPr id="19462" name="Picture 59" descr="Statistics_Lax.png"/>
-          <p:cNvPicPr>
-            <a:picLocks noChangeAspect="1"/>
-          </p:cNvPicPr>
-          <p:nvPr/>
-        </p:nvPicPr>
-        <p:blipFill>
-          <a:blip r:embed="rId3"/>
-          <a:srcRect/>
-          <a:stretch>
-            <a:fillRect/>
-          </a:stretch>
-        </p:blipFill>
-        <p:spPr bwMode="auto">
-          <a:xfrm>
-            <a:off x="1012825" y="4260850"/>
-            <a:ext cx="6978650" cy="1758950"/>
-          </a:xfrm>
-          <a:prstGeom prst="rect">
-            <a:avLst/>
-          </a:prstGeom>
-          <a:noFill/>
-          <a:ln w="9525">
-            <a:noFill/>
-            <a:miter lim="800000"/>
-            <a:headEnd/>
-            <a:tailEnd/>
-          </a:ln>
-        </p:spPr>
-      </p:pic>
-    </p:spTree>
-  </p:cSld>
-  <p:clrMapOvr>
-    <a:masterClrMapping/>
-  </p:clrMapOvr>
-  <p:timing>
-    <p:tnLst>
-      <p:par>
-        <p:cTn id="1" dur="indefinite" restart="never" nodeType="tmRoot"/>
-      </p:par>
-    </p:tnLst>
-  </p:timing>
-</p:sld>
-</file>
-
-<file path=ppt/slides/slide7.xml><?xml version="1.0" encoding="utf-8"?>
-<p:sld xmlns:a="http://schemas.openxmlformats.org/drawingml/2006/main" xmlns:r="http://schemas.openxmlformats.org/officeDocument/2006/relationships" xmlns:p="http://schemas.openxmlformats.org/presentationml/2006/main">
-  <p:cSld>
-    <p:spTree>
-      <p:nvGrpSpPr>
-        <p:cNvPr id="1" name=""/>
-        <p:cNvGrpSpPr/>
-        <p:nvPr/>
-      </p:nvGrpSpPr>
-      <p:grpSpPr>
-        <a:xfrm>
-          <a:off x="0" y="0"/>
-          <a:ext cx="0" cy="0"/>
-          <a:chOff x="0" y="0"/>
-          <a:chExt cx="0" cy="0"/>
-        </a:xfrm>
-      </p:grpSpPr>
-      <p:sp>
-        <p:nvSpPr>
-          <p:cNvPr id="2" name="Title 1"/>
-          <p:cNvSpPr>
-            <a:spLocks noGrp="1"/>
-          </p:cNvSpPr>
-          <p:nvPr>
-            <p:ph type="title"/>
-          </p:nvPr>
-        </p:nvSpPr>
-        <p:spPr/>
-        <p:txBody>
-          <a:bodyPr/>
-          <a:lstStyle/>
-          <a:p>
-            <a:r>
-              <a:rPr lang="en-US" dirty="0" smtClean="0"/>
-              <a:t>CFL condition</a:t>
-            </a:r>
-            <a:endParaRPr lang="en-US" dirty="0"/>
-          </a:p>
-        </p:txBody>
-      </p:sp>
-      <p:sp>
-        <p:nvSpPr>
-          <p:cNvPr id="3" name="Content Placeholder 2"/>
-          <p:cNvSpPr>
-            <a:spLocks noGrp="1"/>
-          </p:cNvSpPr>
-          <p:nvPr>
-            <p:ph idx="1"/>
-          </p:nvPr>
-        </p:nvSpPr>
-        <p:spPr/>
-        <p:txBody>
-          <a:bodyPr/>
-          <a:lstStyle/>
-          <a:p>
-            <a:r>
-              <a:rPr lang="en-US" dirty="0" smtClean="0"/>
-              <a:t>Related to information propagation.</a:t>
-            </a:r>
-          </a:p>
-          <a:p>
-            <a:pPr lvl="1"/>
-            <a:r>
-              <a:rPr lang="en-US" dirty="0" smtClean="0"/>
-              <a:t>N</a:t>
-            </a:r>
-            <a:r>
-              <a:rPr lang="en-US" dirty="0" smtClean="0"/>
-              <a:t>umerical solution should not move faster than analytic. </a:t>
-            </a:r>
-          </a:p>
-          <a:p>
-            <a:pPr lvl="1"/>
-            <a:r>
-              <a:rPr lang="en-US" dirty="0" smtClean="0"/>
-              <a:t>This means: </a:t>
-            </a:r>
-          </a:p>
-          <a:p>
-            <a:pPr lvl="1">
-              <a:buNone/>
-            </a:pPr>
-            <a:endParaRPr lang="en-US" dirty="0" smtClean="0"/>
-          </a:p>
-          <a:p>
-            <a:r>
-              <a:rPr lang="en-US" dirty="0" smtClean="0"/>
-              <a:t>For some methods CFL = 1 means a perfect propagation speed. </a:t>
-            </a:r>
-          </a:p>
-          <a:p>
-            <a:pPr lvl="1"/>
-            <a:r>
-              <a:rPr lang="en-US" dirty="0" smtClean="0"/>
-              <a:t>Easy proof that Lax-</a:t>
-            </a:r>
-            <a:r>
-              <a:rPr lang="en-US" dirty="0" err="1" smtClean="0"/>
-              <a:t>Wendroff</a:t>
-            </a:r>
-            <a:r>
-              <a:rPr lang="en-US" dirty="0" smtClean="0"/>
-              <a:t> and Upwind converge to the exact solution when CFL =1.</a:t>
-            </a:r>
-          </a:p>
-        </p:txBody>
-      </p:sp>
-      <p:pic>
-        <p:nvPicPr>
-          <p:cNvPr id="1027" name="Picture 3"/>
-          <p:cNvPicPr>
-            <a:picLocks noChangeAspect="1" noChangeArrowheads="1"/>
-          </p:cNvPicPr>
-          <p:nvPr/>
-        </p:nvPicPr>
-        <p:blipFill>
-          <a:blip r:embed="rId2"/>
-          <a:srcRect/>
-          <a:stretch>
-            <a:fillRect/>
-          </a:stretch>
-        </p:blipFill>
-        <p:spPr bwMode="auto">
-          <a:xfrm>
-            <a:off x="4038600" y="3200400"/>
-            <a:ext cx="2438400" cy="785402"/>
-          </a:xfrm>
-          <a:prstGeom prst="rect">
-            <a:avLst/>
-          </a:prstGeom>
-          <a:noFill/>
-          <a:ln w="9525">
-            <a:noFill/>
-            <a:miter lim="800000"/>
-            <a:headEnd/>
-            <a:tailEnd/>
-          </a:ln>
-        </p:spPr>
-      </p:pic>
-    </p:spTree>
-  </p:cSld>
-  <p:clrMapOvr>
-    <a:masterClrMapping/>
-  </p:clrMapOvr>
-</p:sld>
-</file>
-
-<file path=ppt/slides/slide8.xml><?xml version="1.0" encoding="utf-8"?>
-<p:sld xmlns:a="http://schemas.openxmlformats.org/drawingml/2006/main" xmlns:r="http://schemas.openxmlformats.org/officeDocument/2006/relationships" xmlns:p="http://schemas.openxmlformats.org/presentationml/2006/main">
-  <p:cSld>
-    <p:spTree>
-      <p:nvGrpSpPr>
-        <p:cNvPr id="1" name=""/>
-        <p:cNvGrpSpPr/>
-        <p:nvPr/>
-      </p:nvGrpSpPr>
-      <p:grpSpPr>
-        <a:xfrm>
-          <a:off x="0" y="0"/>
-          <a:ext cx="0" cy="0"/>
-          <a:chOff x="0" y="0"/>
-          <a:chExt cx="0" cy="0"/>
-        </a:xfrm>
-      </p:grpSpPr>
-      <p:sp>
-        <p:nvSpPr>
-          <p:cNvPr id="20482" name="Title 1"/>
-          <p:cNvSpPr>
-            <a:spLocks noGrp="1"/>
-          </p:cNvSpPr>
-          <p:nvPr>
-            <p:ph type="title"/>
-          </p:nvPr>
-        </p:nvSpPr>
-        <p:spPr/>
-        <p:txBody>
-          <a:bodyPr>
-            <a:normAutofit fontScale="90000"/>
-          </a:bodyPr>
-          <a:lstStyle/>
-          <a:p>
-            <a:r>
-              <a:rPr lang="en-US">
-                <a:ea typeface="ＭＳ Ｐゴシック" pitchFamily="-108" charset="-128"/>
-              </a:rPr>
-              <a:t>Descriptions of methods reviewed</a:t>
-            </a:r>
-          </a:p>
-        </p:txBody>
-      </p:sp>
-      <p:sp>
-        <p:nvSpPr>
-          <p:cNvPr id="20483" name="Content Placeholder 2"/>
-          <p:cNvSpPr>
-            <a:spLocks noGrp="1"/>
-          </p:cNvSpPr>
-          <p:nvPr>
-            <p:ph idx="1"/>
-          </p:nvPr>
-        </p:nvSpPr>
-        <p:spPr>
-          <a:xfrm>
-            <a:off x="1435608" y="1447800"/>
-            <a:ext cx="7498080" cy="1600200"/>
-          </a:xfrm>
-        </p:spPr>
-        <p:txBody>
-          <a:bodyPr>
-            <a:normAutofit fontScale="92500" lnSpcReduction="20000"/>
-          </a:bodyPr>
-          <a:lstStyle/>
-          <a:p>
-            <a:r>
-              <a:rPr lang="en-US" dirty="0">
-                <a:ea typeface="ＭＳ Ｐゴシック" pitchFamily="-108" charset="-128"/>
-              </a:rPr>
-              <a:t>Lax-</a:t>
-            </a:r>
-            <a:r>
-              <a:rPr lang="en-US" dirty="0" err="1">
-                <a:ea typeface="ＭＳ Ｐゴシック" pitchFamily="-108" charset="-128"/>
-              </a:rPr>
-              <a:t>Wendroff</a:t>
-            </a:r>
-            <a:r>
-              <a:rPr lang="en-US" dirty="0">
-                <a:ea typeface="ＭＳ Ｐゴシック" pitchFamily="-108" charset="-128"/>
-              </a:rPr>
-              <a:t> w/o Limiters</a:t>
-            </a:r>
-          </a:p>
-          <a:p>
-            <a:pPr lvl="1"/>
-            <a:r>
-              <a:rPr lang="en-US" dirty="0"/>
-              <a:t>Conservative 2</a:t>
-            </a:r>
-            <a:r>
-              <a:rPr lang="en-US" baseline="30000" dirty="0"/>
-              <a:t>nd</a:t>
-            </a:r>
-            <a:r>
-              <a:rPr lang="en-US" dirty="0"/>
-              <a:t> order scheme</a:t>
-            </a:r>
-          </a:p>
-          <a:p>
-            <a:pPr lvl="1"/>
-            <a:r>
-              <a:rPr lang="en-US" dirty="0"/>
-              <a:t>Approximate solution has oscillations around sharp gradients</a:t>
-            </a:r>
-          </a:p>
-          <a:p>
-            <a:pPr lvl="1"/>
-            <a:endParaRPr lang="en-US" dirty="0"/>
-          </a:p>
-        </p:txBody>
-      </p:sp>
-      <p:sp>
-        <p:nvSpPr>
-          <p:cNvPr id="20484" name="Slide Number Placeholder 3"/>
-          <p:cNvSpPr>
-            <a:spLocks noGrp="1"/>
-          </p:cNvSpPr>
-          <p:nvPr>
-            <p:ph type="sldNum" sz="quarter" idx="12"/>
-          </p:nvPr>
-        </p:nvSpPr>
-        <p:spPr>
-          <a:noFill/>
-        </p:spPr>
-        <p:txBody>
-          <a:bodyPr/>
-          <a:lstStyle/>
-          <a:p>
-            <a:r>
-              <a:rPr lang="en-US"/>
-              <a:t>Slide </a:t>
-            </a:r>
-            <a:fld id="{D2F573F5-8635-F946-99FF-73D55A1DF9E7}" type="slidenum">
-              <a:rPr lang="en-US"/>
-              <a:pPr/>
-              <a:t>8</a:t>
-            </a:fld>
-            <a:endParaRPr lang="en-US"/>
-          </a:p>
-        </p:txBody>
-      </p:sp>
-      <p:pic>
-        <p:nvPicPr>
-          <p:cNvPr id="20485" name="Picture 5" descr="/Users/Sean/Movies/Any Video Converter Ultimate/Common Used Video Formats/Lax_movie_noTVD.avi">
-            <a:hlinkClick r:id="" action="ppaction://media"/>
-          </p:cNvPr>
-          <p:cNvPicPr/>
-          <p:nvPr>
-            <a:videoFile r:link="rId1"/>
-          </p:nvPr>
-        </p:nvPicPr>
-        <p:blipFill>
-          <a:blip r:embed="rId3"/>
-          <a:srcRect/>
-          <a:stretch>
-            <a:fillRect/>
-          </a:stretch>
-        </p:blipFill>
-        <p:spPr bwMode="auto">
-          <a:xfrm>
-            <a:off x="2540000" y="3048000"/>
-            <a:ext cx="4064000" cy="3048000"/>
-          </a:xfrm>
-          <a:prstGeom prst="rect">
-            <a:avLst/>
-          </a:prstGeom>
-          <a:noFill/>
-          <a:ln w="9525">
-            <a:noFill/>
-            <a:miter lim="800000"/>
-            <a:headEnd/>
-            <a:tailEnd/>
-          </a:ln>
-        </p:spPr>
-      </p:pic>
-    </p:spTree>
-  </p:cSld>
-  <p:clrMapOvr>
-    <a:masterClrMapping/>
-  </p:clrMapOvr>
-  <p:timing>
-    <p:tnLst>
-      <p:par>
-        <p:cTn id="1" dur="indefinite" restart="never" nodeType="tmRoot">
-          <p:childTnLst>
-            <p:seq concurrent="1" nextAc="seek">
-              <p:cTn id="2" dur="indefinite" nodeType="mainSeq">
-                <p:childTnLst>
-                  <p:par>
-                    <p:cTn id="3" fill="hold">
-                      <p:stCondLst>
-                        <p:cond delay="indefinite"/>
-                        <p:cond evt="onBegin" delay="0">
-                          <p:tn val="2"/>
-                        </p:cond>
-                      </p:stCondLst>
-                      <p:childTnLst>
-                        <p:par>
-                          <p:cTn id="4" fill="hold">
-                            <p:stCondLst>
-                              <p:cond delay="0"/>
-                            </p:stCondLst>
-                            <p:childTnLst>
-                              <p:par>
-                                <p:cTn id="5" presetID="1" presetClass="mediacall" presetSubtype="0" fill="hold" nodeType="afterEffect">
-                                  <p:stCondLst>
-                                    <p:cond delay="0"/>
-                                  </p:stCondLst>
-                                  <p:childTnLst>
-                                    <p:cmd type="call" cmd="playFrom(0.0)">
-                                      <p:cBhvr>
-                                        <p:cTn id="6" dur="53320" fill="hold"/>
-                                        <p:tgtEl>
-                                          <p:spTgt spid="20485"/>
-                                        </p:tgtEl>
-                                      </p:cBhvr>
-                                    </p:cmd>
-                                  </p:childTnLst>
-                                </p:cTn>
-                              </p:par>
-                            </p:childTnLst>
-                          </p:cTn>
-                        </p:par>
-                      </p:childTnLst>
-                    </p:cTn>
-                  </p:par>
-                </p:childTnLst>
-              </p:cTn>
-              <p:prevCondLst>
-                <p:cond evt="onPrev" delay="0">
-                  <p:tgtEl>
-                    <p:sldTgt/>
-                  </p:tgtEl>
-                </p:cond>
-              </p:prevCondLst>
-              <p:nextCondLst>
-                <p:cond evt="onNext" delay="0">
-                  <p:tgtEl>
-                    <p:sldTgt/>
-                  </p:tgtEl>
-                </p:cond>
-              </p:nextCondLst>
-            </p:seq>
-            <p:video>
-              <p:cMediaNode>
-                <p:cTn id="7" fill="hold" display="0">
-                  <p:stCondLst>
-                    <p:cond delay="indefinite"/>
-                  </p:stCondLst>
-                  <p:endCondLst>
-                    <p:cond evt="onNext" delay="0">
-                      <p:tgtEl>
-                        <p:sldTgt/>
-                      </p:tgtEl>
-                    </p:cond>
-                    <p:cond evt="onPrev" delay="0">
-                      <p:tgtEl>
-                        <p:sldTgt/>
-                      </p:tgtEl>
-                    </p:cond>
-                  </p:endCondLst>
-                </p:cTn>
-                <p:tgtEl>
-                  <p:spTgt spid="20485"/>
-                </p:tgtEl>
-              </p:cMediaNode>
-            </p:video>
-            <p:seq concurrent="1" nextAc="seek">
-              <p:cTn id="8" restart="whenNotActive" fill="hold" evtFilter="cancelBubble" nodeType="interactiveSeq">
-                <p:stCondLst>
-                  <p:cond evt="onClick" delay="0">
-                    <p:tgtEl>
-                      <p:spTgt spid="20485"/>
-                    </p:tgtEl>
-                  </p:cond>
-                </p:stCondLst>
-                <p:endSync evt="end" delay="0">
-                  <p:rtn val="all"/>
-                </p:endSync>
-                <p:childTnLst>
-                  <p:par>
-                    <p:cTn id="9" fill="hold">
-                      <p:stCondLst>
-                        <p:cond delay="0"/>
-                      </p:stCondLst>
-                      <p:childTnLst>
-                        <p:par>
-                          <p:cTn id="10" fill="hold">
-                            <p:stCondLst>
-                              <p:cond delay="0"/>
-                            </p:stCondLst>
-                            <p:childTnLst>
-                              <p:par>
-                                <p:cTn id="11" presetID="2" presetClass="mediacall" presetSubtype="0" fill="hold" nodeType="clickEffect">
-                                  <p:stCondLst>
-                                    <p:cond delay="0"/>
-                                  </p:stCondLst>
-                                  <p:childTnLst>
-                                    <p:cmd type="call" cmd="togglePause">
-                                      <p:cBhvr>
-                                        <p:cTn id="12" dur="1" fill="hold"/>
-                                        <p:tgtEl>
-                                          <p:spTgt spid="20485"/>
-                                        </p:tgtEl>
-                                      </p:cBhvr>
-                                    </p:cmd>
-                                  </p:childTnLst>
-                                </p:cTn>
-                              </p:par>
-                            </p:childTnLst>
-                          </p:cTn>
-                        </p:par>
-                      </p:childTnLst>
-                    </p:cTn>
-                  </p:par>
-                </p:childTnLst>
-              </p:cTn>
-              <p:nextCondLst>
-                <p:cond evt="onClick" delay="0">
-                  <p:tgtEl>
-                    <p:spTgt spid="20485"/>
-                  </p:tgtEl>
-                </p:cond>
-              </p:nextCondLst>
-            </p:seq>
-          </p:childTnLst>
-        </p:cTn>
-      </p:par>
-    </p:tnLst>
-  </p:timing>
-</p:sld>
-</file>
-
-<file path=ppt/slides/slide9.xml><?xml version="1.0" encoding="utf-8"?>
-<p:sld xmlns:a="http://schemas.openxmlformats.org/drawingml/2006/main" xmlns:r="http://schemas.openxmlformats.org/officeDocument/2006/relationships" xmlns:p="http://schemas.openxmlformats.org/presentationml/2006/main">
-  <p:cSld>
-    <p:spTree>
-      <p:nvGrpSpPr>
-        <p:cNvPr id="1" name=""/>
-        <p:cNvGrpSpPr/>
-        <p:nvPr/>
-      </p:nvGrpSpPr>
-      <p:grpSpPr>
-        <a:xfrm>
-          <a:off x="0" y="0"/>
-          <a:ext cx="0" cy="0"/>
-          <a:chOff x="0" y="0"/>
-          <a:chExt cx="0" cy="0"/>
-        </a:xfrm>
-      </p:grpSpPr>
-      <p:sp>
-        <p:nvSpPr>
-          <p:cNvPr id="21506" name="Title 1"/>
-          <p:cNvSpPr>
-            <a:spLocks noGrp="1"/>
-          </p:cNvSpPr>
-          <p:nvPr>
-            <p:ph type="title"/>
-          </p:nvPr>
-        </p:nvSpPr>
-        <p:spPr/>
-        <p:txBody>
-          <a:bodyPr>
-            <a:normAutofit fontScale="90000"/>
-          </a:bodyPr>
-          <a:lstStyle/>
-          <a:p>
-            <a:r>
-              <a:rPr lang="en-US">
-                <a:ea typeface="ＭＳ Ｐゴシック" pitchFamily="-108" charset="-128"/>
-              </a:rPr>
-              <a:t>Description of methods reviewed</a:t>
-            </a:r>
-          </a:p>
-        </p:txBody>
-      </p:sp>
-      <p:sp>
-        <p:nvSpPr>
-          <p:cNvPr id="21507" name="Content Placeholder 2"/>
-          <p:cNvSpPr>
-            <a:spLocks noGrp="1"/>
-          </p:cNvSpPr>
-          <p:nvPr>
-            <p:ph idx="1"/>
-          </p:nvPr>
-        </p:nvSpPr>
-        <p:spPr>
-          <a:xfrm>
-            <a:off x="1435608" y="1447800"/>
-            <a:ext cx="7498080" cy="1600200"/>
-          </a:xfrm>
-        </p:spPr>
-        <p:txBody>
-          <a:bodyPr>
-            <a:normAutofit fontScale="85000" lnSpcReduction="20000"/>
-          </a:bodyPr>
-          <a:lstStyle/>
-          <a:p>
-            <a:r>
-              <a:rPr lang="en-US" dirty="0">
-                <a:ea typeface="ＭＳ Ｐゴシック" pitchFamily="-108" charset="-128"/>
-              </a:rPr>
-              <a:t>Lax-</a:t>
-            </a:r>
-            <a:r>
-              <a:rPr lang="en-US" dirty="0" err="1">
-                <a:ea typeface="ＭＳ Ｐゴシック" pitchFamily="-108" charset="-128"/>
-              </a:rPr>
-              <a:t>Wendroff</a:t>
-            </a:r>
-            <a:r>
-              <a:rPr lang="en-US" dirty="0">
-                <a:ea typeface="ＭＳ Ｐゴシック" pitchFamily="-108" charset="-128"/>
-              </a:rPr>
-              <a:t> </a:t>
-            </a:r>
-            <a:r>
-              <a:rPr lang="en-US" dirty="0" err="1">
-                <a:ea typeface="ＭＳ Ｐゴシック" pitchFamily="-108" charset="-128"/>
-              </a:rPr>
-              <a:t>w</a:t>
-            </a:r>
-            <a:r>
-              <a:rPr lang="en-US" dirty="0">
-                <a:ea typeface="ＭＳ Ｐゴシック" pitchFamily="-108" charset="-128"/>
-              </a:rPr>
-              <a:t>/ Limiters</a:t>
-            </a:r>
-          </a:p>
-          <a:p>
-            <a:pPr lvl="1"/>
-            <a:r>
-              <a:rPr lang="en-US" dirty="0"/>
-              <a:t>1</a:t>
-            </a:r>
-            <a:r>
-              <a:rPr lang="en-US" baseline="30000" dirty="0"/>
-              <a:t>st</a:t>
-            </a:r>
-            <a:r>
-              <a:rPr lang="en-US" dirty="0"/>
-              <a:t> order near discontinuities, 2</a:t>
-            </a:r>
-            <a:r>
-              <a:rPr lang="en-US" baseline="30000" dirty="0"/>
-              <a:t>nd</a:t>
-            </a:r>
-            <a:r>
-              <a:rPr lang="en-US" dirty="0"/>
-              <a:t> order elsewhere</a:t>
-            </a:r>
-          </a:p>
-          <a:p>
-            <a:pPr lvl="1"/>
-            <a:r>
-              <a:rPr lang="en-US" dirty="0"/>
-              <a:t>For linear equations is mathematically guaranteed to be TVD</a:t>
-            </a:r>
-          </a:p>
-        </p:txBody>
-      </p:sp>
-      <p:sp>
-        <p:nvSpPr>
-          <p:cNvPr id="21508" name="Slide Number Placeholder 3"/>
-          <p:cNvSpPr>
-            <a:spLocks noGrp="1"/>
-          </p:cNvSpPr>
-          <p:nvPr>
-            <p:ph type="sldNum" sz="quarter" idx="12"/>
-          </p:nvPr>
-        </p:nvSpPr>
-        <p:spPr>
-          <a:noFill/>
-        </p:spPr>
-        <p:txBody>
-          <a:bodyPr/>
-          <a:lstStyle/>
-          <a:p>
-            <a:r>
-              <a:rPr lang="en-US"/>
-              <a:t>Slide </a:t>
-            </a:r>
-            <a:fld id="{F361AA44-26A1-D347-8145-603C7EBA69F0}" type="slidenum">
-              <a:rPr lang="en-US"/>
-              <a:pPr/>
-              <a:t>9</a:t>
-            </a:fld>
-            <a:endParaRPr lang="en-US"/>
-          </a:p>
-        </p:txBody>
-      </p:sp>
-      <p:pic>
-        <p:nvPicPr>
-          <p:cNvPr id="21509" name="Picture 5" descr="/Users/Sean/Movies/Any Video Converter Ultimate/Common Used Video Formats/Lax_movie_TVD.avi">
-            <a:hlinkClick r:id="" action="ppaction://media"/>
-          </p:cNvPr>
-          <p:cNvPicPr/>
-          <p:nvPr>
-            <a:videoFile r:link="rId1"/>
-          </p:nvPr>
-        </p:nvPicPr>
-        <p:blipFill>
-          <a:blip r:embed="rId3"/>
-          <a:srcRect/>
-          <a:stretch>
-            <a:fillRect/>
-          </a:stretch>
-        </p:blipFill>
-        <p:spPr bwMode="auto">
-          <a:xfrm>
-            <a:off x="2540000" y="3048000"/>
-            <a:ext cx="4064000" cy="3048000"/>
-          </a:xfrm>
-          <a:prstGeom prst="rect">
-            <a:avLst/>
-          </a:prstGeom>
-          <a:noFill/>
-          <a:ln w="9525">
-            <a:noFill/>
-            <a:miter lim="800000"/>
-            <a:headEnd/>
-            <a:tailEnd/>
-          </a:ln>
-        </p:spPr>
-      </p:pic>
-    </p:spTree>
-  </p:cSld>
-  <p:clrMapOvr>
-    <a:masterClrMapping/>
-  </p:clrMapOvr>
-  <p:timing>
-    <p:tnLst>
-      <p:par>
-        <p:cTn id="1" dur="indefinite" restart="never" nodeType="tmRoot">
-          <p:childTnLst>
-            <p:seq concurrent="1" nextAc="seek">
-              <p:cTn id="2" dur="indefinite" nodeType="mainSeq">
-                <p:childTnLst>
-                  <p:par>
-                    <p:cTn id="3" fill="hold">
-                      <p:stCondLst>
-                        <p:cond delay="indefinite"/>
-                        <p:cond evt="onBegin" delay="0">
-                          <p:tn val="2"/>
-                        </p:cond>
-                      </p:stCondLst>
-                      <p:childTnLst>
-                        <p:par>
-                          <p:cTn id="4" fill="hold">
-                            <p:stCondLst>
-                              <p:cond delay="0"/>
-                            </p:stCondLst>
-                            <p:childTnLst>
-                              <p:par>
-                                <p:cTn id="5" presetID="1" presetClass="mediacall" presetSubtype="0" fill="hold" nodeType="afterEffect">
-                                  <p:stCondLst>
-                                    <p:cond delay="0"/>
-                                  </p:stCondLst>
-                                  <p:childTnLst>
-                                    <p:cmd type="call" cmd="playFrom(0.0)">
-                                      <p:cBhvr>
-                                        <p:cTn id="6" dur="53320" fill="hold"/>
-                                        <p:tgtEl>
-                                          <p:spTgt spid="21509"/>
-                                        </p:tgtEl>
-                                      </p:cBhvr>
-                                    </p:cmd>
-                                  </p:childTnLst>
-                                </p:cTn>
-                              </p:par>
-                            </p:childTnLst>
-                          </p:cTn>
-                        </p:par>
-                      </p:childTnLst>
-                    </p:cTn>
-                  </p:par>
-                </p:childTnLst>
-              </p:cTn>
-              <p:prevCondLst>
-                <p:cond evt="onPrev" delay="0">
-                  <p:tgtEl>
-                    <p:sldTgt/>
-                  </p:tgtEl>
-                </p:cond>
-              </p:prevCondLst>
-              <p:nextCondLst>
-                <p:cond evt="onNext" delay="0">
-                  <p:tgtEl>
-                    <p:sldTgt/>
-                  </p:tgtEl>
-                </p:cond>
-              </p:nextCondLst>
-            </p:seq>
-            <p:video>
-              <p:cMediaNode>
-                <p:cTn id="7" fill="hold" display="0">
-                  <p:stCondLst>
-                    <p:cond delay="indefinite"/>
-                  </p:stCondLst>
-                  <p:endCondLst>
-                    <p:cond evt="onNext" delay="0">
-                      <p:tgtEl>
-                        <p:sldTgt/>
-                      </p:tgtEl>
-                    </p:cond>
-                    <p:cond evt="onPrev" delay="0">
-                      <p:tgtEl>
-                        <p:sldTgt/>
-                      </p:tgtEl>
-                    </p:cond>
-                  </p:endCondLst>
-                </p:cTn>
-                <p:tgtEl>
-                  <p:spTgt spid="21509"/>
-                </p:tgtEl>
-              </p:cMediaNode>
-            </p:video>
-            <p:seq concurrent="1" nextAc="seek">
-              <p:cTn id="8" restart="whenNotActive" fill="hold" evtFilter="cancelBubble" nodeType="interactiveSeq">
-                <p:stCondLst>
-                  <p:cond evt="onClick" delay="0">
-                    <p:tgtEl>
-                      <p:spTgt spid="21509"/>
-                    </p:tgtEl>
-                  </p:cond>
-                </p:stCondLst>
-                <p:endSync evt="end" delay="0">
-                  <p:rtn val="all"/>
-                </p:endSync>
-                <p:childTnLst>
-                  <p:par>
-                    <p:cTn id="9" fill="hold">
-                      <p:stCondLst>
-                        <p:cond delay="0"/>
-                      </p:stCondLst>
-                      <p:childTnLst>
-                        <p:par>
-                          <p:cTn id="10" fill="hold">
-                            <p:stCondLst>
-                              <p:cond delay="0"/>
-                            </p:stCondLst>
-                            <p:childTnLst>
-                              <p:par>
-                                <p:cTn id="11" presetID="2" presetClass="mediacall" presetSubtype="0" fill="hold" nodeType="clickEffect">
-                                  <p:stCondLst>
-                                    <p:cond delay="0"/>
-                                  </p:stCondLst>
-                                  <p:childTnLst>
-                                    <p:cmd type="call" cmd="togglePause">
-                                      <p:cBhvr>
-                                        <p:cTn id="12" dur="1" fill="hold"/>
-                                        <p:tgtEl>
-                                          <p:spTgt spid="21509"/>
-                                        </p:tgtEl>
-                                      </p:cBhvr>
-                                    </p:cmd>
-                                  </p:childTnLst>
-                                </p:cTn>
-                              </p:par>
-                            </p:childTnLst>
-                          </p:cTn>
-                        </p:par>
-                      </p:childTnLst>
-                    </p:cTn>
-                  </p:par>
-                </p:childTnLst>
-              </p:cTn>
-              <p:nextCondLst>
-                <p:cond evt="onClick" delay="0">
-                  <p:tgtEl>
-                    <p:spTgt spid="21509"/>
-                  </p:tgtEl>
-                </p:cond>
-              </p:nextCondLst>
-            </p:seq>
-          </p:childTnLst>
-        </p:cTn>
       </p:par>
     </p:tnLst>
   </p:timing>

--- a/Final Research Presentation/Will_Additions.pptx
+++ b/Final Research Presentation/Will_Additions.pptx
@@ -194,7 +194,7 @@
             <a:fld id="{D454FE15-F6B3-874B-B378-F652C1F4788C}" type="datetimeFigureOut">
               <a:rPr lang="en-US" smtClean="0"/>
               <a:pPr/>
-              <a:t>8/14/2012</a:t>
+              <a:t>8/15/2012</a:t>
             </a:fld>
             <a:endParaRPr lang="en-US"/>
           </a:p>
@@ -591,7 +591,7 @@
             <a:fld id="{4BDB84C0-9A3A-884B-883E-F7760F12E0B8}" type="datetimeFigureOut">
               <a:rPr lang="en-US" smtClean="0"/>
               <a:pPr/>
-              <a:t>8/14/2012</a:t>
+              <a:t>8/15/2012</a:t>
             </a:fld>
             <a:endParaRPr lang="en-US"/>
           </a:p>
@@ -892,7 +892,7 @@
             <a:fld id="{4BDB84C0-9A3A-884B-883E-F7760F12E0B8}" type="datetimeFigureOut">
               <a:rPr lang="en-US" smtClean="0"/>
               <a:pPr/>
-              <a:t>8/14/2012</a:t>
+              <a:t>8/15/2012</a:t>
             </a:fld>
             <a:endParaRPr lang="en-US"/>
           </a:p>
@@ -1069,7 +1069,7 @@
             <a:fld id="{4BDB84C0-9A3A-884B-883E-F7760F12E0B8}" type="datetimeFigureOut">
               <a:rPr lang="en-US" smtClean="0"/>
               <a:pPr/>
-              <a:t>8/14/2012</a:t>
+              <a:t>8/15/2012</a:t>
             </a:fld>
             <a:endParaRPr lang="en-US"/>
           </a:p>
@@ -1236,7 +1236,7 @@
             <a:fld id="{4BDB84C0-9A3A-884B-883E-F7760F12E0B8}" type="datetimeFigureOut">
               <a:rPr lang="en-US" smtClean="0"/>
               <a:pPr/>
-              <a:t>8/14/2012</a:t>
+              <a:t>8/15/2012</a:t>
             </a:fld>
             <a:endParaRPr lang="en-US"/>
           </a:p>
@@ -1496,7 +1496,7 @@
             <a:fld id="{4BDB84C0-9A3A-884B-883E-F7760F12E0B8}" type="datetimeFigureOut">
               <a:rPr lang="en-US" smtClean="0"/>
               <a:pPr/>
-              <a:t>8/14/2012</a:t>
+              <a:t>8/15/2012</a:t>
             </a:fld>
             <a:endParaRPr lang="en-US"/>
           </a:p>
@@ -1950,7 +1950,7 @@
             <a:fld id="{4BDB84C0-9A3A-884B-883E-F7760F12E0B8}" type="datetimeFigureOut">
               <a:rPr lang="en-US" smtClean="0"/>
               <a:pPr/>
-              <a:t>8/14/2012</a:t>
+              <a:t>8/15/2012</a:t>
             </a:fld>
             <a:endParaRPr lang="en-US"/>
           </a:p>
@@ -2430,7 +2430,7 @@
             <a:fld id="{4BDB84C0-9A3A-884B-883E-F7760F12E0B8}" type="datetimeFigureOut">
               <a:rPr lang="en-US" smtClean="0"/>
               <a:pPr/>
-              <a:t>8/14/2012</a:t>
+              <a:t>8/15/2012</a:t>
             </a:fld>
             <a:endParaRPr lang="en-US"/>
           </a:p>
@@ -2550,7 +2550,7 @@
             <a:fld id="{4BDB84C0-9A3A-884B-883E-F7760F12E0B8}" type="datetimeFigureOut">
               <a:rPr lang="en-US" smtClean="0"/>
               <a:pPr/>
-              <a:t>8/14/2012</a:t>
+              <a:t>8/15/2012</a:t>
             </a:fld>
             <a:endParaRPr lang="en-US"/>
           </a:p>
@@ -2688,7 +2688,7 @@
             <a:fld id="{4BDB84C0-9A3A-884B-883E-F7760F12E0B8}" type="datetimeFigureOut">
               <a:rPr lang="en-US" smtClean="0"/>
               <a:pPr/>
-              <a:t>8/14/2012</a:t>
+              <a:t>8/15/2012</a:t>
             </a:fld>
             <a:endParaRPr lang="en-US"/>
           </a:p>
@@ -3001,7 +3001,7 @@
             <a:fld id="{4BDB84C0-9A3A-884B-883E-F7760F12E0B8}" type="datetimeFigureOut">
               <a:rPr lang="en-US" smtClean="0"/>
               <a:pPr/>
-              <a:t>8/14/2012</a:t>
+              <a:t>8/15/2012</a:t>
             </a:fld>
             <a:endParaRPr lang="en-US"/>
           </a:p>
@@ -3130,7 +3130,7 @@
             <a:fld id="{4BDB84C0-9A3A-884B-883E-F7760F12E0B8}" type="datetimeFigureOut">
               <a:rPr lang="en-US" smtClean="0"/>
               <a:pPr/>
-              <a:t>8/14/2012</a:t>
+              <a:t>8/15/2012</a:t>
             </a:fld>
             <a:endParaRPr lang="en-US"/>
           </a:p>
@@ -3888,7 +3888,7 @@
             <a:fld id="{4BDB84C0-9A3A-884B-883E-F7760F12E0B8}" type="datetimeFigureOut">
               <a:rPr lang="en-US" smtClean="0"/>
               <a:pPr/>
-              <a:t>8/14/2012</a:t>
+              <a:t>8/15/2012</a:t>
             </a:fld>
             <a:endParaRPr lang="en-US"/>
           </a:p>
@@ -4449,7 +4449,7 @@
         </p:spPr>
         <p:txBody>
           <a:bodyPr>
-            <a:normAutofit fontScale="85000" lnSpcReduction="20000"/>
+            <a:normAutofit fontScale="85000" lnSpcReduction="10000"/>
           </a:bodyPr>
           <a:lstStyle/>
           <a:p>
@@ -4601,7 +4601,41 @@
                 <a:ea typeface="+mn-ea"/>
                 <a:cs typeface="+mn-cs"/>
               </a:rPr>
-              <a:t>Cores on the same card have shared global memory</a:t>
+              <a:t>Cores share</a:t>
+            </a:r>
+            <a:r>
+              <a:rPr kumimoji="0" lang="en-US" sz="2800" b="0" i="0" u="none" strike="noStrike" kern="1200" cap="none" spc="0" normalizeH="0" noProof="0" dirty="0" smtClean="0">
+                <a:ln>
+                  <a:noFill/>
+                </a:ln>
+                <a:solidFill>
+                  <a:schemeClr val="tx1"/>
+                </a:solidFill>
+                <a:effectLst/>
+                <a:uLnTx/>
+                <a:uFillTx/>
+                <a:latin typeface="+mn-lt"/>
+                <a:ea typeface="+mn-ea"/>
+                <a:cs typeface="+mn-cs"/>
+              </a:rPr>
+              <a:t> </a:t>
+            </a:r>
+            <a:r>
+              <a:rPr kumimoji="0" lang="en-US" sz="2800" b="0" i="0" u="none" strike="noStrike" kern="1200" cap="none" spc="0" normalizeH="0" baseline="0" noProof="0" dirty="0" smtClean="0">
+                <a:ln>
+                  <a:noFill/>
+                </a:ln>
+                <a:solidFill>
+                  <a:schemeClr val="tx1"/>
+                </a:solidFill>
+                <a:effectLst/>
+                <a:uLnTx/>
+                <a:uFillTx/>
+                <a:latin typeface="+mn-lt"/>
+                <a:ea typeface="+mn-ea"/>
+                <a:cs typeface="+mn-cs"/>
+              </a:rPr>
+              <a:t>global memory</a:t>
             </a:r>
           </a:p>
           <a:p>
@@ -4625,56 +4659,31 @@
               <a:defRPr/>
             </a:pPr>
             <a:r>
-              <a:rPr kumimoji="0" lang="en-US" sz="2800" b="0" i="0" u="none" strike="noStrike" kern="1200" cap="none" spc="0" normalizeH="0" baseline="0" noProof="0" dirty="0" smtClean="0">
-                <a:ln>
-                  <a:noFill/>
-                </a:ln>
-                <a:solidFill>
-                  <a:schemeClr val="tx1"/>
-                </a:solidFill>
-                <a:effectLst/>
-                <a:uLnTx/>
-                <a:uFillTx/>
-                <a:latin typeface="+mn-lt"/>
-                <a:ea typeface="+mn-ea"/>
-                <a:cs typeface="+mn-cs"/>
-              </a:rPr>
-              <a:t>Warp/</a:t>
-            </a:r>
-            <a:r>
-              <a:rPr kumimoji="0" lang="en-US" sz="2800" b="0" i="0" u="none" strike="noStrike" kern="1200" cap="none" spc="0" normalizeH="0" baseline="0" noProof="0" dirty="0" err="1" smtClean="0">
-                <a:ln>
-                  <a:noFill/>
-                </a:ln>
-                <a:solidFill>
-                  <a:schemeClr val="tx1"/>
-                </a:solidFill>
-                <a:effectLst/>
-                <a:uLnTx/>
-                <a:uFillTx/>
-                <a:latin typeface="+mn-lt"/>
-                <a:ea typeface="+mn-ea"/>
-                <a:cs typeface="+mn-cs"/>
-              </a:rPr>
-              <a:t>Wavefront</a:t>
-            </a:r>
-            <a:r>
-              <a:rPr kumimoji="0" lang="en-US" sz="2800" b="0" i="0" u="none" strike="noStrike" kern="1200" cap="none" spc="0" normalizeH="0" baseline="0" noProof="0" dirty="0" smtClean="0">
-                <a:ln>
-                  <a:noFill/>
-                </a:ln>
-                <a:solidFill>
-                  <a:schemeClr val="tx1"/>
-                </a:solidFill>
-                <a:effectLst/>
-                <a:uLnTx/>
-                <a:uFillTx/>
-                <a:latin typeface="+mn-lt"/>
-                <a:ea typeface="+mn-ea"/>
-                <a:cs typeface="+mn-cs"/>
-              </a:rPr>
-              <a:t>- Similar to vector processor except much larger (SIMD)</a:t>
-            </a:r>
+              <a:rPr lang="en-US" noProof="0" dirty="0" smtClean="0"/>
+              <a:t>Warps/</a:t>
+            </a:r>
+            <a:r>
+              <a:rPr lang="en-US" noProof="0" dirty="0" err="1" smtClean="0"/>
+              <a:t>Wavefronts</a:t>
+            </a:r>
+            <a:r>
+              <a:rPr lang="en-US" noProof="0" dirty="0" smtClean="0"/>
+              <a:t> – groups of cores run same code. </a:t>
+            </a:r>
+            <a:endParaRPr kumimoji="0" lang="en-US" sz="2800" b="0" i="0" u="none" strike="noStrike" kern="1200" cap="none" spc="0" normalizeH="0" baseline="0" noProof="0" dirty="0" smtClean="0">
+              <a:ln>
+                <a:noFill/>
+              </a:ln>
+              <a:solidFill>
+                <a:schemeClr val="tx1"/>
+              </a:solidFill>
+              <a:effectLst/>
+              <a:uLnTx/>
+              <a:uFillTx/>
+              <a:latin typeface="+mn-lt"/>
+              <a:ea typeface="+mn-ea"/>
+              <a:cs typeface="+mn-cs"/>
+            </a:endParaRPr>
           </a:p>
           <a:p>
             <a:pPr marL="365760" marR="0" lvl="0" indent="-283464" algn="l" defTabSz="914400" rtl="0" eaLnBrk="1" fontAlgn="auto" latinLnBrk="0" hangingPunct="1">
@@ -4735,7 +4744,7 @@
               <a:defRPr/>
             </a:pPr>
             <a:r>
-              <a:rPr kumimoji="0" lang="en-US" sz="2800" b="0" i="0" u="none" strike="noStrike" kern="1200" cap="none" spc="0" normalizeH="0" baseline="0" noProof="0" dirty="0" err="1" smtClean="0">
+              <a:rPr kumimoji="0" lang="en-US" sz="2800" b="0" i="0" strike="noStrike" kern="1200" cap="none" spc="0" normalizeH="0" baseline="0" noProof="0" dirty="0" err="1" smtClean="0">
                 <a:ln>
                   <a:noFill/>
                 </a:ln>
@@ -4766,7 +4775,75 @@
                 <a:ea typeface="+mn-ea"/>
                 <a:cs typeface="+mn-cs"/>
               </a:rPr>
-              <a:t> – Open programming language that can make use of multiple CPUs (on the same node) and a GPU. Can combine with MPI for multiple nodes.</a:t>
+              <a:t> – Open programming language for multiple CPUs (on</a:t>
+            </a:r>
+            <a:r>
+              <a:rPr kumimoji="0" lang="en-US" sz="2800" b="0" i="0" u="none" strike="noStrike" kern="1200" cap="none" spc="0" normalizeH="0" noProof="0" dirty="0" smtClean="0">
+                <a:ln>
+                  <a:noFill/>
+                </a:ln>
+                <a:solidFill>
+                  <a:schemeClr val="tx1"/>
+                </a:solidFill>
+                <a:effectLst/>
+                <a:uLnTx/>
+                <a:uFillTx/>
+                <a:latin typeface="+mn-lt"/>
+                <a:ea typeface="+mn-ea"/>
+                <a:cs typeface="+mn-cs"/>
+              </a:rPr>
+              <a:t> </a:t>
+            </a:r>
+            <a:r>
+              <a:rPr kumimoji="0" lang="en-US" sz="2800" b="0" i="0" u="none" strike="noStrike" kern="1200" cap="none" spc="0" normalizeH="0" baseline="0" noProof="0" dirty="0" smtClean="0">
+                <a:ln>
+                  <a:noFill/>
+                </a:ln>
+                <a:solidFill>
+                  <a:schemeClr val="tx1"/>
+                </a:solidFill>
+                <a:effectLst/>
+                <a:uLnTx/>
+                <a:uFillTx/>
+                <a:latin typeface="+mn-lt"/>
+                <a:ea typeface="+mn-ea"/>
+                <a:cs typeface="+mn-cs"/>
+              </a:rPr>
+              <a:t>same node) and</a:t>
+            </a:r>
+            <a:r>
+              <a:rPr kumimoji="0" lang="en-US" sz="2800" b="0" i="0" u="none" strike="noStrike" kern="1200" cap="none" spc="0" normalizeH="0" noProof="0" dirty="0" smtClean="0">
+                <a:ln>
+                  <a:noFill/>
+                </a:ln>
+                <a:solidFill>
+                  <a:schemeClr val="tx1"/>
+                </a:solidFill>
+                <a:effectLst/>
+                <a:uLnTx/>
+                <a:uFillTx/>
+                <a:latin typeface="+mn-lt"/>
+                <a:ea typeface="+mn-ea"/>
+                <a:cs typeface="+mn-cs"/>
+              </a:rPr>
+              <a:t> </a:t>
+            </a:r>
+            <a:r>
+              <a:rPr kumimoji="0" lang="en-US" sz="2800" b="0" i="0" u="none" strike="noStrike" kern="1200" cap="none" spc="0" normalizeH="0" baseline="0" noProof="0" dirty="0" smtClean="0">
+                <a:ln>
+                  <a:noFill/>
+                </a:ln>
+                <a:solidFill>
+                  <a:schemeClr val="tx1"/>
+                </a:solidFill>
+                <a:effectLst/>
+                <a:uLnTx/>
+                <a:uFillTx/>
+                <a:latin typeface="+mn-lt"/>
+                <a:ea typeface="+mn-ea"/>
+                <a:cs typeface="+mn-cs"/>
+              </a:rPr>
+              <a:t>GPU. </a:t>
             </a:r>
           </a:p>
           <a:p>
@@ -4790,6 +4867,23 @@
               <a:defRPr/>
             </a:pPr>
             <a:r>
+              <a:rPr kumimoji="0" lang="en-US" sz="2800" b="0" i="0" strike="noStrike" kern="1200" cap="none" spc="0" normalizeH="0" baseline="0" noProof="0" dirty="0" smtClean="0">
+                <a:ln>
+                  <a:noFill/>
+                </a:ln>
+                <a:solidFill>
+                  <a:schemeClr val="tx1"/>
+                </a:solidFill>
+                <a:effectLst/>
+                <a:uLnTx/>
+                <a:uFillTx/>
+                <a:latin typeface="+mn-lt"/>
+                <a:ea typeface="+mn-ea"/>
+                <a:cs typeface="+mn-cs"/>
+              </a:rPr>
+              <a:t>CUDA</a:t>
+            </a:r>
+            <a:r>
               <a:rPr kumimoji="0" lang="en-US" sz="2800" b="0" i="0" u="none" strike="noStrike" kern="1200" cap="none" spc="0" normalizeH="0" baseline="0" noProof="0" dirty="0" smtClean="0">
                 <a:ln>
                   <a:noFill/>
@@ -4804,7 +4898,7 @@
                 <a:ea typeface="+mn-ea"/>
                 <a:cs typeface="+mn-cs"/>
               </a:rPr>
-              <a:t>CUDA – </a:t>
+              <a:t> – </a:t>
             </a:r>
             <a:r>
               <a:rPr kumimoji="0" lang="en-US" sz="2800" b="0" i="0" u="none" strike="noStrike" kern="1200" cap="none" spc="0" normalizeH="0" baseline="0" noProof="0" dirty="0" err="1" smtClean="0">
@@ -4995,150 +5089,10 @@
           <a:lstStyle/>
           <a:p>
             <a:r>
-              <a:rPr lang="en-US">
+              <a:rPr lang="en-US" dirty="0">
                 <a:ea typeface="ＭＳ Ｐゴシック" pitchFamily="-108" charset="-128"/>
               </a:rPr>
               <a:t>GPU architecture</a:t>
-            </a:r>
-          </a:p>
-        </p:txBody>
-      </p:sp>
-      <p:sp>
-        <p:nvSpPr>
-          <p:cNvPr id="31747" name="Content Placeholder 2"/>
-          <p:cNvSpPr>
-            <a:spLocks noGrp="1"/>
-          </p:cNvSpPr>
-          <p:nvPr>
-            <p:ph idx="1"/>
-          </p:nvPr>
-        </p:nvSpPr>
-        <p:spPr/>
-        <p:txBody>
-          <a:bodyPr>
-            <a:normAutofit fontScale="70000" lnSpcReduction="20000"/>
-          </a:bodyPr>
-          <a:lstStyle/>
-          <a:p>
-            <a:r>
-              <a:rPr lang="en-US" dirty="0">
-                <a:ea typeface="ＭＳ Ｐゴシック" pitchFamily="-108" charset="-128"/>
-              </a:rPr>
-              <a:t>Global Memory</a:t>
-            </a:r>
-          </a:p>
-          <a:p>
-            <a:pPr lvl="1"/>
-            <a:r>
-              <a:rPr lang="en-US" dirty="0"/>
-              <a:t>Available to entire device</a:t>
-            </a:r>
-          </a:p>
-          <a:p>
-            <a:r>
-              <a:rPr lang="en-US" dirty="0">
-                <a:ea typeface="ＭＳ Ｐゴシック" pitchFamily="-108" charset="-128"/>
-              </a:rPr>
-              <a:t>Local Memory</a:t>
-            </a:r>
-          </a:p>
-          <a:p>
-            <a:pPr lvl="1"/>
-            <a:r>
-              <a:rPr lang="en-US" dirty="0"/>
-              <a:t>Available to the work group only</a:t>
-            </a:r>
-          </a:p>
-          <a:p>
-            <a:pPr lvl="1"/>
-            <a:r>
-              <a:rPr lang="en-US" dirty="0"/>
-              <a:t>***I think this isn’t well defined in </a:t>
-            </a:r>
-            <a:r>
-              <a:rPr lang="en-US" dirty="0" err="1"/>
-              <a:t>OpenCL</a:t>
-            </a:r>
-            <a:r>
-              <a:rPr lang="en-US" dirty="0"/>
-              <a:t> and can spill over to Global without warning</a:t>
-            </a:r>
-          </a:p>
-          <a:p>
-            <a:r>
-              <a:rPr lang="en-US" dirty="0">
-                <a:ea typeface="ＭＳ Ｐゴシック" pitchFamily="-108" charset="-128"/>
-              </a:rPr>
-              <a:t>Private Memory</a:t>
-            </a:r>
-          </a:p>
-          <a:p>
-            <a:pPr lvl="1"/>
-            <a:r>
-              <a:rPr lang="en-US" dirty="0"/>
-              <a:t>Available to work item only</a:t>
-            </a:r>
-          </a:p>
-          <a:p>
-            <a:r>
-              <a:rPr lang="en-US" dirty="0">
-                <a:ea typeface="ＭＳ Ｐゴシック" pitchFamily="-108" charset="-128"/>
-              </a:rPr>
-              <a:t>Constant Memory</a:t>
-            </a:r>
-          </a:p>
-          <a:p>
-            <a:pPr lvl="1"/>
-            <a:r>
-              <a:rPr lang="en-US" dirty="0"/>
-              <a:t>Read only, can be faster than global</a:t>
-            </a:r>
-          </a:p>
-          <a:p>
-            <a:r>
-              <a:rPr lang="en-US" dirty="0">
-                <a:ea typeface="ＭＳ Ｐゴシック" pitchFamily="-108" charset="-128"/>
-              </a:rPr>
-              <a:t>SIMD group size – efficient code is a multiple of this</a:t>
-            </a:r>
-          </a:p>
-          <a:p>
-            <a:pPr lvl="1"/>
-            <a:r>
-              <a:rPr lang="en-US" dirty="0" err="1"/>
-              <a:t>Nvidia</a:t>
-            </a:r>
-            <a:r>
-              <a:rPr lang="en-US" dirty="0"/>
-              <a:t> – Warp </a:t>
-            </a:r>
-            <a:r>
-              <a:rPr lang="en-US" dirty="0" smtClean="0"/>
-              <a:t>= 32 cores</a:t>
-            </a:r>
-            <a:endParaRPr lang="en-US" dirty="0"/>
-          </a:p>
-          <a:p>
-            <a:pPr lvl="1"/>
-            <a:r>
-              <a:rPr lang="en-US" dirty="0"/>
-              <a:t>ATI – </a:t>
-            </a:r>
-            <a:r>
-              <a:rPr lang="en-US" dirty="0" err="1" smtClean="0"/>
-              <a:t>Wavefront</a:t>
-            </a:r>
-            <a:r>
-              <a:rPr lang="en-US" dirty="0" smtClean="0"/>
-              <a:t> = 64 cores</a:t>
-            </a:r>
-            <a:endParaRPr lang="en-US" dirty="0"/>
-          </a:p>
-          <a:p>
-            <a:pPr lvl="1"/>
-            <a:r>
-              <a:rPr lang="en-US" dirty="0"/>
-              <a:t>http://stackoverflow.com/questions/7093488/opencl-how-to-i-query-for-a-devices-simd-width</a:t>
             </a:r>
           </a:p>
         </p:txBody>
@@ -5170,6 +5124,66 @@
               <a:t>2</a:t>
             </a:fld>
             <a:endParaRPr lang="en-US"/>
+          </a:p>
+        </p:txBody>
+      </p:sp>
+      <p:pic>
+        <p:nvPicPr>
+          <p:cNvPr id="1026" name="Picture 2" descr="http://www.realworldtech.com/includes/images/articles/g100-2.gif"/>
+          <p:cNvPicPr>
+            <a:picLocks noChangeAspect="1" noChangeArrowheads="1"/>
+          </p:cNvPicPr>
+          <p:nvPr/>
+        </p:nvPicPr>
+        <p:blipFill>
+          <a:blip r:embed="rId2"/>
+          <a:srcRect/>
+          <a:stretch>
+            <a:fillRect/>
+          </a:stretch>
+        </p:blipFill>
+        <p:spPr bwMode="auto">
+          <a:xfrm>
+            <a:off x="2362200" y="1417637"/>
+            <a:ext cx="4191000" cy="4639779"/>
+          </a:xfrm>
+          <a:prstGeom prst="rect">
+            <a:avLst/>
+          </a:prstGeom>
+          <a:noFill/>
+        </p:spPr>
+      </p:pic>
+      <p:sp>
+        <p:nvSpPr>
+          <p:cNvPr id="6" name="TextBox 5"/>
+          <p:cNvSpPr txBox="1"/>
+          <p:nvPr/>
+        </p:nvSpPr>
+        <p:spPr>
+          <a:xfrm>
+            <a:off x="3273552" y="6031468"/>
+            <a:ext cx="3127248" cy="369332"/>
+          </a:xfrm>
+          <a:prstGeom prst="rect">
+            <a:avLst/>
+          </a:prstGeom>
+          <a:noFill/>
+        </p:spPr>
+        <p:txBody>
+          <a:bodyPr wrap="square" rtlCol="0">
+            <a:spAutoFit/>
+          </a:bodyPr>
+          <a:lstStyle/>
+          <a:p>
+            <a:r>
+              <a:rPr lang="en-US" sz="1400" dirty="0" smtClean="0"/>
+              <a:t>http://www.realworldtech.com/gt200/3</a:t>
+            </a:r>
+            <a:r>
+              <a:rPr lang="en-US" dirty="0" smtClean="0"/>
+              <a:t>/</a:t>
+            </a:r>
+            <a:endParaRPr lang="en-US" dirty="0"/>
           </a:p>
         </p:txBody>
       </p:sp>
